--- a/Document/Esc UI.pptx
+++ b/Document/Esc UI.pptx
@@ -8,6 +8,8 @@
     <p:sldId id="257" r:id="rId2"/>
     <p:sldId id="256" r:id="rId3"/>
     <p:sldId id="258" r:id="rId4"/>
+    <p:sldId id="259" r:id="rId5"/>
+    <p:sldId id="260" r:id="rId6"/>
   </p:sldIdLst>
   <p:sldSz cx="12192000" cy="6858000"/>
   <p:notesSz cx="6858000" cy="9144000"/>
@@ -285,7 +287,7 @@
           <a:p>
             <a:fld id="{AD720606-1960-4EA6-B479-CE42AB2C3942}" type="datetimeFigureOut">
               <a:rPr lang="ko-KR" altLang="en-US" smtClean="0"/>
-              <a:t>2019-10-18</a:t>
+              <a:t>2019-10-21</a:t>
             </a:fld>
             <a:endParaRPr lang="ko-KR" altLang="en-US"/>
           </a:p>
@@ -493,7 +495,7 @@
           <a:p>
             <a:fld id="{AD720606-1960-4EA6-B479-CE42AB2C3942}" type="datetimeFigureOut">
               <a:rPr lang="ko-KR" altLang="en-US" smtClean="0"/>
-              <a:t>2019-10-18</a:t>
+              <a:t>2019-10-21</a:t>
             </a:fld>
             <a:endParaRPr lang="ko-KR" altLang="en-US"/>
           </a:p>
@@ -803,7 +805,7 @@
           <a:p>
             <a:fld id="{AD720606-1960-4EA6-B479-CE42AB2C3942}" type="datetimeFigureOut">
               <a:rPr lang="ko-KR" altLang="en-US" smtClean="0"/>
-              <a:t>2019-10-18</a:t>
+              <a:t>2019-10-21</a:t>
             </a:fld>
             <a:endParaRPr lang="ko-KR" altLang="en-US"/>
           </a:p>
@@ -1068,7 +1070,7 @@
           <a:p>
             <a:fld id="{AD720606-1960-4EA6-B479-CE42AB2C3942}" type="datetimeFigureOut">
               <a:rPr lang="ko-KR" altLang="en-US" smtClean="0"/>
-              <a:t>2019-10-18</a:t>
+              <a:t>2019-10-21</a:t>
             </a:fld>
             <a:endParaRPr lang="ko-KR" altLang="en-US"/>
           </a:p>
@@ -1480,7 +1482,7 @@
           <a:p>
             <a:fld id="{AD720606-1960-4EA6-B479-CE42AB2C3942}" type="datetimeFigureOut">
               <a:rPr lang="ko-KR" altLang="en-US" smtClean="0"/>
-              <a:t>2019-10-18</a:t>
+              <a:t>2019-10-21</a:t>
             </a:fld>
             <a:endParaRPr lang="ko-KR" altLang="en-US"/>
           </a:p>
@@ -1621,7 +1623,7 @@
           <a:p>
             <a:fld id="{AD720606-1960-4EA6-B479-CE42AB2C3942}" type="datetimeFigureOut">
               <a:rPr lang="ko-KR" altLang="en-US" smtClean="0"/>
-              <a:t>2019-10-18</a:t>
+              <a:t>2019-10-21</a:t>
             </a:fld>
             <a:endParaRPr lang="ko-KR" altLang="en-US"/>
           </a:p>
@@ -1734,7 +1736,7 @@
           <a:p>
             <a:fld id="{AD720606-1960-4EA6-B479-CE42AB2C3942}" type="datetimeFigureOut">
               <a:rPr lang="ko-KR" altLang="en-US" smtClean="0"/>
-              <a:t>2019-10-18</a:t>
+              <a:t>2019-10-21</a:t>
             </a:fld>
             <a:endParaRPr lang="ko-KR" altLang="en-US"/>
           </a:p>
@@ -2045,7 +2047,7 @@
           <a:p>
             <a:fld id="{AD720606-1960-4EA6-B479-CE42AB2C3942}" type="datetimeFigureOut">
               <a:rPr lang="ko-KR" altLang="en-US" smtClean="0"/>
-              <a:t>2019-10-18</a:t>
+              <a:t>2019-10-21</a:t>
             </a:fld>
             <a:endParaRPr lang="ko-KR" altLang="en-US"/>
           </a:p>
@@ -2333,7 +2335,7 @@
           <a:p>
             <a:fld id="{AD720606-1960-4EA6-B479-CE42AB2C3942}" type="datetimeFigureOut">
               <a:rPr lang="ko-KR" altLang="en-US" smtClean="0"/>
-              <a:t>2019-10-18</a:t>
+              <a:t>2019-10-21</a:t>
             </a:fld>
             <a:endParaRPr lang="ko-KR" altLang="en-US"/>
           </a:p>
@@ -2574,7 +2576,7 @@
           <a:p>
             <a:fld id="{AD720606-1960-4EA6-B479-CE42AB2C3942}" type="datetimeFigureOut">
               <a:rPr lang="ko-KR" altLang="en-US" smtClean="0"/>
-              <a:t>2019-10-18</a:t>
+              <a:t>2019-10-21</a:t>
             </a:fld>
             <a:endParaRPr lang="ko-KR" altLang="en-US"/>
           </a:p>
@@ -10509,6 +10511,6731 @@
 </p:sld>
 </file>
 
+<file path=ppt/slides/slide4.xml><?xml version="1.0" encoding="utf-8"?>
+<p:sld xmlns:a="http://schemas.openxmlformats.org/drawingml/2006/main" xmlns:r="http://schemas.openxmlformats.org/officeDocument/2006/relationships" xmlns:p="http://schemas.openxmlformats.org/presentationml/2006/main">
+  <p:cSld>
+    <p:spTree>
+      <p:nvGrpSpPr>
+        <p:cNvPr id="1" name=""/>
+        <p:cNvGrpSpPr/>
+        <p:nvPr/>
+      </p:nvGrpSpPr>
+      <p:grpSpPr>
+        <a:xfrm>
+          <a:off x="0" y="0"/>
+          <a:ext cx="0" cy="0"/>
+          <a:chOff x="0" y="0"/>
+          <a:chExt cx="0" cy="0"/>
+        </a:xfrm>
+      </p:grpSpPr>
+      <p:grpSp>
+        <p:nvGrpSpPr>
+          <p:cNvPr id="3" name="그룹 2">
+            <a:extLst>
+              <a:ext uri="{FF2B5EF4-FFF2-40B4-BE49-F238E27FC236}">
+                <a16:creationId xmlns:a16="http://schemas.microsoft.com/office/drawing/2014/main" id="{E1FA2492-73E9-403D-AA83-7D16CE94D124}"/>
+              </a:ext>
+            </a:extLst>
+          </p:cNvPr>
+          <p:cNvGrpSpPr/>
+          <p:nvPr/>
+        </p:nvGrpSpPr>
+        <p:grpSpPr>
+          <a:xfrm>
+            <a:off x="1684134" y="962998"/>
+            <a:ext cx="1085848" cy="1085848"/>
+            <a:chOff x="504827" y="1511440"/>
+            <a:chExt cx="1743071" cy="1743071"/>
+          </a:xfrm>
+        </p:grpSpPr>
+        <p:sp>
+          <p:nvSpPr>
+            <p:cNvPr id="17" name="다이아몬드 16">
+              <a:extLst>
+                <a:ext uri="{FF2B5EF4-FFF2-40B4-BE49-F238E27FC236}">
+                  <a16:creationId xmlns:a16="http://schemas.microsoft.com/office/drawing/2014/main" id="{97E6B269-EE18-47E2-9FEB-B0EA77BABA88}"/>
+                </a:ext>
+              </a:extLst>
+            </p:cNvPr>
+            <p:cNvSpPr/>
+            <p:nvPr/>
+          </p:nvSpPr>
+          <p:spPr>
+            <a:xfrm>
+              <a:off x="504827" y="1511440"/>
+              <a:ext cx="1743071" cy="1743071"/>
+            </a:xfrm>
+            <a:prstGeom prst="diamond">
+              <a:avLst/>
+            </a:prstGeom>
+            <a:solidFill>
+              <a:schemeClr val="tx1"/>
+            </a:solidFill>
+            <a:ln w="28575">
+              <a:solidFill>
+                <a:schemeClr val="bg1"/>
+              </a:solidFill>
+            </a:ln>
+          </p:spPr>
+          <p:style>
+            <a:lnRef idx="2">
+              <a:schemeClr val="accent1">
+                <a:shade val="50000"/>
+              </a:schemeClr>
+            </a:lnRef>
+            <a:fillRef idx="1">
+              <a:schemeClr val="accent1"/>
+            </a:fillRef>
+            <a:effectRef idx="0">
+              <a:schemeClr val="accent1"/>
+            </a:effectRef>
+            <a:fontRef idx="minor">
+              <a:schemeClr val="lt1"/>
+            </a:fontRef>
+          </p:style>
+          <p:txBody>
+            <a:bodyPr rtlCol="0" anchor="ctr"/>
+            <a:lstStyle/>
+            <a:p>
+              <a:pPr algn="ctr"/>
+              <a:endParaRPr lang="ko-KR" altLang="en-US"/>
+            </a:p>
+          </p:txBody>
+        </p:sp>
+        <p:pic>
+          <p:nvPicPr>
+            <p:cNvPr id="18" name="그림 17">
+              <a:extLst>
+                <a:ext uri="{FF2B5EF4-FFF2-40B4-BE49-F238E27FC236}">
+                  <a16:creationId xmlns:a16="http://schemas.microsoft.com/office/drawing/2014/main" id="{C49423B2-DAEE-4A0E-9989-CF9F29F3E071}"/>
+                </a:ext>
+              </a:extLst>
+            </p:cNvPr>
+            <p:cNvPicPr>
+              <a:picLocks noChangeAspect="1"/>
+            </p:cNvPicPr>
+            <p:nvPr/>
+          </p:nvPicPr>
+          <p:blipFill>
+            <a:blip r:embed="rId2">
+              <a:extLst>
+                <a:ext uri="{28A0092B-C50C-407E-A947-70E740481C1C}">
+                  <a14:useLocalDpi xmlns:a14="http://schemas.microsoft.com/office/drawing/2010/main" val="0"/>
+                </a:ext>
+              </a:extLst>
+            </a:blip>
+            <a:stretch>
+              <a:fillRect/>
+            </a:stretch>
+          </p:blipFill>
+          <p:spPr>
+            <a:xfrm>
+              <a:off x="952467" y="1965138"/>
+              <a:ext cx="847790" cy="847790"/>
+            </a:xfrm>
+            <a:prstGeom prst="rect">
+              <a:avLst/>
+            </a:prstGeom>
+          </p:spPr>
+        </p:pic>
+      </p:grpSp>
+      <p:sp>
+        <p:nvSpPr>
+          <p:cNvPr id="4" name="TextBox 3">
+            <a:extLst>
+              <a:ext uri="{FF2B5EF4-FFF2-40B4-BE49-F238E27FC236}">
+                <a16:creationId xmlns:a16="http://schemas.microsoft.com/office/drawing/2014/main" id="{1F6A3D59-58E5-49BD-AA01-485BE343CFAE}"/>
+              </a:ext>
+            </a:extLst>
+          </p:cNvPr>
+          <p:cNvSpPr txBox="1"/>
+          <p:nvPr/>
+        </p:nvSpPr>
+        <p:spPr>
+          <a:xfrm>
+            <a:off x="1788477" y="1851849"/>
+            <a:ext cx="877163" cy="369332"/>
+          </a:xfrm>
+          <a:prstGeom prst="rect">
+            <a:avLst/>
+          </a:prstGeom>
+          <a:solidFill>
+            <a:schemeClr val="bg1"/>
+          </a:solidFill>
+        </p:spPr>
+        <p:txBody>
+          <a:bodyPr wrap="none" rtlCol="0">
+            <a:spAutoFit/>
+          </a:bodyPr>
+          <a:lstStyle/>
+          <a:p>
+            <a:r>
+              <a:rPr lang="ko-KR" altLang="en-US" b="1" dirty="0"/>
+              <a:t>공격력</a:t>
+            </a:r>
+          </a:p>
+        </p:txBody>
+      </p:sp>
+      <p:grpSp>
+        <p:nvGrpSpPr>
+          <p:cNvPr id="5" name="그룹 4">
+            <a:extLst>
+              <a:ext uri="{FF2B5EF4-FFF2-40B4-BE49-F238E27FC236}">
+                <a16:creationId xmlns:a16="http://schemas.microsoft.com/office/drawing/2014/main" id="{0C349687-9E18-4F51-9613-171DD4BAE3F4}"/>
+              </a:ext>
+            </a:extLst>
+          </p:cNvPr>
+          <p:cNvGrpSpPr/>
+          <p:nvPr/>
+        </p:nvGrpSpPr>
+        <p:grpSpPr>
+          <a:xfrm>
+            <a:off x="1770209" y="2317925"/>
+            <a:ext cx="877164" cy="187563"/>
+            <a:chOff x="2531956" y="2033685"/>
+            <a:chExt cx="3405353" cy="728163"/>
+          </a:xfrm>
+          <a:solidFill>
+            <a:schemeClr val="tx1"/>
+          </a:solidFill>
+        </p:grpSpPr>
+        <p:sp>
+          <p:nvSpPr>
+            <p:cNvPr id="9" name="사각형: 둥근 모서리 8">
+              <a:extLst>
+                <a:ext uri="{FF2B5EF4-FFF2-40B4-BE49-F238E27FC236}">
+                  <a16:creationId xmlns:a16="http://schemas.microsoft.com/office/drawing/2014/main" id="{D352A924-83F5-4972-A577-5BA20E7321B1}"/>
+                </a:ext>
+              </a:extLst>
+            </p:cNvPr>
+            <p:cNvSpPr/>
+            <p:nvPr/>
+          </p:nvSpPr>
+          <p:spPr>
+            <a:xfrm>
+              <a:off x="2531956" y="2052608"/>
+              <a:ext cx="761987" cy="304800"/>
+            </a:xfrm>
+            <a:prstGeom prst="roundRect">
+              <a:avLst/>
+            </a:prstGeom>
+            <a:solidFill>
+              <a:srgbClr val="92D050"/>
+            </a:solidFill>
+            <a:ln w="38100">
+              <a:solidFill>
+                <a:schemeClr val="bg1"/>
+              </a:solidFill>
+            </a:ln>
+          </p:spPr>
+          <p:style>
+            <a:lnRef idx="2">
+              <a:schemeClr val="accent1">
+                <a:shade val="50000"/>
+              </a:schemeClr>
+            </a:lnRef>
+            <a:fillRef idx="1">
+              <a:schemeClr val="accent1"/>
+            </a:fillRef>
+            <a:effectRef idx="0">
+              <a:schemeClr val="accent1"/>
+            </a:effectRef>
+            <a:fontRef idx="minor">
+              <a:schemeClr val="lt1"/>
+            </a:fontRef>
+          </p:style>
+          <p:txBody>
+            <a:bodyPr rtlCol="0" anchor="ctr"/>
+            <a:lstStyle/>
+            <a:p>
+              <a:pPr algn="ctr"/>
+              <a:endParaRPr lang="ko-KR" altLang="en-US"/>
+            </a:p>
+          </p:txBody>
+        </p:sp>
+        <p:sp>
+          <p:nvSpPr>
+            <p:cNvPr id="10" name="사각형: 둥근 모서리 9">
+              <a:extLst>
+                <a:ext uri="{FF2B5EF4-FFF2-40B4-BE49-F238E27FC236}">
+                  <a16:creationId xmlns:a16="http://schemas.microsoft.com/office/drawing/2014/main" id="{A2598581-95A7-467E-A953-A27C517333FE}"/>
+                </a:ext>
+              </a:extLst>
+            </p:cNvPr>
+            <p:cNvSpPr/>
+            <p:nvPr/>
+          </p:nvSpPr>
+          <p:spPr>
+            <a:xfrm>
+              <a:off x="2531956" y="2457048"/>
+              <a:ext cx="761987" cy="304800"/>
+            </a:xfrm>
+            <a:prstGeom prst="roundRect">
+              <a:avLst/>
+            </a:prstGeom>
+            <a:grpFill/>
+            <a:ln w="38100">
+              <a:solidFill>
+                <a:schemeClr val="bg1"/>
+              </a:solidFill>
+            </a:ln>
+          </p:spPr>
+          <p:style>
+            <a:lnRef idx="2">
+              <a:schemeClr val="accent1">
+                <a:shade val="50000"/>
+              </a:schemeClr>
+            </a:lnRef>
+            <a:fillRef idx="1">
+              <a:schemeClr val="accent1"/>
+            </a:fillRef>
+            <a:effectRef idx="0">
+              <a:schemeClr val="accent1"/>
+            </a:effectRef>
+            <a:fontRef idx="minor">
+              <a:schemeClr val="lt1"/>
+            </a:fontRef>
+          </p:style>
+          <p:txBody>
+            <a:bodyPr rtlCol="0" anchor="ctr"/>
+            <a:lstStyle/>
+            <a:p>
+              <a:pPr algn="ctr"/>
+              <a:endParaRPr lang="ko-KR" altLang="en-US"/>
+            </a:p>
+          </p:txBody>
+        </p:sp>
+        <p:sp>
+          <p:nvSpPr>
+            <p:cNvPr id="11" name="사각형: 둥근 모서리 10">
+              <a:extLst>
+                <a:ext uri="{FF2B5EF4-FFF2-40B4-BE49-F238E27FC236}">
+                  <a16:creationId xmlns:a16="http://schemas.microsoft.com/office/drawing/2014/main" id="{BB422221-B24D-44DC-8EC6-CB9BB2F7CEFE}"/>
+                </a:ext>
+              </a:extLst>
+            </p:cNvPr>
+            <p:cNvSpPr/>
+            <p:nvPr/>
+          </p:nvSpPr>
+          <p:spPr>
+            <a:xfrm>
+              <a:off x="3413078" y="2457048"/>
+              <a:ext cx="761987" cy="304800"/>
+            </a:xfrm>
+            <a:prstGeom prst="roundRect">
+              <a:avLst/>
+            </a:prstGeom>
+            <a:grpFill/>
+            <a:ln w="38100">
+              <a:solidFill>
+                <a:schemeClr val="bg1"/>
+              </a:solidFill>
+            </a:ln>
+          </p:spPr>
+          <p:style>
+            <a:lnRef idx="2">
+              <a:schemeClr val="accent1">
+                <a:shade val="50000"/>
+              </a:schemeClr>
+            </a:lnRef>
+            <a:fillRef idx="1">
+              <a:schemeClr val="accent1"/>
+            </a:fillRef>
+            <a:effectRef idx="0">
+              <a:schemeClr val="accent1"/>
+            </a:effectRef>
+            <a:fontRef idx="minor">
+              <a:schemeClr val="lt1"/>
+            </a:fontRef>
+          </p:style>
+          <p:txBody>
+            <a:bodyPr rtlCol="0" anchor="ctr"/>
+            <a:lstStyle/>
+            <a:p>
+              <a:pPr algn="ctr"/>
+              <a:endParaRPr lang="ko-KR" altLang="en-US"/>
+            </a:p>
+          </p:txBody>
+        </p:sp>
+        <p:sp>
+          <p:nvSpPr>
+            <p:cNvPr id="12" name="사각형: 둥근 모서리 11">
+              <a:extLst>
+                <a:ext uri="{FF2B5EF4-FFF2-40B4-BE49-F238E27FC236}">
+                  <a16:creationId xmlns:a16="http://schemas.microsoft.com/office/drawing/2014/main" id="{DD3DD7A6-C06B-4024-9471-D933FEBE961E}"/>
+                </a:ext>
+              </a:extLst>
+            </p:cNvPr>
+            <p:cNvSpPr/>
+            <p:nvPr/>
+          </p:nvSpPr>
+          <p:spPr>
+            <a:xfrm>
+              <a:off x="3413078" y="2033685"/>
+              <a:ext cx="761987" cy="304800"/>
+            </a:xfrm>
+            <a:prstGeom prst="roundRect">
+              <a:avLst/>
+            </a:prstGeom>
+            <a:solidFill>
+              <a:srgbClr val="92D050"/>
+            </a:solidFill>
+            <a:ln w="38100">
+              <a:solidFill>
+                <a:schemeClr val="bg1"/>
+              </a:solidFill>
+            </a:ln>
+          </p:spPr>
+          <p:style>
+            <a:lnRef idx="2">
+              <a:schemeClr val="accent1">
+                <a:shade val="50000"/>
+              </a:schemeClr>
+            </a:lnRef>
+            <a:fillRef idx="1">
+              <a:schemeClr val="accent1"/>
+            </a:fillRef>
+            <a:effectRef idx="0">
+              <a:schemeClr val="accent1"/>
+            </a:effectRef>
+            <a:fontRef idx="minor">
+              <a:schemeClr val="lt1"/>
+            </a:fontRef>
+          </p:style>
+          <p:txBody>
+            <a:bodyPr rtlCol="0" anchor="ctr"/>
+            <a:lstStyle/>
+            <a:p>
+              <a:pPr algn="ctr"/>
+              <a:endParaRPr lang="ko-KR" altLang="en-US"/>
+            </a:p>
+          </p:txBody>
+        </p:sp>
+        <p:sp>
+          <p:nvSpPr>
+            <p:cNvPr id="13" name="사각형: 둥근 모서리 12">
+              <a:extLst>
+                <a:ext uri="{FF2B5EF4-FFF2-40B4-BE49-F238E27FC236}">
+                  <a16:creationId xmlns:a16="http://schemas.microsoft.com/office/drawing/2014/main" id="{615FBEC8-C452-40A7-B06F-BC4B703B5275}"/>
+                </a:ext>
+              </a:extLst>
+            </p:cNvPr>
+            <p:cNvSpPr/>
+            <p:nvPr/>
+          </p:nvSpPr>
+          <p:spPr>
+            <a:xfrm>
+              <a:off x="4294200" y="2457048"/>
+              <a:ext cx="761987" cy="304800"/>
+            </a:xfrm>
+            <a:prstGeom prst="roundRect">
+              <a:avLst/>
+            </a:prstGeom>
+            <a:grpFill/>
+            <a:ln w="38100">
+              <a:solidFill>
+                <a:schemeClr val="bg1"/>
+              </a:solidFill>
+            </a:ln>
+          </p:spPr>
+          <p:style>
+            <a:lnRef idx="2">
+              <a:schemeClr val="accent1">
+                <a:shade val="50000"/>
+              </a:schemeClr>
+            </a:lnRef>
+            <a:fillRef idx="1">
+              <a:schemeClr val="accent1"/>
+            </a:fillRef>
+            <a:effectRef idx="0">
+              <a:schemeClr val="accent1"/>
+            </a:effectRef>
+            <a:fontRef idx="minor">
+              <a:schemeClr val="lt1"/>
+            </a:fontRef>
+          </p:style>
+          <p:txBody>
+            <a:bodyPr rtlCol="0" anchor="ctr"/>
+            <a:lstStyle/>
+            <a:p>
+              <a:pPr algn="ctr"/>
+              <a:endParaRPr lang="ko-KR" altLang="en-US"/>
+            </a:p>
+          </p:txBody>
+        </p:sp>
+        <p:sp>
+          <p:nvSpPr>
+            <p:cNvPr id="14" name="사각형: 둥근 모서리 13">
+              <a:extLst>
+                <a:ext uri="{FF2B5EF4-FFF2-40B4-BE49-F238E27FC236}">
+                  <a16:creationId xmlns:a16="http://schemas.microsoft.com/office/drawing/2014/main" id="{AE9905D4-7704-4879-8E59-A9FBBB2CDD0C}"/>
+                </a:ext>
+              </a:extLst>
+            </p:cNvPr>
+            <p:cNvSpPr/>
+            <p:nvPr/>
+          </p:nvSpPr>
+          <p:spPr>
+            <a:xfrm>
+              <a:off x="4294200" y="2033685"/>
+              <a:ext cx="761987" cy="304800"/>
+            </a:xfrm>
+            <a:prstGeom prst="roundRect">
+              <a:avLst/>
+            </a:prstGeom>
+            <a:grpFill/>
+            <a:ln w="38100">
+              <a:solidFill>
+                <a:schemeClr val="bg1"/>
+              </a:solidFill>
+            </a:ln>
+          </p:spPr>
+          <p:style>
+            <a:lnRef idx="2">
+              <a:schemeClr val="accent1">
+                <a:shade val="50000"/>
+              </a:schemeClr>
+            </a:lnRef>
+            <a:fillRef idx="1">
+              <a:schemeClr val="accent1"/>
+            </a:fillRef>
+            <a:effectRef idx="0">
+              <a:schemeClr val="accent1"/>
+            </a:effectRef>
+            <a:fontRef idx="minor">
+              <a:schemeClr val="lt1"/>
+            </a:fontRef>
+          </p:style>
+          <p:txBody>
+            <a:bodyPr rtlCol="0" anchor="ctr"/>
+            <a:lstStyle/>
+            <a:p>
+              <a:pPr algn="ctr"/>
+              <a:endParaRPr lang="ko-KR" altLang="en-US"/>
+            </a:p>
+          </p:txBody>
+        </p:sp>
+        <p:sp>
+          <p:nvSpPr>
+            <p:cNvPr id="15" name="사각형: 둥근 모서리 14">
+              <a:extLst>
+                <a:ext uri="{FF2B5EF4-FFF2-40B4-BE49-F238E27FC236}">
+                  <a16:creationId xmlns:a16="http://schemas.microsoft.com/office/drawing/2014/main" id="{D09DC300-2D9E-42B0-A653-A6A420945E54}"/>
+                </a:ext>
+              </a:extLst>
+            </p:cNvPr>
+            <p:cNvSpPr/>
+            <p:nvPr/>
+          </p:nvSpPr>
+          <p:spPr>
+            <a:xfrm>
+              <a:off x="5175322" y="2457048"/>
+              <a:ext cx="761987" cy="304791"/>
+            </a:xfrm>
+            <a:prstGeom prst="roundRect">
+              <a:avLst/>
+            </a:prstGeom>
+            <a:grpFill/>
+            <a:ln w="38100">
+              <a:solidFill>
+                <a:schemeClr val="bg1"/>
+              </a:solidFill>
+            </a:ln>
+          </p:spPr>
+          <p:style>
+            <a:lnRef idx="2">
+              <a:schemeClr val="accent1">
+                <a:shade val="50000"/>
+              </a:schemeClr>
+            </a:lnRef>
+            <a:fillRef idx="1">
+              <a:schemeClr val="accent1"/>
+            </a:fillRef>
+            <a:effectRef idx="0">
+              <a:schemeClr val="accent1"/>
+            </a:effectRef>
+            <a:fontRef idx="minor">
+              <a:schemeClr val="lt1"/>
+            </a:fontRef>
+          </p:style>
+          <p:txBody>
+            <a:bodyPr rtlCol="0" anchor="ctr"/>
+            <a:lstStyle/>
+            <a:p>
+              <a:pPr algn="ctr"/>
+              <a:endParaRPr lang="ko-KR" altLang="en-US"/>
+            </a:p>
+          </p:txBody>
+        </p:sp>
+        <p:sp>
+          <p:nvSpPr>
+            <p:cNvPr id="16" name="사각형: 둥근 모서리 15">
+              <a:extLst>
+                <a:ext uri="{FF2B5EF4-FFF2-40B4-BE49-F238E27FC236}">
+                  <a16:creationId xmlns:a16="http://schemas.microsoft.com/office/drawing/2014/main" id="{F18D4BF4-C608-48DB-85BE-DCB5FFD68BE9}"/>
+                </a:ext>
+              </a:extLst>
+            </p:cNvPr>
+            <p:cNvSpPr/>
+            <p:nvPr/>
+          </p:nvSpPr>
+          <p:spPr>
+            <a:xfrm>
+              <a:off x="5175322" y="2033685"/>
+              <a:ext cx="761987" cy="304791"/>
+            </a:xfrm>
+            <a:prstGeom prst="roundRect">
+              <a:avLst/>
+            </a:prstGeom>
+            <a:grpFill/>
+            <a:ln w="38100">
+              <a:solidFill>
+                <a:schemeClr val="bg1"/>
+              </a:solidFill>
+            </a:ln>
+          </p:spPr>
+          <p:style>
+            <a:lnRef idx="2">
+              <a:schemeClr val="accent1">
+                <a:shade val="50000"/>
+              </a:schemeClr>
+            </a:lnRef>
+            <a:fillRef idx="1">
+              <a:schemeClr val="accent1"/>
+            </a:fillRef>
+            <a:effectRef idx="0">
+              <a:schemeClr val="accent1"/>
+            </a:effectRef>
+            <a:fontRef idx="minor">
+              <a:schemeClr val="lt1"/>
+            </a:fontRef>
+          </p:style>
+          <p:txBody>
+            <a:bodyPr rtlCol="0" anchor="ctr"/>
+            <a:lstStyle/>
+            <a:p>
+              <a:pPr algn="ctr"/>
+              <a:endParaRPr lang="ko-KR" altLang="en-US"/>
+            </a:p>
+          </p:txBody>
+        </p:sp>
+      </p:grpSp>
+      <p:sp>
+        <p:nvSpPr>
+          <p:cNvPr id="6" name="TextBox 5">
+            <a:extLst>
+              <a:ext uri="{FF2B5EF4-FFF2-40B4-BE49-F238E27FC236}">
+                <a16:creationId xmlns:a16="http://schemas.microsoft.com/office/drawing/2014/main" id="{0FF03E2D-4144-45CE-B0A4-BAC51C53669E}"/>
+              </a:ext>
+            </a:extLst>
+          </p:cNvPr>
+          <p:cNvSpPr txBox="1"/>
+          <p:nvPr/>
+        </p:nvSpPr>
+        <p:spPr>
+          <a:xfrm>
+            <a:off x="2916832" y="1321256"/>
+            <a:ext cx="583814" cy="369332"/>
+          </a:xfrm>
+          <a:prstGeom prst="rect">
+            <a:avLst/>
+          </a:prstGeom>
+          <a:noFill/>
+        </p:spPr>
+        <p:txBody>
+          <a:bodyPr wrap="none" rtlCol="0">
+            <a:spAutoFit/>
+          </a:bodyPr>
+          <a:lstStyle/>
+          <a:p>
+            <a:r>
+              <a:rPr lang="en-US" altLang="ko-KR" b="1" dirty="0"/>
+              <a:t>170</a:t>
+            </a:r>
+            <a:endParaRPr lang="ko-KR" altLang="en-US" b="1" dirty="0"/>
+          </a:p>
+        </p:txBody>
+      </p:sp>
+      <p:grpSp>
+        <p:nvGrpSpPr>
+          <p:cNvPr id="19" name="그룹 18">
+            <a:extLst>
+              <a:ext uri="{FF2B5EF4-FFF2-40B4-BE49-F238E27FC236}">
+                <a16:creationId xmlns:a16="http://schemas.microsoft.com/office/drawing/2014/main" id="{FB10D96D-430F-4A66-A342-09FF456C299B}"/>
+              </a:ext>
+            </a:extLst>
+          </p:cNvPr>
+          <p:cNvGrpSpPr/>
+          <p:nvPr/>
+        </p:nvGrpSpPr>
+        <p:grpSpPr>
+          <a:xfrm>
+            <a:off x="4056398" y="962998"/>
+            <a:ext cx="1085848" cy="1085848"/>
+            <a:chOff x="504827" y="1511440"/>
+            <a:chExt cx="1743071" cy="1743071"/>
+          </a:xfrm>
+        </p:grpSpPr>
+        <p:sp>
+          <p:nvSpPr>
+            <p:cNvPr id="20" name="다이아몬드 19">
+              <a:extLst>
+                <a:ext uri="{FF2B5EF4-FFF2-40B4-BE49-F238E27FC236}">
+                  <a16:creationId xmlns:a16="http://schemas.microsoft.com/office/drawing/2014/main" id="{C2E0C419-D1ED-4C43-A581-6181BBE9B409}"/>
+                </a:ext>
+              </a:extLst>
+            </p:cNvPr>
+            <p:cNvSpPr/>
+            <p:nvPr/>
+          </p:nvSpPr>
+          <p:spPr>
+            <a:xfrm>
+              <a:off x="504827" y="1511440"/>
+              <a:ext cx="1743071" cy="1743071"/>
+            </a:xfrm>
+            <a:prstGeom prst="diamond">
+              <a:avLst/>
+            </a:prstGeom>
+            <a:solidFill>
+              <a:schemeClr val="tx1"/>
+            </a:solidFill>
+            <a:ln w="28575">
+              <a:solidFill>
+                <a:schemeClr val="bg1"/>
+              </a:solidFill>
+            </a:ln>
+          </p:spPr>
+          <p:style>
+            <a:lnRef idx="2">
+              <a:schemeClr val="accent1">
+                <a:shade val="50000"/>
+              </a:schemeClr>
+            </a:lnRef>
+            <a:fillRef idx="1">
+              <a:schemeClr val="accent1"/>
+            </a:fillRef>
+            <a:effectRef idx="0">
+              <a:schemeClr val="accent1"/>
+            </a:effectRef>
+            <a:fontRef idx="minor">
+              <a:schemeClr val="lt1"/>
+            </a:fontRef>
+          </p:style>
+          <p:txBody>
+            <a:bodyPr rtlCol="0" anchor="ctr"/>
+            <a:lstStyle/>
+            <a:p>
+              <a:pPr algn="ctr"/>
+              <a:endParaRPr lang="ko-KR" altLang="en-US"/>
+            </a:p>
+          </p:txBody>
+        </p:sp>
+        <p:pic>
+          <p:nvPicPr>
+            <p:cNvPr id="21" name="그림 20">
+              <a:extLst>
+                <a:ext uri="{FF2B5EF4-FFF2-40B4-BE49-F238E27FC236}">
+                  <a16:creationId xmlns:a16="http://schemas.microsoft.com/office/drawing/2014/main" id="{0C236CFD-22C0-474A-8288-2E6F647C6C8D}"/>
+                </a:ext>
+              </a:extLst>
+            </p:cNvPr>
+            <p:cNvPicPr>
+              <a:picLocks noChangeAspect="1"/>
+            </p:cNvPicPr>
+            <p:nvPr/>
+          </p:nvPicPr>
+          <p:blipFill>
+            <a:blip r:embed="rId2">
+              <a:extLst>
+                <a:ext uri="{28A0092B-C50C-407E-A947-70E740481C1C}">
+                  <a14:useLocalDpi xmlns:a14="http://schemas.microsoft.com/office/drawing/2010/main" val="0"/>
+                </a:ext>
+              </a:extLst>
+            </a:blip>
+            <a:stretch>
+              <a:fillRect/>
+            </a:stretch>
+          </p:blipFill>
+          <p:spPr>
+            <a:xfrm>
+              <a:off x="952467" y="1965138"/>
+              <a:ext cx="847790" cy="847790"/>
+            </a:xfrm>
+            <a:prstGeom prst="rect">
+              <a:avLst/>
+            </a:prstGeom>
+          </p:spPr>
+        </p:pic>
+      </p:grpSp>
+      <p:sp>
+        <p:nvSpPr>
+          <p:cNvPr id="22" name="TextBox 21">
+            <a:extLst>
+              <a:ext uri="{FF2B5EF4-FFF2-40B4-BE49-F238E27FC236}">
+                <a16:creationId xmlns:a16="http://schemas.microsoft.com/office/drawing/2014/main" id="{EE6552D3-6B7A-45C2-94BC-E73F9E79A146}"/>
+              </a:ext>
+            </a:extLst>
+          </p:cNvPr>
+          <p:cNvSpPr txBox="1"/>
+          <p:nvPr/>
+        </p:nvSpPr>
+        <p:spPr>
+          <a:xfrm>
+            <a:off x="4160741" y="1851849"/>
+            <a:ext cx="877163" cy="369332"/>
+          </a:xfrm>
+          <a:prstGeom prst="rect">
+            <a:avLst/>
+          </a:prstGeom>
+          <a:solidFill>
+            <a:schemeClr val="bg1"/>
+          </a:solidFill>
+        </p:spPr>
+        <p:txBody>
+          <a:bodyPr wrap="none" rtlCol="0">
+            <a:spAutoFit/>
+          </a:bodyPr>
+          <a:lstStyle/>
+          <a:p>
+            <a:r>
+              <a:rPr lang="ko-KR" altLang="en-US" b="1" dirty="0"/>
+              <a:t>공격력</a:t>
+            </a:r>
+          </a:p>
+        </p:txBody>
+      </p:sp>
+      <p:grpSp>
+        <p:nvGrpSpPr>
+          <p:cNvPr id="23" name="그룹 22">
+            <a:extLst>
+              <a:ext uri="{FF2B5EF4-FFF2-40B4-BE49-F238E27FC236}">
+                <a16:creationId xmlns:a16="http://schemas.microsoft.com/office/drawing/2014/main" id="{41FA8F64-0E0F-46B2-906B-0D52365479F7}"/>
+              </a:ext>
+            </a:extLst>
+          </p:cNvPr>
+          <p:cNvGrpSpPr/>
+          <p:nvPr/>
+        </p:nvGrpSpPr>
+        <p:grpSpPr>
+          <a:xfrm>
+            <a:off x="4142473" y="2317925"/>
+            <a:ext cx="877164" cy="187563"/>
+            <a:chOff x="2531956" y="2033685"/>
+            <a:chExt cx="3405353" cy="728163"/>
+          </a:xfrm>
+          <a:solidFill>
+            <a:schemeClr val="tx1"/>
+          </a:solidFill>
+        </p:grpSpPr>
+        <p:sp>
+          <p:nvSpPr>
+            <p:cNvPr id="24" name="사각형: 둥근 모서리 23">
+              <a:extLst>
+                <a:ext uri="{FF2B5EF4-FFF2-40B4-BE49-F238E27FC236}">
+                  <a16:creationId xmlns:a16="http://schemas.microsoft.com/office/drawing/2014/main" id="{36CA61E4-3DB2-4994-A786-1871D5B7D7A2}"/>
+                </a:ext>
+              </a:extLst>
+            </p:cNvPr>
+            <p:cNvSpPr/>
+            <p:nvPr/>
+          </p:nvSpPr>
+          <p:spPr>
+            <a:xfrm>
+              <a:off x="2531956" y="2052608"/>
+              <a:ext cx="761987" cy="304800"/>
+            </a:xfrm>
+            <a:prstGeom prst="roundRect">
+              <a:avLst/>
+            </a:prstGeom>
+            <a:solidFill>
+              <a:srgbClr val="92D050"/>
+            </a:solidFill>
+            <a:ln w="38100">
+              <a:solidFill>
+                <a:schemeClr val="bg1"/>
+              </a:solidFill>
+            </a:ln>
+          </p:spPr>
+          <p:style>
+            <a:lnRef idx="2">
+              <a:schemeClr val="accent1">
+                <a:shade val="50000"/>
+              </a:schemeClr>
+            </a:lnRef>
+            <a:fillRef idx="1">
+              <a:schemeClr val="accent1"/>
+            </a:fillRef>
+            <a:effectRef idx="0">
+              <a:schemeClr val="accent1"/>
+            </a:effectRef>
+            <a:fontRef idx="minor">
+              <a:schemeClr val="lt1"/>
+            </a:fontRef>
+          </p:style>
+          <p:txBody>
+            <a:bodyPr rtlCol="0" anchor="ctr"/>
+            <a:lstStyle/>
+            <a:p>
+              <a:pPr algn="ctr"/>
+              <a:endParaRPr lang="ko-KR" altLang="en-US"/>
+            </a:p>
+          </p:txBody>
+        </p:sp>
+        <p:sp>
+          <p:nvSpPr>
+            <p:cNvPr id="25" name="사각형: 둥근 모서리 24">
+              <a:extLst>
+                <a:ext uri="{FF2B5EF4-FFF2-40B4-BE49-F238E27FC236}">
+                  <a16:creationId xmlns:a16="http://schemas.microsoft.com/office/drawing/2014/main" id="{306FE012-8E2B-4102-9DE1-EB5495813AA1}"/>
+                </a:ext>
+              </a:extLst>
+            </p:cNvPr>
+            <p:cNvSpPr/>
+            <p:nvPr/>
+          </p:nvSpPr>
+          <p:spPr>
+            <a:xfrm>
+              <a:off x="2531956" y="2457048"/>
+              <a:ext cx="761987" cy="304800"/>
+            </a:xfrm>
+            <a:prstGeom prst="roundRect">
+              <a:avLst/>
+            </a:prstGeom>
+            <a:grpFill/>
+            <a:ln w="38100">
+              <a:solidFill>
+                <a:schemeClr val="bg1"/>
+              </a:solidFill>
+            </a:ln>
+          </p:spPr>
+          <p:style>
+            <a:lnRef idx="2">
+              <a:schemeClr val="accent1">
+                <a:shade val="50000"/>
+              </a:schemeClr>
+            </a:lnRef>
+            <a:fillRef idx="1">
+              <a:schemeClr val="accent1"/>
+            </a:fillRef>
+            <a:effectRef idx="0">
+              <a:schemeClr val="accent1"/>
+            </a:effectRef>
+            <a:fontRef idx="minor">
+              <a:schemeClr val="lt1"/>
+            </a:fontRef>
+          </p:style>
+          <p:txBody>
+            <a:bodyPr rtlCol="0" anchor="ctr"/>
+            <a:lstStyle/>
+            <a:p>
+              <a:pPr algn="ctr"/>
+              <a:endParaRPr lang="ko-KR" altLang="en-US"/>
+            </a:p>
+          </p:txBody>
+        </p:sp>
+        <p:sp>
+          <p:nvSpPr>
+            <p:cNvPr id="26" name="사각형: 둥근 모서리 25">
+              <a:extLst>
+                <a:ext uri="{FF2B5EF4-FFF2-40B4-BE49-F238E27FC236}">
+                  <a16:creationId xmlns:a16="http://schemas.microsoft.com/office/drawing/2014/main" id="{5EADBD11-4D1C-423B-9FB2-E44E2BF03226}"/>
+                </a:ext>
+              </a:extLst>
+            </p:cNvPr>
+            <p:cNvSpPr/>
+            <p:nvPr/>
+          </p:nvSpPr>
+          <p:spPr>
+            <a:xfrm>
+              <a:off x="3413078" y="2457048"/>
+              <a:ext cx="761987" cy="304800"/>
+            </a:xfrm>
+            <a:prstGeom prst="roundRect">
+              <a:avLst/>
+            </a:prstGeom>
+            <a:grpFill/>
+            <a:ln w="38100">
+              <a:solidFill>
+                <a:schemeClr val="bg1"/>
+              </a:solidFill>
+            </a:ln>
+          </p:spPr>
+          <p:style>
+            <a:lnRef idx="2">
+              <a:schemeClr val="accent1">
+                <a:shade val="50000"/>
+              </a:schemeClr>
+            </a:lnRef>
+            <a:fillRef idx="1">
+              <a:schemeClr val="accent1"/>
+            </a:fillRef>
+            <a:effectRef idx="0">
+              <a:schemeClr val="accent1"/>
+            </a:effectRef>
+            <a:fontRef idx="minor">
+              <a:schemeClr val="lt1"/>
+            </a:fontRef>
+          </p:style>
+          <p:txBody>
+            <a:bodyPr rtlCol="0" anchor="ctr"/>
+            <a:lstStyle/>
+            <a:p>
+              <a:pPr algn="ctr"/>
+              <a:endParaRPr lang="ko-KR" altLang="en-US"/>
+            </a:p>
+          </p:txBody>
+        </p:sp>
+        <p:sp>
+          <p:nvSpPr>
+            <p:cNvPr id="27" name="사각형: 둥근 모서리 26">
+              <a:extLst>
+                <a:ext uri="{FF2B5EF4-FFF2-40B4-BE49-F238E27FC236}">
+                  <a16:creationId xmlns:a16="http://schemas.microsoft.com/office/drawing/2014/main" id="{B23CD909-9670-44D1-9D67-C60748B2DD55}"/>
+                </a:ext>
+              </a:extLst>
+            </p:cNvPr>
+            <p:cNvSpPr/>
+            <p:nvPr/>
+          </p:nvSpPr>
+          <p:spPr>
+            <a:xfrm>
+              <a:off x="3413078" y="2033685"/>
+              <a:ext cx="761987" cy="304800"/>
+            </a:xfrm>
+            <a:prstGeom prst="roundRect">
+              <a:avLst/>
+            </a:prstGeom>
+            <a:solidFill>
+              <a:srgbClr val="92D050"/>
+            </a:solidFill>
+            <a:ln w="38100">
+              <a:solidFill>
+                <a:schemeClr val="bg1"/>
+              </a:solidFill>
+            </a:ln>
+          </p:spPr>
+          <p:style>
+            <a:lnRef idx="2">
+              <a:schemeClr val="accent1">
+                <a:shade val="50000"/>
+              </a:schemeClr>
+            </a:lnRef>
+            <a:fillRef idx="1">
+              <a:schemeClr val="accent1"/>
+            </a:fillRef>
+            <a:effectRef idx="0">
+              <a:schemeClr val="accent1"/>
+            </a:effectRef>
+            <a:fontRef idx="minor">
+              <a:schemeClr val="lt1"/>
+            </a:fontRef>
+          </p:style>
+          <p:txBody>
+            <a:bodyPr rtlCol="0" anchor="ctr"/>
+            <a:lstStyle/>
+            <a:p>
+              <a:pPr algn="ctr"/>
+              <a:endParaRPr lang="ko-KR" altLang="en-US"/>
+            </a:p>
+          </p:txBody>
+        </p:sp>
+        <p:sp>
+          <p:nvSpPr>
+            <p:cNvPr id="28" name="사각형: 둥근 모서리 27">
+              <a:extLst>
+                <a:ext uri="{FF2B5EF4-FFF2-40B4-BE49-F238E27FC236}">
+                  <a16:creationId xmlns:a16="http://schemas.microsoft.com/office/drawing/2014/main" id="{78B17C6B-C630-4282-8BC3-C46ACABCC4FA}"/>
+                </a:ext>
+              </a:extLst>
+            </p:cNvPr>
+            <p:cNvSpPr/>
+            <p:nvPr/>
+          </p:nvSpPr>
+          <p:spPr>
+            <a:xfrm>
+              <a:off x="4294200" y="2457048"/>
+              <a:ext cx="761987" cy="304800"/>
+            </a:xfrm>
+            <a:prstGeom prst="roundRect">
+              <a:avLst/>
+            </a:prstGeom>
+            <a:grpFill/>
+            <a:ln w="38100">
+              <a:solidFill>
+                <a:schemeClr val="bg1"/>
+              </a:solidFill>
+            </a:ln>
+          </p:spPr>
+          <p:style>
+            <a:lnRef idx="2">
+              <a:schemeClr val="accent1">
+                <a:shade val="50000"/>
+              </a:schemeClr>
+            </a:lnRef>
+            <a:fillRef idx="1">
+              <a:schemeClr val="accent1"/>
+            </a:fillRef>
+            <a:effectRef idx="0">
+              <a:schemeClr val="accent1"/>
+            </a:effectRef>
+            <a:fontRef idx="minor">
+              <a:schemeClr val="lt1"/>
+            </a:fontRef>
+          </p:style>
+          <p:txBody>
+            <a:bodyPr rtlCol="0" anchor="ctr"/>
+            <a:lstStyle/>
+            <a:p>
+              <a:pPr algn="ctr"/>
+              <a:endParaRPr lang="ko-KR" altLang="en-US"/>
+            </a:p>
+          </p:txBody>
+        </p:sp>
+        <p:sp>
+          <p:nvSpPr>
+            <p:cNvPr id="29" name="사각형: 둥근 모서리 28">
+              <a:extLst>
+                <a:ext uri="{FF2B5EF4-FFF2-40B4-BE49-F238E27FC236}">
+                  <a16:creationId xmlns:a16="http://schemas.microsoft.com/office/drawing/2014/main" id="{E7E5D519-68D6-4439-B96B-8CEE4E496FA8}"/>
+                </a:ext>
+              </a:extLst>
+            </p:cNvPr>
+            <p:cNvSpPr/>
+            <p:nvPr/>
+          </p:nvSpPr>
+          <p:spPr>
+            <a:xfrm>
+              <a:off x="4294200" y="2033685"/>
+              <a:ext cx="761987" cy="304800"/>
+            </a:xfrm>
+            <a:prstGeom prst="roundRect">
+              <a:avLst/>
+            </a:prstGeom>
+            <a:grpFill/>
+            <a:ln w="38100">
+              <a:solidFill>
+                <a:schemeClr val="bg1"/>
+              </a:solidFill>
+            </a:ln>
+          </p:spPr>
+          <p:style>
+            <a:lnRef idx="2">
+              <a:schemeClr val="accent1">
+                <a:shade val="50000"/>
+              </a:schemeClr>
+            </a:lnRef>
+            <a:fillRef idx="1">
+              <a:schemeClr val="accent1"/>
+            </a:fillRef>
+            <a:effectRef idx="0">
+              <a:schemeClr val="accent1"/>
+            </a:effectRef>
+            <a:fontRef idx="minor">
+              <a:schemeClr val="lt1"/>
+            </a:fontRef>
+          </p:style>
+          <p:txBody>
+            <a:bodyPr rtlCol="0" anchor="ctr"/>
+            <a:lstStyle/>
+            <a:p>
+              <a:pPr algn="ctr"/>
+              <a:endParaRPr lang="ko-KR" altLang="en-US"/>
+            </a:p>
+          </p:txBody>
+        </p:sp>
+        <p:sp>
+          <p:nvSpPr>
+            <p:cNvPr id="30" name="사각형: 둥근 모서리 29">
+              <a:extLst>
+                <a:ext uri="{FF2B5EF4-FFF2-40B4-BE49-F238E27FC236}">
+                  <a16:creationId xmlns:a16="http://schemas.microsoft.com/office/drawing/2014/main" id="{9375ACD7-7E97-4193-A42B-E3E28331F281}"/>
+                </a:ext>
+              </a:extLst>
+            </p:cNvPr>
+            <p:cNvSpPr/>
+            <p:nvPr/>
+          </p:nvSpPr>
+          <p:spPr>
+            <a:xfrm>
+              <a:off x="5175322" y="2457048"/>
+              <a:ext cx="761987" cy="304791"/>
+            </a:xfrm>
+            <a:prstGeom prst="roundRect">
+              <a:avLst/>
+            </a:prstGeom>
+            <a:grpFill/>
+            <a:ln w="38100">
+              <a:solidFill>
+                <a:schemeClr val="bg1"/>
+              </a:solidFill>
+            </a:ln>
+          </p:spPr>
+          <p:style>
+            <a:lnRef idx="2">
+              <a:schemeClr val="accent1">
+                <a:shade val="50000"/>
+              </a:schemeClr>
+            </a:lnRef>
+            <a:fillRef idx="1">
+              <a:schemeClr val="accent1"/>
+            </a:fillRef>
+            <a:effectRef idx="0">
+              <a:schemeClr val="accent1"/>
+            </a:effectRef>
+            <a:fontRef idx="minor">
+              <a:schemeClr val="lt1"/>
+            </a:fontRef>
+          </p:style>
+          <p:txBody>
+            <a:bodyPr rtlCol="0" anchor="ctr"/>
+            <a:lstStyle/>
+            <a:p>
+              <a:pPr algn="ctr"/>
+              <a:endParaRPr lang="ko-KR" altLang="en-US"/>
+            </a:p>
+          </p:txBody>
+        </p:sp>
+        <p:sp>
+          <p:nvSpPr>
+            <p:cNvPr id="31" name="사각형: 둥근 모서리 30">
+              <a:extLst>
+                <a:ext uri="{FF2B5EF4-FFF2-40B4-BE49-F238E27FC236}">
+                  <a16:creationId xmlns:a16="http://schemas.microsoft.com/office/drawing/2014/main" id="{E553C9FA-5CAC-4733-9854-972A19C52CF5}"/>
+                </a:ext>
+              </a:extLst>
+            </p:cNvPr>
+            <p:cNvSpPr/>
+            <p:nvPr/>
+          </p:nvSpPr>
+          <p:spPr>
+            <a:xfrm>
+              <a:off x="5175322" y="2033685"/>
+              <a:ext cx="761987" cy="304791"/>
+            </a:xfrm>
+            <a:prstGeom prst="roundRect">
+              <a:avLst/>
+            </a:prstGeom>
+            <a:grpFill/>
+            <a:ln w="38100">
+              <a:solidFill>
+                <a:schemeClr val="bg1"/>
+              </a:solidFill>
+            </a:ln>
+          </p:spPr>
+          <p:style>
+            <a:lnRef idx="2">
+              <a:schemeClr val="accent1">
+                <a:shade val="50000"/>
+              </a:schemeClr>
+            </a:lnRef>
+            <a:fillRef idx="1">
+              <a:schemeClr val="accent1"/>
+            </a:fillRef>
+            <a:effectRef idx="0">
+              <a:schemeClr val="accent1"/>
+            </a:effectRef>
+            <a:fontRef idx="minor">
+              <a:schemeClr val="lt1"/>
+            </a:fontRef>
+          </p:style>
+          <p:txBody>
+            <a:bodyPr rtlCol="0" anchor="ctr"/>
+            <a:lstStyle/>
+            <a:p>
+              <a:pPr algn="ctr"/>
+              <a:endParaRPr lang="ko-KR" altLang="en-US"/>
+            </a:p>
+          </p:txBody>
+        </p:sp>
+      </p:grpSp>
+      <p:sp>
+        <p:nvSpPr>
+          <p:cNvPr id="32" name="TextBox 31">
+            <a:extLst>
+              <a:ext uri="{FF2B5EF4-FFF2-40B4-BE49-F238E27FC236}">
+                <a16:creationId xmlns:a16="http://schemas.microsoft.com/office/drawing/2014/main" id="{9729B004-2481-456E-A38E-3D3E444FDCB0}"/>
+              </a:ext>
+            </a:extLst>
+          </p:cNvPr>
+          <p:cNvSpPr txBox="1"/>
+          <p:nvPr/>
+        </p:nvSpPr>
+        <p:spPr>
+          <a:xfrm>
+            <a:off x="5289096" y="1321256"/>
+            <a:ext cx="583814" cy="369332"/>
+          </a:xfrm>
+          <a:prstGeom prst="rect">
+            <a:avLst/>
+          </a:prstGeom>
+          <a:noFill/>
+        </p:spPr>
+        <p:txBody>
+          <a:bodyPr wrap="none" rtlCol="0">
+            <a:spAutoFit/>
+          </a:bodyPr>
+          <a:lstStyle/>
+          <a:p>
+            <a:r>
+              <a:rPr lang="en-US" altLang="ko-KR" b="1" dirty="0"/>
+              <a:t>170</a:t>
+            </a:r>
+            <a:endParaRPr lang="ko-KR" altLang="en-US" b="1" dirty="0"/>
+          </a:p>
+        </p:txBody>
+      </p:sp>
+      <p:grpSp>
+        <p:nvGrpSpPr>
+          <p:cNvPr id="33" name="그룹 32">
+            <a:extLst>
+              <a:ext uri="{FF2B5EF4-FFF2-40B4-BE49-F238E27FC236}">
+                <a16:creationId xmlns:a16="http://schemas.microsoft.com/office/drawing/2014/main" id="{BF35D385-B81C-45F5-98C9-CAE82803A150}"/>
+              </a:ext>
+            </a:extLst>
+          </p:cNvPr>
+          <p:cNvGrpSpPr/>
+          <p:nvPr/>
+        </p:nvGrpSpPr>
+        <p:grpSpPr>
+          <a:xfrm>
+            <a:off x="6283430" y="962998"/>
+            <a:ext cx="1085848" cy="1085848"/>
+            <a:chOff x="504827" y="1511440"/>
+            <a:chExt cx="1743071" cy="1743071"/>
+          </a:xfrm>
+        </p:grpSpPr>
+        <p:sp>
+          <p:nvSpPr>
+            <p:cNvPr id="34" name="다이아몬드 33">
+              <a:extLst>
+                <a:ext uri="{FF2B5EF4-FFF2-40B4-BE49-F238E27FC236}">
+                  <a16:creationId xmlns:a16="http://schemas.microsoft.com/office/drawing/2014/main" id="{201BBEA6-42F2-4F7D-B779-5E059F181CBB}"/>
+                </a:ext>
+              </a:extLst>
+            </p:cNvPr>
+            <p:cNvSpPr/>
+            <p:nvPr/>
+          </p:nvSpPr>
+          <p:spPr>
+            <a:xfrm>
+              <a:off x="504827" y="1511440"/>
+              <a:ext cx="1743071" cy="1743071"/>
+            </a:xfrm>
+            <a:prstGeom prst="diamond">
+              <a:avLst/>
+            </a:prstGeom>
+            <a:solidFill>
+              <a:schemeClr val="tx1"/>
+            </a:solidFill>
+            <a:ln w="28575">
+              <a:solidFill>
+                <a:schemeClr val="bg1"/>
+              </a:solidFill>
+            </a:ln>
+          </p:spPr>
+          <p:style>
+            <a:lnRef idx="2">
+              <a:schemeClr val="accent1">
+                <a:shade val="50000"/>
+              </a:schemeClr>
+            </a:lnRef>
+            <a:fillRef idx="1">
+              <a:schemeClr val="accent1"/>
+            </a:fillRef>
+            <a:effectRef idx="0">
+              <a:schemeClr val="accent1"/>
+            </a:effectRef>
+            <a:fontRef idx="minor">
+              <a:schemeClr val="lt1"/>
+            </a:fontRef>
+          </p:style>
+          <p:txBody>
+            <a:bodyPr rtlCol="0" anchor="ctr"/>
+            <a:lstStyle/>
+            <a:p>
+              <a:pPr algn="ctr"/>
+              <a:endParaRPr lang="ko-KR" altLang="en-US"/>
+            </a:p>
+          </p:txBody>
+        </p:sp>
+        <p:pic>
+          <p:nvPicPr>
+            <p:cNvPr id="35" name="그림 34">
+              <a:extLst>
+                <a:ext uri="{FF2B5EF4-FFF2-40B4-BE49-F238E27FC236}">
+                  <a16:creationId xmlns:a16="http://schemas.microsoft.com/office/drawing/2014/main" id="{793EFB99-A970-4FBF-AD55-88089949D8E2}"/>
+                </a:ext>
+              </a:extLst>
+            </p:cNvPr>
+            <p:cNvPicPr>
+              <a:picLocks noChangeAspect="1"/>
+            </p:cNvPicPr>
+            <p:nvPr/>
+          </p:nvPicPr>
+          <p:blipFill>
+            <a:blip r:embed="rId2">
+              <a:extLst>
+                <a:ext uri="{28A0092B-C50C-407E-A947-70E740481C1C}">
+                  <a14:useLocalDpi xmlns:a14="http://schemas.microsoft.com/office/drawing/2010/main" val="0"/>
+                </a:ext>
+              </a:extLst>
+            </a:blip>
+            <a:stretch>
+              <a:fillRect/>
+            </a:stretch>
+          </p:blipFill>
+          <p:spPr>
+            <a:xfrm>
+              <a:off x="952467" y="1965138"/>
+              <a:ext cx="847790" cy="847790"/>
+            </a:xfrm>
+            <a:prstGeom prst="rect">
+              <a:avLst/>
+            </a:prstGeom>
+          </p:spPr>
+        </p:pic>
+      </p:grpSp>
+      <p:sp>
+        <p:nvSpPr>
+          <p:cNvPr id="36" name="TextBox 35">
+            <a:extLst>
+              <a:ext uri="{FF2B5EF4-FFF2-40B4-BE49-F238E27FC236}">
+                <a16:creationId xmlns:a16="http://schemas.microsoft.com/office/drawing/2014/main" id="{4F8E894C-9085-465A-AA4F-DD53560ECD2F}"/>
+              </a:ext>
+            </a:extLst>
+          </p:cNvPr>
+          <p:cNvSpPr txBox="1"/>
+          <p:nvPr/>
+        </p:nvSpPr>
+        <p:spPr>
+          <a:xfrm>
+            <a:off x="6387773" y="1851849"/>
+            <a:ext cx="877163" cy="369332"/>
+          </a:xfrm>
+          <a:prstGeom prst="rect">
+            <a:avLst/>
+          </a:prstGeom>
+          <a:solidFill>
+            <a:schemeClr val="bg1"/>
+          </a:solidFill>
+        </p:spPr>
+        <p:txBody>
+          <a:bodyPr wrap="none" rtlCol="0">
+            <a:spAutoFit/>
+          </a:bodyPr>
+          <a:lstStyle/>
+          <a:p>
+            <a:r>
+              <a:rPr lang="ko-KR" altLang="en-US" b="1" dirty="0"/>
+              <a:t>공격력</a:t>
+            </a:r>
+          </a:p>
+        </p:txBody>
+      </p:sp>
+      <p:grpSp>
+        <p:nvGrpSpPr>
+          <p:cNvPr id="37" name="그룹 36">
+            <a:extLst>
+              <a:ext uri="{FF2B5EF4-FFF2-40B4-BE49-F238E27FC236}">
+                <a16:creationId xmlns:a16="http://schemas.microsoft.com/office/drawing/2014/main" id="{F55BFCFB-E3ED-4937-9A82-F28DBEFDD62C}"/>
+              </a:ext>
+            </a:extLst>
+          </p:cNvPr>
+          <p:cNvGrpSpPr/>
+          <p:nvPr/>
+        </p:nvGrpSpPr>
+        <p:grpSpPr>
+          <a:xfrm>
+            <a:off x="6369505" y="2317925"/>
+            <a:ext cx="877164" cy="187563"/>
+            <a:chOff x="2531956" y="2033685"/>
+            <a:chExt cx="3405353" cy="728163"/>
+          </a:xfrm>
+          <a:solidFill>
+            <a:schemeClr val="tx1"/>
+          </a:solidFill>
+        </p:grpSpPr>
+        <p:sp>
+          <p:nvSpPr>
+            <p:cNvPr id="38" name="사각형: 둥근 모서리 37">
+              <a:extLst>
+                <a:ext uri="{FF2B5EF4-FFF2-40B4-BE49-F238E27FC236}">
+                  <a16:creationId xmlns:a16="http://schemas.microsoft.com/office/drawing/2014/main" id="{49BCDE26-D326-4CEE-8829-E1CAE5CD4951}"/>
+                </a:ext>
+              </a:extLst>
+            </p:cNvPr>
+            <p:cNvSpPr/>
+            <p:nvPr/>
+          </p:nvSpPr>
+          <p:spPr>
+            <a:xfrm>
+              <a:off x="2531956" y="2052608"/>
+              <a:ext cx="761987" cy="304800"/>
+            </a:xfrm>
+            <a:prstGeom prst="roundRect">
+              <a:avLst/>
+            </a:prstGeom>
+            <a:solidFill>
+              <a:srgbClr val="92D050"/>
+            </a:solidFill>
+            <a:ln w="38100">
+              <a:solidFill>
+                <a:schemeClr val="bg1"/>
+              </a:solidFill>
+            </a:ln>
+          </p:spPr>
+          <p:style>
+            <a:lnRef idx="2">
+              <a:schemeClr val="accent1">
+                <a:shade val="50000"/>
+              </a:schemeClr>
+            </a:lnRef>
+            <a:fillRef idx="1">
+              <a:schemeClr val="accent1"/>
+            </a:fillRef>
+            <a:effectRef idx="0">
+              <a:schemeClr val="accent1"/>
+            </a:effectRef>
+            <a:fontRef idx="minor">
+              <a:schemeClr val="lt1"/>
+            </a:fontRef>
+          </p:style>
+          <p:txBody>
+            <a:bodyPr rtlCol="0" anchor="ctr"/>
+            <a:lstStyle/>
+            <a:p>
+              <a:pPr algn="ctr"/>
+              <a:endParaRPr lang="ko-KR" altLang="en-US"/>
+            </a:p>
+          </p:txBody>
+        </p:sp>
+        <p:sp>
+          <p:nvSpPr>
+            <p:cNvPr id="39" name="사각형: 둥근 모서리 38">
+              <a:extLst>
+                <a:ext uri="{FF2B5EF4-FFF2-40B4-BE49-F238E27FC236}">
+                  <a16:creationId xmlns:a16="http://schemas.microsoft.com/office/drawing/2014/main" id="{0D82B061-E519-49C3-B707-EB3B8DFCEAA6}"/>
+                </a:ext>
+              </a:extLst>
+            </p:cNvPr>
+            <p:cNvSpPr/>
+            <p:nvPr/>
+          </p:nvSpPr>
+          <p:spPr>
+            <a:xfrm>
+              <a:off x="2531956" y="2457048"/>
+              <a:ext cx="761987" cy="304800"/>
+            </a:xfrm>
+            <a:prstGeom prst="roundRect">
+              <a:avLst/>
+            </a:prstGeom>
+            <a:grpFill/>
+            <a:ln w="38100">
+              <a:solidFill>
+                <a:schemeClr val="bg1"/>
+              </a:solidFill>
+            </a:ln>
+          </p:spPr>
+          <p:style>
+            <a:lnRef idx="2">
+              <a:schemeClr val="accent1">
+                <a:shade val="50000"/>
+              </a:schemeClr>
+            </a:lnRef>
+            <a:fillRef idx="1">
+              <a:schemeClr val="accent1"/>
+            </a:fillRef>
+            <a:effectRef idx="0">
+              <a:schemeClr val="accent1"/>
+            </a:effectRef>
+            <a:fontRef idx="minor">
+              <a:schemeClr val="lt1"/>
+            </a:fontRef>
+          </p:style>
+          <p:txBody>
+            <a:bodyPr rtlCol="0" anchor="ctr"/>
+            <a:lstStyle/>
+            <a:p>
+              <a:pPr algn="ctr"/>
+              <a:endParaRPr lang="ko-KR" altLang="en-US"/>
+            </a:p>
+          </p:txBody>
+        </p:sp>
+        <p:sp>
+          <p:nvSpPr>
+            <p:cNvPr id="40" name="사각형: 둥근 모서리 39">
+              <a:extLst>
+                <a:ext uri="{FF2B5EF4-FFF2-40B4-BE49-F238E27FC236}">
+                  <a16:creationId xmlns:a16="http://schemas.microsoft.com/office/drawing/2014/main" id="{3D4B8A49-4A99-41BA-AA6C-8431814382E1}"/>
+                </a:ext>
+              </a:extLst>
+            </p:cNvPr>
+            <p:cNvSpPr/>
+            <p:nvPr/>
+          </p:nvSpPr>
+          <p:spPr>
+            <a:xfrm>
+              <a:off x="3413078" y="2457048"/>
+              <a:ext cx="761987" cy="304800"/>
+            </a:xfrm>
+            <a:prstGeom prst="roundRect">
+              <a:avLst/>
+            </a:prstGeom>
+            <a:grpFill/>
+            <a:ln w="38100">
+              <a:solidFill>
+                <a:schemeClr val="bg1"/>
+              </a:solidFill>
+            </a:ln>
+          </p:spPr>
+          <p:style>
+            <a:lnRef idx="2">
+              <a:schemeClr val="accent1">
+                <a:shade val="50000"/>
+              </a:schemeClr>
+            </a:lnRef>
+            <a:fillRef idx="1">
+              <a:schemeClr val="accent1"/>
+            </a:fillRef>
+            <a:effectRef idx="0">
+              <a:schemeClr val="accent1"/>
+            </a:effectRef>
+            <a:fontRef idx="minor">
+              <a:schemeClr val="lt1"/>
+            </a:fontRef>
+          </p:style>
+          <p:txBody>
+            <a:bodyPr rtlCol="0" anchor="ctr"/>
+            <a:lstStyle/>
+            <a:p>
+              <a:pPr algn="ctr"/>
+              <a:endParaRPr lang="ko-KR" altLang="en-US"/>
+            </a:p>
+          </p:txBody>
+        </p:sp>
+        <p:sp>
+          <p:nvSpPr>
+            <p:cNvPr id="41" name="사각형: 둥근 모서리 40">
+              <a:extLst>
+                <a:ext uri="{FF2B5EF4-FFF2-40B4-BE49-F238E27FC236}">
+                  <a16:creationId xmlns:a16="http://schemas.microsoft.com/office/drawing/2014/main" id="{58E1D5F3-9466-4C56-B450-51B0813FC6CE}"/>
+                </a:ext>
+              </a:extLst>
+            </p:cNvPr>
+            <p:cNvSpPr/>
+            <p:nvPr/>
+          </p:nvSpPr>
+          <p:spPr>
+            <a:xfrm>
+              <a:off x="3413078" y="2033685"/>
+              <a:ext cx="761987" cy="304800"/>
+            </a:xfrm>
+            <a:prstGeom prst="roundRect">
+              <a:avLst/>
+            </a:prstGeom>
+            <a:solidFill>
+              <a:srgbClr val="92D050"/>
+            </a:solidFill>
+            <a:ln w="38100">
+              <a:solidFill>
+                <a:schemeClr val="bg1"/>
+              </a:solidFill>
+            </a:ln>
+          </p:spPr>
+          <p:style>
+            <a:lnRef idx="2">
+              <a:schemeClr val="accent1">
+                <a:shade val="50000"/>
+              </a:schemeClr>
+            </a:lnRef>
+            <a:fillRef idx="1">
+              <a:schemeClr val="accent1"/>
+            </a:fillRef>
+            <a:effectRef idx="0">
+              <a:schemeClr val="accent1"/>
+            </a:effectRef>
+            <a:fontRef idx="minor">
+              <a:schemeClr val="lt1"/>
+            </a:fontRef>
+          </p:style>
+          <p:txBody>
+            <a:bodyPr rtlCol="0" anchor="ctr"/>
+            <a:lstStyle/>
+            <a:p>
+              <a:pPr algn="ctr"/>
+              <a:endParaRPr lang="ko-KR" altLang="en-US"/>
+            </a:p>
+          </p:txBody>
+        </p:sp>
+        <p:sp>
+          <p:nvSpPr>
+            <p:cNvPr id="42" name="사각형: 둥근 모서리 41">
+              <a:extLst>
+                <a:ext uri="{FF2B5EF4-FFF2-40B4-BE49-F238E27FC236}">
+                  <a16:creationId xmlns:a16="http://schemas.microsoft.com/office/drawing/2014/main" id="{7986C5C2-C823-4B89-BF89-366AD1D71797}"/>
+                </a:ext>
+              </a:extLst>
+            </p:cNvPr>
+            <p:cNvSpPr/>
+            <p:nvPr/>
+          </p:nvSpPr>
+          <p:spPr>
+            <a:xfrm>
+              <a:off x="4294200" y="2457048"/>
+              <a:ext cx="761987" cy="304800"/>
+            </a:xfrm>
+            <a:prstGeom prst="roundRect">
+              <a:avLst/>
+            </a:prstGeom>
+            <a:grpFill/>
+            <a:ln w="38100">
+              <a:solidFill>
+                <a:schemeClr val="bg1"/>
+              </a:solidFill>
+            </a:ln>
+          </p:spPr>
+          <p:style>
+            <a:lnRef idx="2">
+              <a:schemeClr val="accent1">
+                <a:shade val="50000"/>
+              </a:schemeClr>
+            </a:lnRef>
+            <a:fillRef idx="1">
+              <a:schemeClr val="accent1"/>
+            </a:fillRef>
+            <a:effectRef idx="0">
+              <a:schemeClr val="accent1"/>
+            </a:effectRef>
+            <a:fontRef idx="minor">
+              <a:schemeClr val="lt1"/>
+            </a:fontRef>
+          </p:style>
+          <p:txBody>
+            <a:bodyPr rtlCol="0" anchor="ctr"/>
+            <a:lstStyle/>
+            <a:p>
+              <a:pPr algn="ctr"/>
+              <a:endParaRPr lang="ko-KR" altLang="en-US"/>
+            </a:p>
+          </p:txBody>
+        </p:sp>
+        <p:sp>
+          <p:nvSpPr>
+            <p:cNvPr id="43" name="사각형: 둥근 모서리 42">
+              <a:extLst>
+                <a:ext uri="{FF2B5EF4-FFF2-40B4-BE49-F238E27FC236}">
+                  <a16:creationId xmlns:a16="http://schemas.microsoft.com/office/drawing/2014/main" id="{750C4FF2-0258-4F1A-89D6-0B1A7A5CCECF}"/>
+                </a:ext>
+              </a:extLst>
+            </p:cNvPr>
+            <p:cNvSpPr/>
+            <p:nvPr/>
+          </p:nvSpPr>
+          <p:spPr>
+            <a:xfrm>
+              <a:off x="4294200" y="2033685"/>
+              <a:ext cx="761987" cy="304800"/>
+            </a:xfrm>
+            <a:prstGeom prst="roundRect">
+              <a:avLst/>
+            </a:prstGeom>
+            <a:grpFill/>
+            <a:ln w="38100">
+              <a:solidFill>
+                <a:schemeClr val="bg1"/>
+              </a:solidFill>
+            </a:ln>
+          </p:spPr>
+          <p:style>
+            <a:lnRef idx="2">
+              <a:schemeClr val="accent1">
+                <a:shade val="50000"/>
+              </a:schemeClr>
+            </a:lnRef>
+            <a:fillRef idx="1">
+              <a:schemeClr val="accent1"/>
+            </a:fillRef>
+            <a:effectRef idx="0">
+              <a:schemeClr val="accent1"/>
+            </a:effectRef>
+            <a:fontRef idx="minor">
+              <a:schemeClr val="lt1"/>
+            </a:fontRef>
+          </p:style>
+          <p:txBody>
+            <a:bodyPr rtlCol="0" anchor="ctr"/>
+            <a:lstStyle/>
+            <a:p>
+              <a:pPr algn="ctr"/>
+              <a:endParaRPr lang="ko-KR" altLang="en-US"/>
+            </a:p>
+          </p:txBody>
+        </p:sp>
+        <p:sp>
+          <p:nvSpPr>
+            <p:cNvPr id="44" name="사각형: 둥근 모서리 43">
+              <a:extLst>
+                <a:ext uri="{FF2B5EF4-FFF2-40B4-BE49-F238E27FC236}">
+                  <a16:creationId xmlns:a16="http://schemas.microsoft.com/office/drawing/2014/main" id="{2FE37799-F2C9-4050-B649-0E988F52958A}"/>
+                </a:ext>
+              </a:extLst>
+            </p:cNvPr>
+            <p:cNvSpPr/>
+            <p:nvPr/>
+          </p:nvSpPr>
+          <p:spPr>
+            <a:xfrm>
+              <a:off x="5175322" y="2457048"/>
+              <a:ext cx="761987" cy="304791"/>
+            </a:xfrm>
+            <a:prstGeom prst="roundRect">
+              <a:avLst/>
+            </a:prstGeom>
+            <a:grpFill/>
+            <a:ln w="38100">
+              <a:solidFill>
+                <a:schemeClr val="bg1"/>
+              </a:solidFill>
+            </a:ln>
+          </p:spPr>
+          <p:style>
+            <a:lnRef idx="2">
+              <a:schemeClr val="accent1">
+                <a:shade val="50000"/>
+              </a:schemeClr>
+            </a:lnRef>
+            <a:fillRef idx="1">
+              <a:schemeClr val="accent1"/>
+            </a:fillRef>
+            <a:effectRef idx="0">
+              <a:schemeClr val="accent1"/>
+            </a:effectRef>
+            <a:fontRef idx="minor">
+              <a:schemeClr val="lt1"/>
+            </a:fontRef>
+          </p:style>
+          <p:txBody>
+            <a:bodyPr rtlCol="0" anchor="ctr"/>
+            <a:lstStyle/>
+            <a:p>
+              <a:pPr algn="ctr"/>
+              <a:endParaRPr lang="ko-KR" altLang="en-US"/>
+            </a:p>
+          </p:txBody>
+        </p:sp>
+        <p:sp>
+          <p:nvSpPr>
+            <p:cNvPr id="45" name="사각형: 둥근 모서리 44">
+              <a:extLst>
+                <a:ext uri="{FF2B5EF4-FFF2-40B4-BE49-F238E27FC236}">
+                  <a16:creationId xmlns:a16="http://schemas.microsoft.com/office/drawing/2014/main" id="{BB2CF02C-BB19-4658-914F-F767056EA470}"/>
+                </a:ext>
+              </a:extLst>
+            </p:cNvPr>
+            <p:cNvSpPr/>
+            <p:nvPr/>
+          </p:nvSpPr>
+          <p:spPr>
+            <a:xfrm>
+              <a:off x="5175322" y="2033685"/>
+              <a:ext cx="761987" cy="304791"/>
+            </a:xfrm>
+            <a:prstGeom prst="roundRect">
+              <a:avLst/>
+            </a:prstGeom>
+            <a:grpFill/>
+            <a:ln w="38100">
+              <a:solidFill>
+                <a:schemeClr val="bg1"/>
+              </a:solidFill>
+            </a:ln>
+          </p:spPr>
+          <p:style>
+            <a:lnRef idx="2">
+              <a:schemeClr val="accent1">
+                <a:shade val="50000"/>
+              </a:schemeClr>
+            </a:lnRef>
+            <a:fillRef idx="1">
+              <a:schemeClr val="accent1"/>
+            </a:fillRef>
+            <a:effectRef idx="0">
+              <a:schemeClr val="accent1"/>
+            </a:effectRef>
+            <a:fontRef idx="minor">
+              <a:schemeClr val="lt1"/>
+            </a:fontRef>
+          </p:style>
+          <p:txBody>
+            <a:bodyPr rtlCol="0" anchor="ctr"/>
+            <a:lstStyle/>
+            <a:p>
+              <a:pPr algn="ctr"/>
+              <a:endParaRPr lang="ko-KR" altLang="en-US"/>
+            </a:p>
+          </p:txBody>
+        </p:sp>
+      </p:grpSp>
+      <p:sp>
+        <p:nvSpPr>
+          <p:cNvPr id="46" name="TextBox 45">
+            <a:extLst>
+              <a:ext uri="{FF2B5EF4-FFF2-40B4-BE49-F238E27FC236}">
+                <a16:creationId xmlns:a16="http://schemas.microsoft.com/office/drawing/2014/main" id="{50A61BFF-F991-431C-B6C0-EA5FA3FD47FE}"/>
+              </a:ext>
+            </a:extLst>
+          </p:cNvPr>
+          <p:cNvSpPr txBox="1"/>
+          <p:nvPr/>
+        </p:nvSpPr>
+        <p:spPr>
+          <a:xfrm>
+            <a:off x="7516128" y="1321256"/>
+            <a:ext cx="583814" cy="369332"/>
+          </a:xfrm>
+          <a:prstGeom prst="rect">
+            <a:avLst/>
+          </a:prstGeom>
+          <a:noFill/>
+        </p:spPr>
+        <p:txBody>
+          <a:bodyPr wrap="none" rtlCol="0">
+            <a:spAutoFit/>
+          </a:bodyPr>
+          <a:lstStyle/>
+          <a:p>
+            <a:r>
+              <a:rPr lang="en-US" altLang="ko-KR" b="1" dirty="0"/>
+              <a:t>170</a:t>
+            </a:r>
+            <a:endParaRPr lang="ko-KR" altLang="en-US" b="1" dirty="0"/>
+          </a:p>
+        </p:txBody>
+      </p:sp>
+      <p:grpSp>
+        <p:nvGrpSpPr>
+          <p:cNvPr id="47" name="그룹 46">
+            <a:extLst>
+              <a:ext uri="{FF2B5EF4-FFF2-40B4-BE49-F238E27FC236}">
+                <a16:creationId xmlns:a16="http://schemas.microsoft.com/office/drawing/2014/main" id="{7BA1E7A4-0A6D-4317-BA5C-123E3710ACD3}"/>
+              </a:ext>
+            </a:extLst>
+          </p:cNvPr>
+          <p:cNvGrpSpPr/>
+          <p:nvPr/>
+        </p:nvGrpSpPr>
+        <p:grpSpPr>
+          <a:xfrm>
+            <a:off x="1684134" y="2775994"/>
+            <a:ext cx="1085848" cy="1085848"/>
+            <a:chOff x="504827" y="1511440"/>
+            <a:chExt cx="1743071" cy="1743071"/>
+          </a:xfrm>
+        </p:grpSpPr>
+        <p:sp>
+          <p:nvSpPr>
+            <p:cNvPr id="48" name="다이아몬드 47">
+              <a:extLst>
+                <a:ext uri="{FF2B5EF4-FFF2-40B4-BE49-F238E27FC236}">
+                  <a16:creationId xmlns:a16="http://schemas.microsoft.com/office/drawing/2014/main" id="{CBAA081C-F39B-4F6F-B923-E915958EC627}"/>
+                </a:ext>
+              </a:extLst>
+            </p:cNvPr>
+            <p:cNvSpPr/>
+            <p:nvPr/>
+          </p:nvSpPr>
+          <p:spPr>
+            <a:xfrm>
+              <a:off x="504827" y="1511440"/>
+              <a:ext cx="1743071" cy="1743071"/>
+            </a:xfrm>
+            <a:prstGeom prst="diamond">
+              <a:avLst/>
+            </a:prstGeom>
+            <a:solidFill>
+              <a:schemeClr val="tx1"/>
+            </a:solidFill>
+            <a:ln w="28575">
+              <a:solidFill>
+                <a:schemeClr val="bg1"/>
+              </a:solidFill>
+            </a:ln>
+          </p:spPr>
+          <p:style>
+            <a:lnRef idx="2">
+              <a:schemeClr val="accent1">
+                <a:shade val="50000"/>
+              </a:schemeClr>
+            </a:lnRef>
+            <a:fillRef idx="1">
+              <a:schemeClr val="accent1"/>
+            </a:fillRef>
+            <a:effectRef idx="0">
+              <a:schemeClr val="accent1"/>
+            </a:effectRef>
+            <a:fontRef idx="minor">
+              <a:schemeClr val="lt1"/>
+            </a:fontRef>
+          </p:style>
+          <p:txBody>
+            <a:bodyPr rtlCol="0" anchor="ctr"/>
+            <a:lstStyle/>
+            <a:p>
+              <a:pPr algn="ctr"/>
+              <a:endParaRPr lang="ko-KR" altLang="en-US"/>
+            </a:p>
+          </p:txBody>
+        </p:sp>
+        <p:pic>
+          <p:nvPicPr>
+            <p:cNvPr id="49" name="그림 48">
+              <a:extLst>
+                <a:ext uri="{FF2B5EF4-FFF2-40B4-BE49-F238E27FC236}">
+                  <a16:creationId xmlns:a16="http://schemas.microsoft.com/office/drawing/2014/main" id="{DA129747-A4BF-4E91-A7FE-E4EB52EDAF80}"/>
+                </a:ext>
+              </a:extLst>
+            </p:cNvPr>
+            <p:cNvPicPr>
+              <a:picLocks noChangeAspect="1"/>
+            </p:cNvPicPr>
+            <p:nvPr/>
+          </p:nvPicPr>
+          <p:blipFill>
+            <a:blip r:embed="rId2">
+              <a:extLst>
+                <a:ext uri="{28A0092B-C50C-407E-A947-70E740481C1C}">
+                  <a14:useLocalDpi xmlns:a14="http://schemas.microsoft.com/office/drawing/2010/main" val="0"/>
+                </a:ext>
+              </a:extLst>
+            </a:blip>
+            <a:stretch>
+              <a:fillRect/>
+            </a:stretch>
+          </p:blipFill>
+          <p:spPr>
+            <a:xfrm>
+              <a:off x="952467" y="1965138"/>
+              <a:ext cx="847790" cy="847790"/>
+            </a:xfrm>
+            <a:prstGeom prst="rect">
+              <a:avLst/>
+            </a:prstGeom>
+          </p:spPr>
+        </p:pic>
+      </p:grpSp>
+      <p:sp>
+        <p:nvSpPr>
+          <p:cNvPr id="50" name="TextBox 49">
+            <a:extLst>
+              <a:ext uri="{FF2B5EF4-FFF2-40B4-BE49-F238E27FC236}">
+                <a16:creationId xmlns:a16="http://schemas.microsoft.com/office/drawing/2014/main" id="{D40A4BD1-DC15-410A-966B-F0EF0F6582A1}"/>
+              </a:ext>
+            </a:extLst>
+          </p:cNvPr>
+          <p:cNvSpPr txBox="1"/>
+          <p:nvPr/>
+        </p:nvSpPr>
+        <p:spPr>
+          <a:xfrm>
+            <a:off x="1788477" y="3664845"/>
+            <a:ext cx="877163" cy="369332"/>
+          </a:xfrm>
+          <a:prstGeom prst="rect">
+            <a:avLst/>
+          </a:prstGeom>
+          <a:solidFill>
+            <a:schemeClr val="bg1"/>
+          </a:solidFill>
+        </p:spPr>
+        <p:txBody>
+          <a:bodyPr wrap="none" rtlCol="0">
+            <a:spAutoFit/>
+          </a:bodyPr>
+          <a:lstStyle/>
+          <a:p>
+            <a:r>
+              <a:rPr lang="ko-KR" altLang="en-US" b="1" dirty="0"/>
+              <a:t>공격력</a:t>
+            </a:r>
+          </a:p>
+        </p:txBody>
+      </p:sp>
+      <p:grpSp>
+        <p:nvGrpSpPr>
+          <p:cNvPr id="51" name="그룹 50">
+            <a:extLst>
+              <a:ext uri="{FF2B5EF4-FFF2-40B4-BE49-F238E27FC236}">
+                <a16:creationId xmlns:a16="http://schemas.microsoft.com/office/drawing/2014/main" id="{123C8A0A-A0A6-4997-BDFA-AE5DE515F7D1}"/>
+              </a:ext>
+            </a:extLst>
+          </p:cNvPr>
+          <p:cNvGrpSpPr/>
+          <p:nvPr/>
+        </p:nvGrpSpPr>
+        <p:grpSpPr>
+          <a:xfrm>
+            <a:off x="1770209" y="4130921"/>
+            <a:ext cx="877164" cy="187563"/>
+            <a:chOff x="2531956" y="2033685"/>
+            <a:chExt cx="3405353" cy="728163"/>
+          </a:xfrm>
+          <a:solidFill>
+            <a:schemeClr val="tx1"/>
+          </a:solidFill>
+        </p:grpSpPr>
+        <p:sp>
+          <p:nvSpPr>
+            <p:cNvPr id="52" name="사각형: 둥근 모서리 51">
+              <a:extLst>
+                <a:ext uri="{FF2B5EF4-FFF2-40B4-BE49-F238E27FC236}">
+                  <a16:creationId xmlns:a16="http://schemas.microsoft.com/office/drawing/2014/main" id="{80B0ADFA-6B9A-4AD6-8BD6-CFB41F41E5B9}"/>
+                </a:ext>
+              </a:extLst>
+            </p:cNvPr>
+            <p:cNvSpPr/>
+            <p:nvPr/>
+          </p:nvSpPr>
+          <p:spPr>
+            <a:xfrm>
+              <a:off x="2531956" y="2052608"/>
+              <a:ext cx="761987" cy="304800"/>
+            </a:xfrm>
+            <a:prstGeom prst="roundRect">
+              <a:avLst/>
+            </a:prstGeom>
+            <a:solidFill>
+              <a:srgbClr val="92D050"/>
+            </a:solidFill>
+            <a:ln w="38100">
+              <a:solidFill>
+                <a:schemeClr val="bg1"/>
+              </a:solidFill>
+            </a:ln>
+          </p:spPr>
+          <p:style>
+            <a:lnRef idx="2">
+              <a:schemeClr val="accent1">
+                <a:shade val="50000"/>
+              </a:schemeClr>
+            </a:lnRef>
+            <a:fillRef idx="1">
+              <a:schemeClr val="accent1"/>
+            </a:fillRef>
+            <a:effectRef idx="0">
+              <a:schemeClr val="accent1"/>
+            </a:effectRef>
+            <a:fontRef idx="minor">
+              <a:schemeClr val="lt1"/>
+            </a:fontRef>
+          </p:style>
+          <p:txBody>
+            <a:bodyPr rtlCol="0" anchor="ctr"/>
+            <a:lstStyle/>
+            <a:p>
+              <a:pPr algn="ctr"/>
+              <a:endParaRPr lang="ko-KR" altLang="en-US"/>
+            </a:p>
+          </p:txBody>
+        </p:sp>
+        <p:sp>
+          <p:nvSpPr>
+            <p:cNvPr id="53" name="사각형: 둥근 모서리 52">
+              <a:extLst>
+                <a:ext uri="{FF2B5EF4-FFF2-40B4-BE49-F238E27FC236}">
+                  <a16:creationId xmlns:a16="http://schemas.microsoft.com/office/drawing/2014/main" id="{057423B8-27A5-4D28-B767-FE2D0E664B09}"/>
+                </a:ext>
+              </a:extLst>
+            </p:cNvPr>
+            <p:cNvSpPr/>
+            <p:nvPr/>
+          </p:nvSpPr>
+          <p:spPr>
+            <a:xfrm>
+              <a:off x="2531956" y="2457048"/>
+              <a:ext cx="761987" cy="304800"/>
+            </a:xfrm>
+            <a:prstGeom prst="roundRect">
+              <a:avLst/>
+            </a:prstGeom>
+            <a:grpFill/>
+            <a:ln w="38100">
+              <a:solidFill>
+                <a:schemeClr val="bg1"/>
+              </a:solidFill>
+            </a:ln>
+          </p:spPr>
+          <p:style>
+            <a:lnRef idx="2">
+              <a:schemeClr val="accent1">
+                <a:shade val="50000"/>
+              </a:schemeClr>
+            </a:lnRef>
+            <a:fillRef idx="1">
+              <a:schemeClr val="accent1"/>
+            </a:fillRef>
+            <a:effectRef idx="0">
+              <a:schemeClr val="accent1"/>
+            </a:effectRef>
+            <a:fontRef idx="minor">
+              <a:schemeClr val="lt1"/>
+            </a:fontRef>
+          </p:style>
+          <p:txBody>
+            <a:bodyPr rtlCol="0" anchor="ctr"/>
+            <a:lstStyle/>
+            <a:p>
+              <a:pPr algn="ctr"/>
+              <a:endParaRPr lang="ko-KR" altLang="en-US"/>
+            </a:p>
+          </p:txBody>
+        </p:sp>
+        <p:sp>
+          <p:nvSpPr>
+            <p:cNvPr id="54" name="사각형: 둥근 모서리 53">
+              <a:extLst>
+                <a:ext uri="{FF2B5EF4-FFF2-40B4-BE49-F238E27FC236}">
+                  <a16:creationId xmlns:a16="http://schemas.microsoft.com/office/drawing/2014/main" id="{C93089F8-491B-4731-A867-7B8FF7DC6D1B}"/>
+                </a:ext>
+              </a:extLst>
+            </p:cNvPr>
+            <p:cNvSpPr/>
+            <p:nvPr/>
+          </p:nvSpPr>
+          <p:spPr>
+            <a:xfrm>
+              <a:off x="3413078" y="2457048"/>
+              <a:ext cx="761987" cy="304800"/>
+            </a:xfrm>
+            <a:prstGeom prst="roundRect">
+              <a:avLst/>
+            </a:prstGeom>
+            <a:grpFill/>
+            <a:ln w="38100">
+              <a:solidFill>
+                <a:schemeClr val="bg1"/>
+              </a:solidFill>
+            </a:ln>
+          </p:spPr>
+          <p:style>
+            <a:lnRef idx="2">
+              <a:schemeClr val="accent1">
+                <a:shade val="50000"/>
+              </a:schemeClr>
+            </a:lnRef>
+            <a:fillRef idx="1">
+              <a:schemeClr val="accent1"/>
+            </a:fillRef>
+            <a:effectRef idx="0">
+              <a:schemeClr val="accent1"/>
+            </a:effectRef>
+            <a:fontRef idx="minor">
+              <a:schemeClr val="lt1"/>
+            </a:fontRef>
+          </p:style>
+          <p:txBody>
+            <a:bodyPr rtlCol="0" anchor="ctr"/>
+            <a:lstStyle/>
+            <a:p>
+              <a:pPr algn="ctr"/>
+              <a:endParaRPr lang="ko-KR" altLang="en-US"/>
+            </a:p>
+          </p:txBody>
+        </p:sp>
+        <p:sp>
+          <p:nvSpPr>
+            <p:cNvPr id="55" name="사각형: 둥근 모서리 54">
+              <a:extLst>
+                <a:ext uri="{FF2B5EF4-FFF2-40B4-BE49-F238E27FC236}">
+                  <a16:creationId xmlns:a16="http://schemas.microsoft.com/office/drawing/2014/main" id="{6AED868F-264F-4543-9003-00578F354D9A}"/>
+                </a:ext>
+              </a:extLst>
+            </p:cNvPr>
+            <p:cNvSpPr/>
+            <p:nvPr/>
+          </p:nvSpPr>
+          <p:spPr>
+            <a:xfrm>
+              <a:off x="3413078" y="2033685"/>
+              <a:ext cx="761987" cy="304800"/>
+            </a:xfrm>
+            <a:prstGeom prst="roundRect">
+              <a:avLst/>
+            </a:prstGeom>
+            <a:solidFill>
+              <a:srgbClr val="92D050"/>
+            </a:solidFill>
+            <a:ln w="38100">
+              <a:solidFill>
+                <a:schemeClr val="bg1"/>
+              </a:solidFill>
+            </a:ln>
+          </p:spPr>
+          <p:style>
+            <a:lnRef idx="2">
+              <a:schemeClr val="accent1">
+                <a:shade val="50000"/>
+              </a:schemeClr>
+            </a:lnRef>
+            <a:fillRef idx="1">
+              <a:schemeClr val="accent1"/>
+            </a:fillRef>
+            <a:effectRef idx="0">
+              <a:schemeClr val="accent1"/>
+            </a:effectRef>
+            <a:fontRef idx="minor">
+              <a:schemeClr val="lt1"/>
+            </a:fontRef>
+          </p:style>
+          <p:txBody>
+            <a:bodyPr rtlCol="0" anchor="ctr"/>
+            <a:lstStyle/>
+            <a:p>
+              <a:pPr algn="ctr"/>
+              <a:endParaRPr lang="ko-KR" altLang="en-US"/>
+            </a:p>
+          </p:txBody>
+        </p:sp>
+        <p:sp>
+          <p:nvSpPr>
+            <p:cNvPr id="56" name="사각형: 둥근 모서리 55">
+              <a:extLst>
+                <a:ext uri="{FF2B5EF4-FFF2-40B4-BE49-F238E27FC236}">
+                  <a16:creationId xmlns:a16="http://schemas.microsoft.com/office/drawing/2014/main" id="{1E32F38F-8025-421C-A81B-B3EBB7FF1255}"/>
+                </a:ext>
+              </a:extLst>
+            </p:cNvPr>
+            <p:cNvSpPr/>
+            <p:nvPr/>
+          </p:nvSpPr>
+          <p:spPr>
+            <a:xfrm>
+              <a:off x="4294200" y="2457048"/>
+              <a:ext cx="761987" cy="304800"/>
+            </a:xfrm>
+            <a:prstGeom prst="roundRect">
+              <a:avLst/>
+            </a:prstGeom>
+            <a:grpFill/>
+            <a:ln w="38100">
+              <a:solidFill>
+                <a:schemeClr val="bg1"/>
+              </a:solidFill>
+            </a:ln>
+          </p:spPr>
+          <p:style>
+            <a:lnRef idx="2">
+              <a:schemeClr val="accent1">
+                <a:shade val="50000"/>
+              </a:schemeClr>
+            </a:lnRef>
+            <a:fillRef idx="1">
+              <a:schemeClr val="accent1"/>
+            </a:fillRef>
+            <a:effectRef idx="0">
+              <a:schemeClr val="accent1"/>
+            </a:effectRef>
+            <a:fontRef idx="minor">
+              <a:schemeClr val="lt1"/>
+            </a:fontRef>
+          </p:style>
+          <p:txBody>
+            <a:bodyPr rtlCol="0" anchor="ctr"/>
+            <a:lstStyle/>
+            <a:p>
+              <a:pPr algn="ctr"/>
+              <a:endParaRPr lang="ko-KR" altLang="en-US"/>
+            </a:p>
+          </p:txBody>
+        </p:sp>
+        <p:sp>
+          <p:nvSpPr>
+            <p:cNvPr id="57" name="사각형: 둥근 모서리 56">
+              <a:extLst>
+                <a:ext uri="{FF2B5EF4-FFF2-40B4-BE49-F238E27FC236}">
+                  <a16:creationId xmlns:a16="http://schemas.microsoft.com/office/drawing/2014/main" id="{F828686D-9604-440E-9172-880BA61A6CAC}"/>
+                </a:ext>
+              </a:extLst>
+            </p:cNvPr>
+            <p:cNvSpPr/>
+            <p:nvPr/>
+          </p:nvSpPr>
+          <p:spPr>
+            <a:xfrm>
+              <a:off x="4294200" y="2033685"/>
+              <a:ext cx="761987" cy="304800"/>
+            </a:xfrm>
+            <a:prstGeom prst="roundRect">
+              <a:avLst/>
+            </a:prstGeom>
+            <a:grpFill/>
+            <a:ln w="38100">
+              <a:solidFill>
+                <a:schemeClr val="bg1"/>
+              </a:solidFill>
+            </a:ln>
+          </p:spPr>
+          <p:style>
+            <a:lnRef idx="2">
+              <a:schemeClr val="accent1">
+                <a:shade val="50000"/>
+              </a:schemeClr>
+            </a:lnRef>
+            <a:fillRef idx="1">
+              <a:schemeClr val="accent1"/>
+            </a:fillRef>
+            <a:effectRef idx="0">
+              <a:schemeClr val="accent1"/>
+            </a:effectRef>
+            <a:fontRef idx="minor">
+              <a:schemeClr val="lt1"/>
+            </a:fontRef>
+          </p:style>
+          <p:txBody>
+            <a:bodyPr rtlCol="0" anchor="ctr"/>
+            <a:lstStyle/>
+            <a:p>
+              <a:pPr algn="ctr"/>
+              <a:endParaRPr lang="ko-KR" altLang="en-US"/>
+            </a:p>
+          </p:txBody>
+        </p:sp>
+        <p:sp>
+          <p:nvSpPr>
+            <p:cNvPr id="58" name="사각형: 둥근 모서리 57">
+              <a:extLst>
+                <a:ext uri="{FF2B5EF4-FFF2-40B4-BE49-F238E27FC236}">
+                  <a16:creationId xmlns:a16="http://schemas.microsoft.com/office/drawing/2014/main" id="{12A09F2B-5DA0-444C-BF54-8E092CF2236F}"/>
+                </a:ext>
+              </a:extLst>
+            </p:cNvPr>
+            <p:cNvSpPr/>
+            <p:nvPr/>
+          </p:nvSpPr>
+          <p:spPr>
+            <a:xfrm>
+              <a:off x="5175322" y="2457048"/>
+              <a:ext cx="761987" cy="304791"/>
+            </a:xfrm>
+            <a:prstGeom prst="roundRect">
+              <a:avLst/>
+            </a:prstGeom>
+            <a:grpFill/>
+            <a:ln w="38100">
+              <a:solidFill>
+                <a:schemeClr val="bg1"/>
+              </a:solidFill>
+            </a:ln>
+          </p:spPr>
+          <p:style>
+            <a:lnRef idx="2">
+              <a:schemeClr val="accent1">
+                <a:shade val="50000"/>
+              </a:schemeClr>
+            </a:lnRef>
+            <a:fillRef idx="1">
+              <a:schemeClr val="accent1"/>
+            </a:fillRef>
+            <a:effectRef idx="0">
+              <a:schemeClr val="accent1"/>
+            </a:effectRef>
+            <a:fontRef idx="minor">
+              <a:schemeClr val="lt1"/>
+            </a:fontRef>
+          </p:style>
+          <p:txBody>
+            <a:bodyPr rtlCol="0" anchor="ctr"/>
+            <a:lstStyle/>
+            <a:p>
+              <a:pPr algn="ctr"/>
+              <a:endParaRPr lang="ko-KR" altLang="en-US"/>
+            </a:p>
+          </p:txBody>
+        </p:sp>
+        <p:sp>
+          <p:nvSpPr>
+            <p:cNvPr id="59" name="사각형: 둥근 모서리 58">
+              <a:extLst>
+                <a:ext uri="{FF2B5EF4-FFF2-40B4-BE49-F238E27FC236}">
+                  <a16:creationId xmlns:a16="http://schemas.microsoft.com/office/drawing/2014/main" id="{55BE3968-018A-4D62-898F-6791F2DF56C2}"/>
+                </a:ext>
+              </a:extLst>
+            </p:cNvPr>
+            <p:cNvSpPr/>
+            <p:nvPr/>
+          </p:nvSpPr>
+          <p:spPr>
+            <a:xfrm>
+              <a:off x="5175322" y="2033685"/>
+              <a:ext cx="761987" cy="304791"/>
+            </a:xfrm>
+            <a:prstGeom prst="roundRect">
+              <a:avLst/>
+            </a:prstGeom>
+            <a:grpFill/>
+            <a:ln w="38100">
+              <a:solidFill>
+                <a:schemeClr val="bg1"/>
+              </a:solidFill>
+            </a:ln>
+          </p:spPr>
+          <p:style>
+            <a:lnRef idx="2">
+              <a:schemeClr val="accent1">
+                <a:shade val="50000"/>
+              </a:schemeClr>
+            </a:lnRef>
+            <a:fillRef idx="1">
+              <a:schemeClr val="accent1"/>
+            </a:fillRef>
+            <a:effectRef idx="0">
+              <a:schemeClr val="accent1"/>
+            </a:effectRef>
+            <a:fontRef idx="minor">
+              <a:schemeClr val="lt1"/>
+            </a:fontRef>
+          </p:style>
+          <p:txBody>
+            <a:bodyPr rtlCol="0" anchor="ctr"/>
+            <a:lstStyle/>
+            <a:p>
+              <a:pPr algn="ctr"/>
+              <a:endParaRPr lang="ko-KR" altLang="en-US"/>
+            </a:p>
+          </p:txBody>
+        </p:sp>
+      </p:grpSp>
+      <p:sp>
+        <p:nvSpPr>
+          <p:cNvPr id="60" name="TextBox 59">
+            <a:extLst>
+              <a:ext uri="{FF2B5EF4-FFF2-40B4-BE49-F238E27FC236}">
+                <a16:creationId xmlns:a16="http://schemas.microsoft.com/office/drawing/2014/main" id="{B07083B3-AA21-4430-B8D8-BF3BE68DD304}"/>
+              </a:ext>
+            </a:extLst>
+          </p:cNvPr>
+          <p:cNvSpPr txBox="1"/>
+          <p:nvPr/>
+        </p:nvSpPr>
+        <p:spPr>
+          <a:xfrm>
+            <a:off x="2916832" y="3134252"/>
+            <a:ext cx="583814" cy="369332"/>
+          </a:xfrm>
+          <a:prstGeom prst="rect">
+            <a:avLst/>
+          </a:prstGeom>
+          <a:noFill/>
+        </p:spPr>
+        <p:txBody>
+          <a:bodyPr wrap="none" rtlCol="0">
+            <a:spAutoFit/>
+          </a:bodyPr>
+          <a:lstStyle/>
+          <a:p>
+            <a:r>
+              <a:rPr lang="en-US" altLang="ko-KR" b="1" dirty="0"/>
+              <a:t>170</a:t>
+            </a:r>
+            <a:endParaRPr lang="ko-KR" altLang="en-US" b="1" dirty="0"/>
+          </a:p>
+        </p:txBody>
+      </p:sp>
+      <p:grpSp>
+        <p:nvGrpSpPr>
+          <p:cNvPr id="61" name="그룹 60">
+            <a:extLst>
+              <a:ext uri="{FF2B5EF4-FFF2-40B4-BE49-F238E27FC236}">
+                <a16:creationId xmlns:a16="http://schemas.microsoft.com/office/drawing/2014/main" id="{F7059B7E-2A33-465A-A68F-42FA4BB5BB82}"/>
+              </a:ext>
+            </a:extLst>
+          </p:cNvPr>
+          <p:cNvGrpSpPr/>
+          <p:nvPr/>
+        </p:nvGrpSpPr>
+        <p:grpSpPr>
+          <a:xfrm>
+            <a:off x="4056398" y="2775994"/>
+            <a:ext cx="1085848" cy="1085848"/>
+            <a:chOff x="504827" y="1511440"/>
+            <a:chExt cx="1743071" cy="1743071"/>
+          </a:xfrm>
+        </p:grpSpPr>
+        <p:sp>
+          <p:nvSpPr>
+            <p:cNvPr id="62" name="다이아몬드 61">
+              <a:extLst>
+                <a:ext uri="{FF2B5EF4-FFF2-40B4-BE49-F238E27FC236}">
+                  <a16:creationId xmlns:a16="http://schemas.microsoft.com/office/drawing/2014/main" id="{7F6BF5C4-BF60-4D4D-AEB8-9ECBBE425D13}"/>
+                </a:ext>
+              </a:extLst>
+            </p:cNvPr>
+            <p:cNvSpPr/>
+            <p:nvPr/>
+          </p:nvSpPr>
+          <p:spPr>
+            <a:xfrm>
+              <a:off x="504827" y="1511440"/>
+              <a:ext cx="1743071" cy="1743071"/>
+            </a:xfrm>
+            <a:prstGeom prst="diamond">
+              <a:avLst/>
+            </a:prstGeom>
+            <a:solidFill>
+              <a:schemeClr val="tx1"/>
+            </a:solidFill>
+            <a:ln w="28575">
+              <a:solidFill>
+                <a:schemeClr val="bg1"/>
+              </a:solidFill>
+            </a:ln>
+          </p:spPr>
+          <p:style>
+            <a:lnRef idx="2">
+              <a:schemeClr val="accent1">
+                <a:shade val="50000"/>
+              </a:schemeClr>
+            </a:lnRef>
+            <a:fillRef idx="1">
+              <a:schemeClr val="accent1"/>
+            </a:fillRef>
+            <a:effectRef idx="0">
+              <a:schemeClr val="accent1"/>
+            </a:effectRef>
+            <a:fontRef idx="minor">
+              <a:schemeClr val="lt1"/>
+            </a:fontRef>
+          </p:style>
+          <p:txBody>
+            <a:bodyPr rtlCol="0" anchor="ctr"/>
+            <a:lstStyle/>
+            <a:p>
+              <a:pPr algn="ctr"/>
+              <a:endParaRPr lang="ko-KR" altLang="en-US"/>
+            </a:p>
+          </p:txBody>
+        </p:sp>
+        <p:pic>
+          <p:nvPicPr>
+            <p:cNvPr id="63" name="그림 62">
+              <a:extLst>
+                <a:ext uri="{FF2B5EF4-FFF2-40B4-BE49-F238E27FC236}">
+                  <a16:creationId xmlns:a16="http://schemas.microsoft.com/office/drawing/2014/main" id="{D6C62FC5-0E41-4FFD-A15B-5305408C44BC}"/>
+                </a:ext>
+              </a:extLst>
+            </p:cNvPr>
+            <p:cNvPicPr>
+              <a:picLocks noChangeAspect="1"/>
+            </p:cNvPicPr>
+            <p:nvPr/>
+          </p:nvPicPr>
+          <p:blipFill>
+            <a:blip r:embed="rId2">
+              <a:extLst>
+                <a:ext uri="{28A0092B-C50C-407E-A947-70E740481C1C}">
+                  <a14:useLocalDpi xmlns:a14="http://schemas.microsoft.com/office/drawing/2010/main" val="0"/>
+                </a:ext>
+              </a:extLst>
+            </a:blip>
+            <a:stretch>
+              <a:fillRect/>
+            </a:stretch>
+          </p:blipFill>
+          <p:spPr>
+            <a:xfrm>
+              <a:off x="952467" y="1965138"/>
+              <a:ext cx="847790" cy="847790"/>
+            </a:xfrm>
+            <a:prstGeom prst="rect">
+              <a:avLst/>
+            </a:prstGeom>
+          </p:spPr>
+        </p:pic>
+      </p:grpSp>
+      <p:sp>
+        <p:nvSpPr>
+          <p:cNvPr id="64" name="TextBox 63">
+            <a:extLst>
+              <a:ext uri="{FF2B5EF4-FFF2-40B4-BE49-F238E27FC236}">
+                <a16:creationId xmlns:a16="http://schemas.microsoft.com/office/drawing/2014/main" id="{A3BB34E0-16F0-4EA9-9767-6433ACD31833}"/>
+              </a:ext>
+            </a:extLst>
+          </p:cNvPr>
+          <p:cNvSpPr txBox="1"/>
+          <p:nvPr/>
+        </p:nvSpPr>
+        <p:spPr>
+          <a:xfrm>
+            <a:off x="4160741" y="3664845"/>
+            <a:ext cx="877163" cy="369332"/>
+          </a:xfrm>
+          <a:prstGeom prst="rect">
+            <a:avLst/>
+          </a:prstGeom>
+          <a:solidFill>
+            <a:schemeClr val="bg1"/>
+          </a:solidFill>
+        </p:spPr>
+        <p:txBody>
+          <a:bodyPr wrap="none" rtlCol="0">
+            <a:spAutoFit/>
+          </a:bodyPr>
+          <a:lstStyle/>
+          <a:p>
+            <a:r>
+              <a:rPr lang="ko-KR" altLang="en-US" b="1" dirty="0"/>
+              <a:t>공격력</a:t>
+            </a:r>
+          </a:p>
+        </p:txBody>
+      </p:sp>
+      <p:grpSp>
+        <p:nvGrpSpPr>
+          <p:cNvPr id="65" name="그룹 64">
+            <a:extLst>
+              <a:ext uri="{FF2B5EF4-FFF2-40B4-BE49-F238E27FC236}">
+                <a16:creationId xmlns:a16="http://schemas.microsoft.com/office/drawing/2014/main" id="{104D91FC-01DB-4B14-807F-9FBE6392B1DA}"/>
+              </a:ext>
+            </a:extLst>
+          </p:cNvPr>
+          <p:cNvGrpSpPr/>
+          <p:nvPr/>
+        </p:nvGrpSpPr>
+        <p:grpSpPr>
+          <a:xfrm>
+            <a:off x="4142473" y="4130921"/>
+            <a:ext cx="877164" cy="187563"/>
+            <a:chOff x="2531956" y="2033685"/>
+            <a:chExt cx="3405353" cy="728163"/>
+          </a:xfrm>
+          <a:solidFill>
+            <a:schemeClr val="tx1"/>
+          </a:solidFill>
+        </p:grpSpPr>
+        <p:sp>
+          <p:nvSpPr>
+            <p:cNvPr id="66" name="사각형: 둥근 모서리 65">
+              <a:extLst>
+                <a:ext uri="{FF2B5EF4-FFF2-40B4-BE49-F238E27FC236}">
+                  <a16:creationId xmlns:a16="http://schemas.microsoft.com/office/drawing/2014/main" id="{9FF96AF7-31A9-4962-9F82-D4A3C75583AC}"/>
+                </a:ext>
+              </a:extLst>
+            </p:cNvPr>
+            <p:cNvSpPr/>
+            <p:nvPr/>
+          </p:nvSpPr>
+          <p:spPr>
+            <a:xfrm>
+              <a:off x="2531956" y="2052608"/>
+              <a:ext cx="761987" cy="304800"/>
+            </a:xfrm>
+            <a:prstGeom prst="roundRect">
+              <a:avLst/>
+            </a:prstGeom>
+            <a:solidFill>
+              <a:srgbClr val="92D050"/>
+            </a:solidFill>
+            <a:ln w="38100">
+              <a:solidFill>
+                <a:schemeClr val="bg1"/>
+              </a:solidFill>
+            </a:ln>
+          </p:spPr>
+          <p:style>
+            <a:lnRef idx="2">
+              <a:schemeClr val="accent1">
+                <a:shade val="50000"/>
+              </a:schemeClr>
+            </a:lnRef>
+            <a:fillRef idx="1">
+              <a:schemeClr val="accent1"/>
+            </a:fillRef>
+            <a:effectRef idx="0">
+              <a:schemeClr val="accent1"/>
+            </a:effectRef>
+            <a:fontRef idx="minor">
+              <a:schemeClr val="lt1"/>
+            </a:fontRef>
+          </p:style>
+          <p:txBody>
+            <a:bodyPr rtlCol="0" anchor="ctr"/>
+            <a:lstStyle/>
+            <a:p>
+              <a:pPr algn="ctr"/>
+              <a:endParaRPr lang="ko-KR" altLang="en-US"/>
+            </a:p>
+          </p:txBody>
+        </p:sp>
+        <p:sp>
+          <p:nvSpPr>
+            <p:cNvPr id="67" name="사각형: 둥근 모서리 66">
+              <a:extLst>
+                <a:ext uri="{FF2B5EF4-FFF2-40B4-BE49-F238E27FC236}">
+                  <a16:creationId xmlns:a16="http://schemas.microsoft.com/office/drawing/2014/main" id="{FF644C96-9EB5-4D95-9AE8-E4845B7CE8F9}"/>
+                </a:ext>
+              </a:extLst>
+            </p:cNvPr>
+            <p:cNvSpPr/>
+            <p:nvPr/>
+          </p:nvSpPr>
+          <p:spPr>
+            <a:xfrm>
+              <a:off x="2531956" y="2457048"/>
+              <a:ext cx="761987" cy="304800"/>
+            </a:xfrm>
+            <a:prstGeom prst="roundRect">
+              <a:avLst/>
+            </a:prstGeom>
+            <a:grpFill/>
+            <a:ln w="38100">
+              <a:solidFill>
+                <a:schemeClr val="bg1"/>
+              </a:solidFill>
+            </a:ln>
+          </p:spPr>
+          <p:style>
+            <a:lnRef idx="2">
+              <a:schemeClr val="accent1">
+                <a:shade val="50000"/>
+              </a:schemeClr>
+            </a:lnRef>
+            <a:fillRef idx="1">
+              <a:schemeClr val="accent1"/>
+            </a:fillRef>
+            <a:effectRef idx="0">
+              <a:schemeClr val="accent1"/>
+            </a:effectRef>
+            <a:fontRef idx="minor">
+              <a:schemeClr val="lt1"/>
+            </a:fontRef>
+          </p:style>
+          <p:txBody>
+            <a:bodyPr rtlCol="0" anchor="ctr"/>
+            <a:lstStyle/>
+            <a:p>
+              <a:pPr algn="ctr"/>
+              <a:endParaRPr lang="ko-KR" altLang="en-US"/>
+            </a:p>
+          </p:txBody>
+        </p:sp>
+        <p:sp>
+          <p:nvSpPr>
+            <p:cNvPr id="68" name="사각형: 둥근 모서리 67">
+              <a:extLst>
+                <a:ext uri="{FF2B5EF4-FFF2-40B4-BE49-F238E27FC236}">
+                  <a16:creationId xmlns:a16="http://schemas.microsoft.com/office/drawing/2014/main" id="{54CBA6BF-60BE-40F1-B974-AF996CB811A6}"/>
+                </a:ext>
+              </a:extLst>
+            </p:cNvPr>
+            <p:cNvSpPr/>
+            <p:nvPr/>
+          </p:nvSpPr>
+          <p:spPr>
+            <a:xfrm>
+              <a:off x="3413078" y="2457048"/>
+              <a:ext cx="761987" cy="304800"/>
+            </a:xfrm>
+            <a:prstGeom prst="roundRect">
+              <a:avLst/>
+            </a:prstGeom>
+            <a:grpFill/>
+            <a:ln w="38100">
+              <a:solidFill>
+                <a:schemeClr val="bg1"/>
+              </a:solidFill>
+            </a:ln>
+          </p:spPr>
+          <p:style>
+            <a:lnRef idx="2">
+              <a:schemeClr val="accent1">
+                <a:shade val="50000"/>
+              </a:schemeClr>
+            </a:lnRef>
+            <a:fillRef idx="1">
+              <a:schemeClr val="accent1"/>
+            </a:fillRef>
+            <a:effectRef idx="0">
+              <a:schemeClr val="accent1"/>
+            </a:effectRef>
+            <a:fontRef idx="minor">
+              <a:schemeClr val="lt1"/>
+            </a:fontRef>
+          </p:style>
+          <p:txBody>
+            <a:bodyPr rtlCol="0" anchor="ctr"/>
+            <a:lstStyle/>
+            <a:p>
+              <a:pPr algn="ctr"/>
+              <a:endParaRPr lang="ko-KR" altLang="en-US"/>
+            </a:p>
+          </p:txBody>
+        </p:sp>
+        <p:sp>
+          <p:nvSpPr>
+            <p:cNvPr id="69" name="사각형: 둥근 모서리 68">
+              <a:extLst>
+                <a:ext uri="{FF2B5EF4-FFF2-40B4-BE49-F238E27FC236}">
+                  <a16:creationId xmlns:a16="http://schemas.microsoft.com/office/drawing/2014/main" id="{7049BEC7-2726-4E48-B6AF-B4857CE0D95C}"/>
+                </a:ext>
+              </a:extLst>
+            </p:cNvPr>
+            <p:cNvSpPr/>
+            <p:nvPr/>
+          </p:nvSpPr>
+          <p:spPr>
+            <a:xfrm>
+              <a:off x="3413078" y="2033685"/>
+              <a:ext cx="761987" cy="304800"/>
+            </a:xfrm>
+            <a:prstGeom prst="roundRect">
+              <a:avLst/>
+            </a:prstGeom>
+            <a:solidFill>
+              <a:srgbClr val="92D050"/>
+            </a:solidFill>
+            <a:ln w="38100">
+              <a:solidFill>
+                <a:schemeClr val="bg1"/>
+              </a:solidFill>
+            </a:ln>
+          </p:spPr>
+          <p:style>
+            <a:lnRef idx="2">
+              <a:schemeClr val="accent1">
+                <a:shade val="50000"/>
+              </a:schemeClr>
+            </a:lnRef>
+            <a:fillRef idx="1">
+              <a:schemeClr val="accent1"/>
+            </a:fillRef>
+            <a:effectRef idx="0">
+              <a:schemeClr val="accent1"/>
+            </a:effectRef>
+            <a:fontRef idx="minor">
+              <a:schemeClr val="lt1"/>
+            </a:fontRef>
+          </p:style>
+          <p:txBody>
+            <a:bodyPr rtlCol="0" anchor="ctr"/>
+            <a:lstStyle/>
+            <a:p>
+              <a:pPr algn="ctr"/>
+              <a:endParaRPr lang="ko-KR" altLang="en-US"/>
+            </a:p>
+          </p:txBody>
+        </p:sp>
+        <p:sp>
+          <p:nvSpPr>
+            <p:cNvPr id="70" name="사각형: 둥근 모서리 69">
+              <a:extLst>
+                <a:ext uri="{FF2B5EF4-FFF2-40B4-BE49-F238E27FC236}">
+                  <a16:creationId xmlns:a16="http://schemas.microsoft.com/office/drawing/2014/main" id="{77286304-5929-4053-8A4F-681149F5EB79}"/>
+                </a:ext>
+              </a:extLst>
+            </p:cNvPr>
+            <p:cNvSpPr/>
+            <p:nvPr/>
+          </p:nvSpPr>
+          <p:spPr>
+            <a:xfrm>
+              <a:off x="4294200" y="2457048"/>
+              <a:ext cx="761987" cy="304800"/>
+            </a:xfrm>
+            <a:prstGeom prst="roundRect">
+              <a:avLst/>
+            </a:prstGeom>
+            <a:grpFill/>
+            <a:ln w="38100">
+              <a:solidFill>
+                <a:schemeClr val="bg1"/>
+              </a:solidFill>
+            </a:ln>
+          </p:spPr>
+          <p:style>
+            <a:lnRef idx="2">
+              <a:schemeClr val="accent1">
+                <a:shade val="50000"/>
+              </a:schemeClr>
+            </a:lnRef>
+            <a:fillRef idx="1">
+              <a:schemeClr val="accent1"/>
+            </a:fillRef>
+            <a:effectRef idx="0">
+              <a:schemeClr val="accent1"/>
+            </a:effectRef>
+            <a:fontRef idx="minor">
+              <a:schemeClr val="lt1"/>
+            </a:fontRef>
+          </p:style>
+          <p:txBody>
+            <a:bodyPr rtlCol="0" anchor="ctr"/>
+            <a:lstStyle/>
+            <a:p>
+              <a:pPr algn="ctr"/>
+              <a:endParaRPr lang="ko-KR" altLang="en-US"/>
+            </a:p>
+          </p:txBody>
+        </p:sp>
+        <p:sp>
+          <p:nvSpPr>
+            <p:cNvPr id="71" name="사각형: 둥근 모서리 70">
+              <a:extLst>
+                <a:ext uri="{FF2B5EF4-FFF2-40B4-BE49-F238E27FC236}">
+                  <a16:creationId xmlns:a16="http://schemas.microsoft.com/office/drawing/2014/main" id="{2A9ABB3A-CE88-423A-8F54-209949ED8100}"/>
+                </a:ext>
+              </a:extLst>
+            </p:cNvPr>
+            <p:cNvSpPr/>
+            <p:nvPr/>
+          </p:nvSpPr>
+          <p:spPr>
+            <a:xfrm>
+              <a:off x="4294200" y="2033685"/>
+              <a:ext cx="761987" cy="304800"/>
+            </a:xfrm>
+            <a:prstGeom prst="roundRect">
+              <a:avLst/>
+            </a:prstGeom>
+            <a:grpFill/>
+            <a:ln w="38100">
+              <a:solidFill>
+                <a:schemeClr val="bg1"/>
+              </a:solidFill>
+            </a:ln>
+          </p:spPr>
+          <p:style>
+            <a:lnRef idx="2">
+              <a:schemeClr val="accent1">
+                <a:shade val="50000"/>
+              </a:schemeClr>
+            </a:lnRef>
+            <a:fillRef idx="1">
+              <a:schemeClr val="accent1"/>
+            </a:fillRef>
+            <a:effectRef idx="0">
+              <a:schemeClr val="accent1"/>
+            </a:effectRef>
+            <a:fontRef idx="minor">
+              <a:schemeClr val="lt1"/>
+            </a:fontRef>
+          </p:style>
+          <p:txBody>
+            <a:bodyPr rtlCol="0" anchor="ctr"/>
+            <a:lstStyle/>
+            <a:p>
+              <a:pPr algn="ctr"/>
+              <a:endParaRPr lang="ko-KR" altLang="en-US"/>
+            </a:p>
+          </p:txBody>
+        </p:sp>
+        <p:sp>
+          <p:nvSpPr>
+            <p:cNvPr id="72" name="사각형: 둥근 모서리 71">
+              <a:extLst>
+                <a:ext uri="{FF2B5EF4-FFF2-40B4-BE49-F238E27FC236}">
+                  <a16:creationId xmlns:a16="http://schemas.microsoft.com/office/drawing/2014/main" id="{2ACBEF5F-7817-4F95-81F2-14C266003D09}"/>
+                </a:ext>
+              </a:extLst>
+            </p:cNvPr>
+            <p:cNvSpPr/>
+            <p:nvPr/>
+          </p:nvSpPr>
+          <p:spPr>
+            <a:xfrm>
+              <a:off x="5175322" y="2457048"/>
+              <a:ext cx="761987" cy="304791"/>
+            </a:xfrm>
+            <a:prstGeom prst="roundRect">
+              <a:avLst/>
+            </a:prstGeom>
+            <a:grpFill/>
+            <a:ln w="38100">
+              <a:solidFill>
+                <a:schemeClr val="bg1"/>
+              </a:solidFill>
+            </a:ln>
+          </p:spPr>
+          <p:style>
+            <a:lnRef idx="2">
+              <a:schemeClr val="accent1">
+                <a:shade val="50000"/>
+              </a:schemeClr>
+            </a:lnRef>
+            <a:fillRef idx="1">
+              <a:schemeClr val="accent1"/>
+            </a:fillRef>
+            <a:effectRef idx="0">
+              <a:schemeClr val="accent1"/>
+            </a:effectRef>
+            <a:fontRef idx="minor">
+              <a:schemeClr val="lt1"/>
+            </a:fontRef>
+          </p:style>
+          <p:txBody>
+            <a:bodyPr rtlCol="0" anchor="ctr"/>
+            <a:lstStyle/>
+            <a:p>
+              <a:pPr algn="ctr"/>
+              <a:endParaRPr lang="ko-KR" altLang="en-US"/>
+            </a:p>
+          </p:txBody>
+        </p:sp>
+        <p:sp>
+          <p:nvSpPr>
+            <p:cNvPr id="73" name="사각형: 둥근 모서리 72">
+              <a:extLst>
+                <a:ext uri="{FF2B5EF4-FFF2-40B4-BE49-F238E27FC236}">
+                  <a16:creationId xmlns:a16="http://schemas.microsoft.com/office/drawing/2014/main" id="{F2F6E915-4D25-4FF0-80C5-B3D0E7D503A1}"/>
+                </a:ext>
+              </a:extLst>
+            </p:cNvPr>
+            <p:cNvSpPr/>
+            <p:nvPr/>
+          </p:nvSpPr>
+          <p:spPr>
+            <a:xfrm>
+              <a:off x="5175322" y="2033685"/>
+              <a:ext cx="761987" cy="304791"/>
+            </a:xfrm>
+            <a:prstGeom prst="roundRect">
+              <a:avLst/>
+            </a:prstGeom>
+            <a:grpFill/>
+            <a:ln w="38100">
+              <a:solidFill>
+                <a:schemeClr val="bg1"/>
+              </a:solidFill>
+            </a:ln>
+          </p:spPr>
+          <p:style>
+            <a:lnRef idx="2">
+              <a:schemeClr val="accent1">
+                <a:shade val="50000"/>
+              </a:schemeClr>
+            </a:lnRef>
+            <a:fillRef idx="1">
+              <a:schemeClr val="accent1"/>
+            </a:fillRef>
+            <a:effectRef idx="0">
+              <a:schemeClr val="accent1"/>
+            </a:effectRef>
+            <a:fontRef idx="minor">
+              <a:schemeClr val="lt1"/>
+            </a:fontRef>
+          </p:style>
+          <p:txBody>
+            <a:bodyPr rtlCol="0" anchor="ctr"/>
+            <a:lstStyle/>
+            <a:p>
+              <a:pPr algn="ctr"/>
+              <a:endParaRPr lang="ko-KR" altLang="en-US"/>
+            </a:p>
+          </p:txBody>
+        </p:sp>
+      </p:grpSp>
+      <p:sp>
+        <p:nvSpPr>
+          <p:cNvPr id="74" name="TextBox 73">
+            <a:extLst>
+              <a:ext uri="{FF2B5EF4-FFF2-40B4-BE49-F238E27FC236}">
+                <a16:creationId xmlns:a16="http://schemas.microsoft.com/office/drawing/2014/main" id="{39918A13-9BAF-4956-8EC4-E83F578A6533}"/>
+              </a:ext>
+            </a:extLst>
+          </p:cNvPr>
+          <p:cNvSpPr txBox="1"/>
+          <p:nvPr/>
+        </p:nvSpPr>
+        <p:spPr>
+          <a:xfrm>
+            <a:off x="5289096" y="3134252"/>
+            <a:ext cx="583814" cy="369332"/>
+          </a:xfrm>
+          <a:prstGeom prst="rect">
+            <a:avLst/>
+          </a:prstGeom>
+          <a:noFill/>
+        </p:spPr>
+        <p:txBody>
+          <a:bodyPr wrap="none" rtlCol="0">
+            <a:spAutoFit/>
+          </a:bodyPr>
+          <a:lstStyle/>
+          <a:p>
+            <a:r>
+              <a:rPr lang="en-US" altLang="ko-KR" b="1" dirty="0"/>
+              <a:t>170</a:t>
+            </a:r>
+            <a:endParaRPr lang="ko-KR" altLang="en-US" b="1" dirty="0"/>
+          </a:p>
+        </p:txBody>
+      </p:sp>
+      <p:grpSp>
+        <p:nvGrpSpPr>
+          <p:cNvPr id="75" name="그룹 74">
+            <a:extLst>
+              <a:ext uri="{FF2B5EF4-FFF2-40B4-BE49-F238E27FC236}">
+                <a16:creationId xmlns:a16="http://schemas.microsoft.com/office/drawing/2014/main" id="{56615AAC-37B3-4EB2-A573-EF5DE67FD8BC}"/>
+              </a:ext>
+            </a:extLst>
+          </p:cNvPr>
+          <p:cNvGrpSpPr/>
+          <p:nvPr/>
+        </p:nvGrpSpPr>
+        <p:grpSpPr>
+          <a:xfrm>
+            <a:off x="6283430" y="2775994"/>
+            <a:ext cx="1085848" cy="1085848"/>
+            <a:chOff x="504827" y="1511440"/>
+            <a:chExt cx="1743071" cy="1743071"/>
+          </a:xfrm>
+        </p:grpSpPr>
+        <p:sp>
+          <p:nvSpPr>
+            <p:cNvPr id="76" name="다이아몬드 75">
+              <a:extLst>
+                <a:ext uri="{FF2B5EF4-FFF2-40B4-BE49-F238E27FC236}">
+                  <a16:creationId xmlns:a16="http://schemas.microsoft.com/office/drawing/2014/main" id="{C698EB40-CECF-4B88-9E7B-8D68DA4A60BF}"/>
+                </a:ext>
+              </a:extLst>
+            </p:cNvPr>
+            <p:cNvSpPr/>
+            <p:nvPr/>
+          </p:nvSpPr>
+          <p:spPr>
+            <a:xfrm>
+              <a:off x="504827" y="1511440"/>
+              <a:ext cx="1743071" cy="1743071"/>
+            </a:xfrm>
+            <a:prstGeom prst="diamond">
+              <a:avLst/>
+            </a:prstGeom>
+            <a:solidFill>
+              <a:schemeClr val="tx1"/>
+            </a:solidFill>
+            <a:ln w="28575">
+              <a:solidFill>
+                <a:schemeClr val="bg1"/>
+              </a:solidFill>
+            </a:ln>
+          </p:spPr>
+          <p:style>
+            <a:lnRef idx="2">
+              <a:schemeClr val="accent1">
+                <a:shade val="50000"/>
+              </a:schemeClr>
+            </a:lnRef>
+            <a:fillRef idx="1">
+              <a:schemeClr val="accent1"/>
+            </a:fillRef>
+            <a:effectRef idx="0">
+              <a:schemeClr val="accent1"/>
+            </a:effectRef>
+            <a:fontRef idx="minor">
+              <a:schemeClr val="lt1"/>
+            </a:fontRef>
+          </p:style>
+          <p:txBody>
+            <a:bodyPr rtlCol="0" anchor="ctr"/>
+            <a:lstStyle/>
+            <a:p>
+              <a:pPr algn="ctr"/>
+              <a:endParaRPr lang="ko-KR" altLang="en-US"/>
+            </a:p>
+          </p:txBody>
+        </p:sp>
+        <p:pic>
+          <p:nvPicPr>
+            <p:cNvPr id="77" name="그림 76">
+              <a:extLst>
+                <a:ext uri="{FF2B5EF4-FFF2-40B4-BE49-F238E27FC236}">
+                  <a16:creationId xmlns:a16="http://schemas.microsoft.com/office/drawing/2014/main" id="{A840D1FD-397A-4498-95ED-A775B604DD0F}"/>
+                </a:ext>
+              </a:extLst>
+            </p:cNvPr>
+            <p:cNvPicPr>
+              <a:picLocks noChangeAspect="1"/>
+            </p:cNvPicPr>
+            <p:nvPr/>
+          </p:nvPicPr>
+          <p:blipFill>
+            <a:blip r:embed="rId2">
+              <a:extLst>
+                <a:ext uri="{28A0092B-C50C-407E-A947-70E740481C1C}">
+                  <a14:useLocalDpi xmlns:a14="http://schemas.microsoft.com/office/drawing/2010/main" val="0"/>
+                </a:ext>
+              </a:extLst>
+            </a:blip>
+            <a:stretch>
+              <a:fillRect/>
+            </a:stretch>
+          </p:blipFill>
+          <p:spPr>
+            <a:xfrm>
+              <a:off x="952467" y="1965138"/>
+              <a:ext cx="847790" cy="847790"/>
+            </a:xfrm>
+            <a:prstGeom prst="rect">
+              <a:avLst/>
+            </a:prstGeom>
+          </p:spPr>
+        </p:pic>
+      </p:grpSp>
+      <p:sp>
+        <p:nvSpPr>
+          <p:cNvPr id="78" name="TextBox 77">
+            <a:extLst>
+              <a:ext uri="{FF2B5EF4-FFF2-40B4-BE49-F238E27FC236}">
+                <a16:creationId xmlns:a16="http://schemas.microsoft.com/office/drawing/2014/main" id="{DAF6384B-3090-4618-BBB3-5A1694C48CC1}"/>
+              </a:ext>
+            </a:extLst>
+          </p:cNvPr>
+          <p:cNvSpPr txBox="1"/>
+          <p:nvPr/>
+        </p:nvSpPr>
+        <p:spPr>
+          <a:xfrm>
+            <a:off x="6387773" y="3664845"/>
+            <a:ext cx="877163" cy="369332"/>
+          </a:xfrm>
+          <a:prstGeom prst="rect">
+            <a:avLst/>
+          </a:prstGeom>
+          <a:solidFill>
+            <a:schemeClr val="bg1"/>
+          </a:solidFill>
+        </p:spPr>
+        <p:txBody>
+          <a:bodyPr wrap="none" rtlCol="0">
+            <a:spAutoFit/>
+          </a:bodyPr>
+          <a:lstStyle/>
+          <a:p>
+            <a:r>
+              <a:rPr lang="ko-KR" altLang="en-US" b="1" dirty="0"/>
+              <a:t>공격력</a:t>
+            </a:r>
+          </a:p>
+        </p:txBody>
+      </p:sp>
+      <p:grpSp>
+        <p:nvGrpSpPr>
+          <p:cNvPr id="79" name="그룹 78">
+            <a:extLst>
+              <a:ext uri="{FF2B5EF4-FFF2-40B4-BE49-F238E27FC236}">
+                <a16:creationId xmlns:a16="http://schemas.microsoft.com/office/drawing/2014/main" id="{6570E9E3-8704-41ED-97D2-8FAA6ECEC2CD}"/>
+              </a:ext>
+            </a:extLst>
+          </p:cNvPr>
+          <p:cNvGrpSpPr/>
+          <p:nvPr/>
+        </p:nvGrpSpPr>
+        <p:grpSpPr>
+          <a:xfrm>
+            <a:off x="6369505" y="4130921"/>
+            <a:ext cx="877164" cy="187563"/>
+            <a:chOff x="2531956" y="2033685"/>
+            <a:chExt cx="3405353" cy="728163"/>
+          </a:xfrm>
+          <a:solidFill>
+            <a:schemeClr val="tx1"/>
+          </a:solidFill>
+        </p:grpSpPr>
+        <p:sp>
+          <p:nvSpPr>
+            <p:cNvPr id="80" name="사각형: 둥근 모서리 79">
+              <a:extLst>
+                <a:ext uri="{FF2B5EF4-FFF2-40B4-BE49-F238E27FC236}">
+                  <a16:creationId xmlns:a16="http://schemas.microsoft.com/office/drawing/2014/main" id="{EF1D9D5D-8A95-415D-A39C-69B8381A4192}"/>
+                </a:ext>
+              </a:extLst>
+            </p:cNvPr>
+            <p:cNvSpPr/>
+            <p:nvPr/>
+          </p:nvSpPr>
+          <p:spPr>
+            <a:xfrm>
+              <a:off x="2531956" y="2052608"/>
+              <a:ext cx="761987" cy="304800"/>
+            </a:xfrm>
+            <a:prstGeom prst="roundRect">
+              <a:avLst/>
+            </a:prstGeom>
+            <a:solidFill>
+              <a:srgbClr val="92D050"/>
+            </a:solidFill>
+            <a:ln w="38100">
+              <a:solidFill>
+                <a:schemeClr val="bg1"/>
+              </a:solidFill>
+            </a:ln>
+          </p:spPr>
+          <p:style>
+            <a:lnRef idx="2">
+              <a:schemeClr val="accent1">
+                <a:shade val="50000"/>
+              </a:schemeClr>
+            </a:lnRef>
+            <a:fillRef idx="1">
+              <a:schemeClr val="accent1"/>
+            </a:fillRef>
+            <a:effectRef idx="0">
+              <a:schemeClr val="accent1"/>
+            </a:effectRef>
+            <a:fontRef idx="minor">
+              <a:schemeClr val="lt1"/>
+            </a:fontRef>
+          </p:style>
+          <p:txBody>
+            <a:bodyPr rtlCol="0" anchor="ctr"/>
+            <a:lstStyle/>
+            <a:p>
+              <a:pPr algn="ctr"/>
+              <a:endParaRPr lang="ko-KR" altLang="en-US"/>
+            </a:p>
+          </p:txBody>
+        </p:sp>
+        <p:sp>
+          <p:nvSpPr>
+            <p:cNvPr id="81" name="사각형: 둥근 모서리 80">
+              <a:extLst>
+                <a:ext uri="{FF2B5EF4-FFF2-40B4-BE49-F238E27FC236}">
+                  <a16:creationId xmlns:a16="http://schemas.microsoft.com/office/drawing/2014/main" id="{15F7AEB7-29AD-43D8-A834-09FADC7A6B2E}"/>
+                </a:ext>
+              </a:extLst>
+            </p:cNvPr>
+            <p:cNvSpPr/>
+            <p:nvPr/>
+          </p:nvSpPr>
+          <p:spPr>
+            <a:xfrm>
+              <a:off x="2531956" y="2457048"/>
+              <a:ext cx="761987" cy="304800"/>
+            </a:xfrm>
+            <a:prstGeom prst="roundRect">
+              <a:avLst/>
+            </a:prstGeom>
+            <a:grpFill/>
+            <a:ln w="38100">
+              <a:solidFill>
+                <a:schemeClr val="bg1"/>
+              </a:solidFill>
+            </a:ln>
+          </p:spPr>
+          <p:style>
+            <a:lnRef idx="2">
+              <a:schemeClr val="accent1">
+                <a:shade val="50000"/>
+              </a:schemeClr>
+            </a:lnRef>
+            <a:fillRef idx="1">
+              <a:schemeClr val="accent1"/>
+            </a:fillRef>
+            <a:effectRef idx="0">
+              <a:schemeClr val="accent1"/>
+            </a:effectRef>
+            <a:fontRef idx="minor">
+              <a:schemeClr val="lt1"/>
+            </a:fontRef>
+          </p:style>
+          <p:txBody>
+            <a:bodyPr rtlCol="0" anchor="ctr"/>
+            <a:lstStyle/>
+            <a:p>
+              <a:pPr algn="ctr"/>
+              <a:endParaRPr lang="ko-KR" altLang="en-US"/>
+            </a:p>
+          </p:txBody>
+        </p:sp>
+        <p:sp>
+          <p:nvSpPr>
+            <p:cNvPr id="82" name="사각형: 둥근 모서리 81">
+              <a:extLst>
+                <a:ext uri="{FF2B5EF4-FFF2-40B4-BE49-F238E27FC236}">
+                  <a16:creationId xmlns:a16="http://schemas.microsoft.com/office/drawing/2014/main" id="{6FA60D10-4189-48B0-8C4C-92BEF152882F}"/>
+                </a:ext>
+              </a:extLst>
+            </p:cNvPr>
+            <p:cNvSpPr/>
+            <p:nvPr/>
+          </p:nvSpPr>
+          <p:spPr>
+            <a:xfrm>
+              <a:off x="3413078" y="2457048"/>
+              <a:ext cx="761987" cy="304800"/>
+            </a:xfrm>
+            <a:prstGeom prst="roundRect">
+              <a:avLst/>
+            </a:prstGeom>
+            <a:grpFill/>
+            <a:ln w="38100">
+              <a:solidFill>
+                <a:schemeClr val="bg1"/>
+              </a:solidFill>
+            </a:ln>
+          </p:spPr>
+          <p:style>
+            <a:lnRef idx="2">
+              <a:schemeClr val="accent1">
+                <a:shade val="50000"/>
+              </a:schemeClr>
+            </a:lnRef>
+            <a:fillRef idx="1">
+              <a:schemeClr val="accent1"/>
+            </a:fillRef>
+            <a:effectRef idx="0">
+              <a:schemeClr val="accent1"/>
+            </a:effectRef>
+            <a:fontRef idx="minor">
+              <a:schemeClr val="lt1"/>
+            </a:fontRef>
+          </p:style>
+          <p:txBody>
+            <a:bodyPr rtlCol="0" anchor="ctr"/>
+            <a:lstStyle/>
+            <a:p>
+              <a:pPr algn="ctr"/>
+              <a:endParaRPr lang="ko-KR" altLang="en-US"/>
+            </a:p>
+          </p:txBody>
+        </p:sp>
+        <p:sp>
+          <p:nvSpPr>
+            <p:cNvPr id="83" name="사각형: 둥근 모서리 82">
+              <a:extLst>
+                <a:ext uri="{FF2B5EF4-FFF2-40B4-BE49-F238E27FC236}">
+                  <a16:creationId xmlns:a16="http://schemas.microsoft.com/office/drawing/2014/main" id="{02B0F254-7C7F-4D7F-B2D4-ACAB5A46F5D9}"/>
+                </a:ext>
+              </a:extLst>
+            </p:cNvPr>
+            <p:cNvSpPr/>
+            <p:nvPr/>
+          </p:nvSpPr>
+          <p:spPr>
+            <a:xfrm>
+              <a:off x="3413078" y="2033685"/>
+              <a:ext cx="761987" cy="304800"/>
+            </a:xfrm>
+            <a:prstGeom prst="roundRect">
+              <a:avLst/>
+            </a:prstGeom>
+            <a:solidFill>
+              <a:srgbClr val="92D050"/>
+            </a:solidFill>
+            <a:ln w="38100">
+              <a:solidFill>
+                <a:schemeClr val="bg1"/>
+              </a:solidFill>
+            </a:ln>
+          </p:spPr>
+          <p:style>
+            <a:lnRef idx="2">
+              <a:schemeClr val="accent1">
+                <a:shade val="50000"/>
+              </a:schemeClr>
+            </a:lnRef>
+            <a:fillRef idx="1">
+              <a:schemeClr val="accent1"/>
+            </a:fillRef>
+            <a:effectRef idx="0">
+              <a:schemeClr val="accent1"/>
+            </a:effectRef>
+            <a:fontRef idx="minor">
+              <a:schemeClr val="lt1"/>
+            </a:fontRef>
+          </p:style>
+          <p:txBody>
+            <a:bodyPr rtlCol="0" anchor="ctr"/>
+            <a:lstStyle/>
+            <a:p>
+              <a:pPr algn="ctr"/>
+              <a:endParaRPr lang="ko-KR" altLang="en-US"/>
+            </a:p>
+          </p:txBody>
+        </p:sp>
+        <p:sp>
+          <p:nvSpPr>
+            <p:cNvPr id="84" name="사각형: 둥근 모서리 83">
+              <a:extLst>
+                <a:ext uri="{FF2B5EF4-FFF2-40B4-BE49-F238E27FC236}">
+                  <a16:creationId xmlns:a16="http://schemas.microsoft.com/office/drawing/2014/main" id="{63D022C4-E986-48C9-9875-F51AEE1887E3}"/>
+                </a:ext>
+              </a:extLst>
+            </p:cNvPr>
+            <p:cNvSpPr/>
+            <p:nvPr/>
+          </p:nvSpPr>
+          <p:spPr>
+            <a:xfrm>
+              <a:off x="4294200" y="2457048"/>
+              <a:ext cx="761987" cy="304800"/>
+            </a:xfrm>
+            <a:prstGeom prst="roundRect">
+              <a:avLst/>
+            </a:prstGeom>
+            <a:grpFill/>
+            <a:ln w="38100">
+              <a:solidFill>
+                <a:schemeClr val="bg1"/>
+              </a:solidFill>
+            </a:ln>
+          </p:spPr>
+          <p:style>
+            <a:lnRef idx="2">
+              <a:schemeClr val="accent1">
+                <a:shade val="50000"/>
+              </a:schemeClr>
+            </a:lnRef>
+            <a:fillRef idx="1">
+              <a:schemeClr val="accent1"/>
+            </a:fillRef>
+            <a:effectRef idx="0">
+              <a:schemeClr val="accent1"/>
+            </a:effectRef>
+            <a:fontRef idx="minor">
+              <a:schemeClr val="lt1"/>
+            </a:fontRef>
+          </p:style>
+          <p:txBody>
+            <a:bodyPr rtlCol="0" anchor="ctr"/>
+            <a:lstStyle/>
+            <a:p>
+              <a:pPr algn="ctr"/>
+              <a:endParaRPr lang="ko-KR" altLang="en-US"/>
+            </a:p>
+          </p:txBody>
+        </p:sp>
+        <p:sp>
+          <p:nvSpPr>
+            <p:cNvPr id="85" name="사각형: 둥근 모서리 84">
+              <a:extLst>
+                <a:ext uri="{FF2B5EF4-FFF2-40B4-BE49-F238E27FC236}">
+                  <a16:creationId xmlns:a16="http://schemas.microsoft.com/office/drawing/2014/main" id="{B293B591-590F-48B0-9F2F-D82C0E61B614}"/>
+                </a:ext>
+              </a:extLst>
+            </p:cNvPr>
+            <p:cNvSpPr/>
+            <p:nvPr/>
+          </p:nvSpPr>
+          <p:spPr>
+            <a:xfrm>
+              <a:off x="4294200" y="2033685"/>
+              <a:ext cx="761987" cy="304800"/>
+            </a:xfrm>
+            <a:prstGeom prst="roundRect">
+              <a:avLst/>
+            </a:prstGeom>
+            <a:grpFill/>
+            <a:ln w="38100">
+              <a:solidFill>
+                <a:schemeClr val="bg1"/>
+              </a:solidFill>
+            </a:ln>
+          </p:spPr>
+          <p:style>
+            <a:lnRef idx="2">
+              <a:schemeClr val="accent1">
+                <a:shade val="50000"/>
+              </a:schemeClr>
+            </a:lnRef>
+            <a:fillRef idx="1">
+              <a:schemeClr val="accent1"/>
+            </a:fillRef>
+            <a:effectRef idx="0">
+              <a:schemeClr val="accent1"/>
+            </a:effectRef>
+            <a:fontRef idx="minor">
+              <a:schemeClr val="lt1"/>
+            </a:fontRef>
+          </p:style>
+          <p:txBody>
+            <a:bodyPr rtlCol="0" anchor="ctr"/>
+            <a:lstStyle/>
+            <a:p>
+              <a:pPr algn="ctr"/>
+              <a:endParaRPr lang="ko-KR" altLang="en-US"/>
+            </a:p>
+          </p:txBody>
+        </p:sp>
+        <p:sp>
+          <p:nvSpPr>
+            <p:cNvPr id="86" name="사각형: 둥근 모서리 85">
+              <a:extLst>
+                <a:ext uri="{FF2B5EF4-FFF2-40B4-BE49-F238E27FC236}">
+                  <a16:creationId xmlns:a16="http://schemas.microsoft.com/office/drawing/2014/main" id="{821D97C1-D489-4580-B41F-6681228EAA74}"/>
+                </a:ext>
+              </a:extLst>
+            </p:cNvPr>
+            <p:cNvSpPr/>
+            <p:nvPr/>
+          </p:nvSpPr>
+          <p:spPr>
+            <a:xfrm>
+              <a:off x="5175322" y="2457048"/>
+              <a:ext cx="761987" cy="304791"/>
+            </a:xfrm>
+            <a:prstGeom prst="roundRect">
+              <a:avLst/>
+            </a:prstGeom>
+            <a:grpFill/>
+            <a:ln w="38100">
+              <a:solidFill>
+                <a:schemeClr val="bg1"/>
+              </a:solidFill>
+            </a:ln>
+          </p:spPr>
+          <p:style>
+            <a:lnRef idx="2">
+              <a:schemeClr val="accent1">
+                <a:shade val="50000"/>
+              </a:schemeClr>
+            </a:lnRef>
+            <a:fillRef idx="1">
+              <a:schemeClr val="accent1"/>
+            </a:fillRef>
+            <a:effectRef idx="0">
+              <a:schemeClr val="accent1"/>
+            </a:effectRef>
+            <a:fontRef idx="minor">
+              <a:schemeClr val="lt1"/>
+            </a:fontRef>
+          </p:style>
+          <p:txBody>
+            <a:bodyPr rtlCol="0" anchor="ctr"/>
+            <a:lstStyle/>
+            <a:p>
+              <a:pPr algn="ctr"/>
+              <a:endParaRPr lang="ko-KR" altLang="en-US"/>
+            </a:p>
+          </p:txBody>
+        </p:sp>
+        <p:sp>
+          <p:nvSpPr>
+            <p:cNvPr id="87" name="사각형: 둥근 모서리 86">
+              <a:extLst>
+                <a:ext uri="{FF2B5EF4-FFF2-40B4-BE49-F238E27FC236}">
+                  <a16:creationId xmlns:a16="http://schemas.microsoft.com/office/drawing/2014/main" id="{9C0BFC73-3E58-4535-9F28-E49F721EAD5F}"/>
+                </a:ext>
+              </a:extLst>
+            </p:cNvPr>
+            <p:cNvSpPr/>
+            <p:nvPr/>
+          </p:nvSpPr>
+          <p:spPr>
+            <a:xfrm>
+              <a:off x="5175322" y="2033685"/>
+              <a:ext cx="761987" cy="304791"/>
+            </a:xfrm>
+            <a:prstGeom prst="roundRect">
+              <a:avLst/>
+            </a:prstGeom>
+            <a:grpFill/>
+            <a:ln w="38100">
+              <a:solidFill>
+                <a:schemeClr val="bg1"/>
+              </a:solidFill>
+            </a:ln>
+          </p:spPr>
+          <p:style>
+            <a:lnRef idx="2">
+              <a:schemeClr val="accent1">
+                <a:shade val="50000"/>
+              </a:schemeClr>
+            </a:lnRef>
+            <a:fillRef idx="1">
+              <a:schemeClr val="accent1"/>
+            </a:fillRef>
+            <a:effectRef idx="0">
+              <a:schemeClr val="accent1"/>
+            </a:effectRef>
+            <a:fontRef idx="minor">
+              <a:schemeClr val="lt1"/>
+            </a:fontRef>
+          </p:style>
+          <p:txBody>
+            <a:bodyPr rtlCol="0" anchor="ctr"/>
+            <a:lstStyle/>
+            <a:p>
+              <a:pPr algn="ctr"/>
+              <a:endParaRPr lang="ko-KR" altLang="en-US"/>
+            </a:p>
+          </p:txBody>
+        </p:sp>
+      </p:grpSp>
+      <p:sp>
+        <p:nvSpPr>
+          <p:cNvPr id="88" name="TextBox 87">
+            <a:extLst>
+              <a:ext uri="{FF2B5EF4-FFF2-40B4-BE49-F238E27FC236}">
+                <a16:creationId xmlns:a16="http://schemas.microsoft.com/office/drawing/2014/main" id="{168DDDF5-828A-4DB2-B8B4-8A11568CDF00}"/>
+              </a:ext>
+            </a:extLst>
+          </p:cNvPr>
+          <p:cNvSpPr txBox="1"/>
+          <p:nvPr/>
+        </p:nvSpPr>
+        <p:spPr>
+          <a:xfrm>
+            <a:off x="7516128" y="3134252"/>
+            <a:ext cx="583814" cy="369332"/>
+          </a:xfrm>
+          <a:prstGeom prst="rect">
+            <a:avLst/>
+          </a:prstGeom>
+          <a:noFill/>
+        </p:spPr>
+        <p:txBody>
+          <a:bodyPr wrap="none" rtlCol="0">
+            <a:spAutoFit/>
+          </a:bodyPr>
+          <a:lstStyle/>
+          <a:p>
+            <a:r>
+              <a:rPr lang="en-US" altLang="ko-KR" b="1" dirty="0"/>
+              <a:t>170</a:t>
+            </a:r>
+            <a:endParaRPr lang="ko-KR" altLang="en-US" b="1" dirty="0"/>
+          </a:p>
+        </p:txBody>
+      </p:sp>
+      <p:grpSp>
+        <p:nvGrpSpPr>
+          <p:cNvPr id="89" name="그룹 88">
+            <a:extLst>
+              <a:ext uri="{FF2B5EF4-FFF2-40B4-BE49-F238E27FC236}">
+                <a16:creationId xmlns:a16="http://schemas.microsoft.com/office/drawing/2014/main" id="{CB2F2BF4-A5CD-4C2E-B33B-87B83000FFD6}"/>
+              </a:ext>
+            </a:extLst>
+          </p:cNvPr>
+          <p:cNvGrpSpPr/>
+          <p:nvPr/>
+        </p:nvGrpSpPr>
+        <p:grpSpPr>
+          <a:xfrm>
+            <a:off x="1684134" y="4490164"/>
+            <a:ext cx="1085848" cy="1085848"/>
+            <a:chOff x="504827" y="1511440"/>
+            <a:chExt cx="1743071" cy="1743071"/>
+          </a:xfrm>
+        </p:grpSpPr>
+        <p:sp>
+          <p:nvSpPr>
+            <p:cNvPr id="90" name="다이아몬드 89">
+              <a:extLst>
+                <a:ext uri="{FF2B5EF4-FFF2-40B4-BE49-F238E27FC236}">
+                  <a16:creationId xmlns:a16="http://schemas.microsoft.com/office/drawing/2014/main" id="{420E3CEA-3581-4DCB-9E71-2769078D0AA2}"/>
+                </a:ext>
+              </a:extLst>
+            </p:cNvPr>
+            <p:cNvSpPr/>
+            <p:nvPr/>
+          </p:nvSpPr>
+          <p:spPr>
+            <a:xfrm>
+              <a:off x="504827" y="1511440"/>
+              <a:ext cx="1743071" cy="1743071"/>
+            </a:xfrm>
+            <a:prstGeom prst="diamond">
+              <a:avLst/>
+            </a:prstGeom>
+            <a:solidFill>
+              <a:schemeClr val="tx1"/>
+            </a:solidFill>
+            <a:ln w="28575">
+              <a:solidFill>
+                <a:schemeClr val="bg1"/>
+              </a:solidFill>
+            </a:ln>
+          </p:spPr>
+          <p:style>
+            <a:lnRef idx="2">
+              <a:schemeClr val="accent1">
+                <a:shade val="50000"/>
+              </a:schemeClr>
+            </a:lnRef>
+            <a:fillRef idx="1">
+              <a:schemeClr val="accent1"/>
+            </a:fillRef>
+            <a:effectRef idx="0">
+              <a:schemeClr val="accent1"/>
+            </a:effectRef>
+            <a:fontRef idx="minor">
+              <a:schemeClr val="lt1"/>
+            </a:fontRef>
+          </p:style>
+          <p:txBody>
+            <a:bodyPr rtlCol="0" anchor="ctr"/>
+            <a:lstStyle/>
+            <a:p>
+              <a:pPr algn="ctr"/>
+              <a:endParaRPr lang="ko-KR" altLang="en-US"/>
+            </a:p>
+          </p:txBody>
+        </p:sp>
+        <p:pic>
+          <p:nvPicPr>
+            <p:cNvPr id="91" name="그림 90">
+              <a:extLst>
+                <a:ext uri="{FF2B5EF4-FFF2-40B4-BE49-F238E27FC236}">
+                  <a16:creationId xmlns:a16="http://schemas.microsoft.com/office/drawing/2014/main" id="{4C869D15-BB36-42FB-8670-FB9D87D4E315}"/>
+                </a:ext>
+              </a:extLst>
+            </p:cNvPr>
+            <p:cNvPicPr>
+              <a:picLocks noChangeAspect="1"/>
+            </p:cNvPicPr>
+            <p:nvPr/>
+          </p:nvPicPr>
+          <p:blipFill>
+            <a:blip r:embed="rId2">
+              <a:extLst>
+                <a:ext uri="{28A0092B-C50C-407E-A947-70E740481C1C}">
+                  <a14:useLocalDpi xmlns:a14="http://schemas.microsoft.com/office/drawing/2010/main" val="0"/>
+                </a:ext>
+              </a:extLst>
+            </a:blip>
+            <a:stretch>
+              <a:fillRect/>
+            </a:stretch>
+          </p:blipFill>
+          <p:spPr>
+            <a:xfrm>
+              <a:off x="952467" y="1965138"/>
+              <a:ext cx="847790" cy="847790"/>
+            </a:xfrm>
+            <a:prstGeom prst="rect">
+              <a:avLst/>
+            </a:prstGeom>
+          </p:spPr>
+        </p:pic>
+      </p:grpSp>
+      <p:sp>
+        <p:nvSpPr>
+          <p:cNvPr id="92" name="TextBox 91">
+            <a:extLst>
+              <a:ext uri="{FF2B5EF4-FFF2-40B4-BE49-F238E27FC236}">
+                <a16:creationId xmlns:a16="http://schemas.microsoft.com/office/drawing/2014/main" id="{3C5653DA-B22F-4A01-82AE-A238893B7533}"/>
+              </a:ext>
+            </a:extLst>
+          </p:cNvPr>
+          <p:cNvSpPr txBox="1"/>
+          <p:nvPr/>
+        </p:nvSpPr>
+        <p:spPr>
+          <a:xfrm>
+            <a:off x="1788477" y="5379015"/>
+            <a:ext cx="877163" cy="369332"/>
+          </a:xfrm>
+          <a:prstGeom prst="rect">
+            <a:avLst/>
+          </a:prstGeom>
+          <a:solidFill>
+            <a:schemeClr val="bg1"/>
+          </a:solidFill>
+        </p:spPr>
+        <p:txBody>
+          <a:bodyPr wrap="none" rtlCol="0">
+            <a:spAutoFit/>
+          </a:bodyPr>
+          <a:lstStyle/>
+          <a:p>
+            <a:r>
+              <a:rPr lang="ko-KR" altLang="en-US" b="1" dirty="0"/>
+              <a:t>공격력</a:t>
+            </a:r>
+          </a:p>
+        </p:txBody>
+      </p:sp>
+      <p:grpSp>
+        <p:nvGrpSpPr>
+          <p:cNvPr id="93" name="그룹 92">
+            <a:extLst>
+              <a:ext uri="{FF2B5EF4-FFF2-40B4-BE49-F238E27FC236}">
+                <a16:creationId xmlns:a16="http://schemas.microsoft.com/office/drawing/2014/main" id="{D59DE465-931E-45DA-A510-3A6B5F6169F4}"/>
+              </a:ext>
+            </a:extLst>
+          </p:cNvPr>
+          <p:cNvGrpSpPr/>
+          <p:nvPr/>
+        </p:nvGrpSpPr>
+        <p:grpSpPr>
+          <a:xfrm>
+            <a:off x="1770209" y="5845091"/>
+            <a:ext cx="877164" cy="187563"/>
+            <a:chOff x="2531956" y="2033685"/>
+            <a:chExt cx="3405353" cy="728163"/>
+          </a:xfrm>
+          <a:solidFill>
+            <a:schemeClr val="tx1"/>
+          </a:solidFill>
+        </p:grpSpPr>
+        <p:sp>
+          <p:nvSpPr>
+            <p:cNvPr id="94" name="사각형: 둥근 모서리 93">
+              <a:extLst>
+                <a:ext uri="{FF2B5EF4-FFF2-40B4-BE49-F238E27FC236}">
+                  <a16:creationId xmlns:a16="http://schemas.microsoft.com/office/drawing/2014/main" id="{9BAD1A7B-6D4D-4442-8425-D7D215527C2F}"/>
+                </a:ext>
+              </a:extLst>
+            </p:cNvPr>
+            <p:cNvSpPr/>
+            <p:nvPr/>
+          </p:nvSpPr>
+          <p:spPr>
+            <a:xfrm>
+              <a:off x="2531956" y="2052608"/>
+              <a:ext cx="761987" cy="304800"/>
+            </a:xfrm>
+            <a:prstGeom prst="roundRect">
+              <a:avLst/>
+            </a:prstGeom>
+            <a:solidFill>
+              <a:srgbClr val="92D050"/>
+            </a:solidFill>
+            <a:ln w="38100">
+              <a:solidFill>
+                <a:schemeClr val="bg1"/>
+              </a:solidFill>
+            </a:ln>
+          </p:spPr>
+          <p:style>
+            <a:lnRef idx="2">
+              <a:schemeClr val="accent1">
+                <a:shade val="50000"/>
+              </a:schemeClr>
+            </a:lnRef>
+            <a:fillRef idx="1">
+              <a:schemeClr val="accent1"/>
+            </a:fillRef>
+            <a:effectRef idx="0">
+              <a:schemeClr val="accent1"/>
+            </a:effectRef>
+            <a:fontRef idx="minor">
+              <a:schemeClr val="lt1"/>
+            </a:fontRef>
+          </p:style>
+          <p:txBody>
+            <a:bodyPr rtlCol="0" anchor="ctr"/>
+            <a:lstStyle/>
+            <a:p>
+              <a:pPr algn="ctr"/>
+              <a:endParaRPr lang="ko-KR" altLang="en-US"/>
+            </a:p>
+          </p:txBody>
+        </p:sp>
+        <p:sp>
+          <p:nvSpPr>
+            <p:cNvPr id="95" name="사각형: 둥근 모서리 94">
+              <a:extLst>
+                <a:ext uri="{FF2B5EF4-FFF2-40B4-BE49-F238E27FC236}">
+                  <a16:creationId xmlns:a16="http://schemas.microsoft.com/office/drawing/2014/main" id="{CF518F1D-C26E-443D-BD3F-648575F5B478}"/>
+                </a:ext>
+              </a:extLst>
+            </p:cNvPr>
+            <p:cNvSpPr/>
+            <p:nvPr/>
+          </p:nvSpPr>
+          <p:spPr>
+            <a:xfrm>
+              <a:off x="2531956" y="2457048"/>
+              <a:ext cx="761987" cy="304800"/>
+            </a:xfrm>
+            <a:prstGeom prst="roundRect">
+              <a:avLst/>
+            </a:prstGeom>
+            <a:grpFill/>
+            <a:ln w="38100">
+              <a:solidFill>
+                <a:schemeClr val="bg1"/>
+              </a:solidFill>
+            </a:ln>
+          </p:spPr>
+          <p:style>
+            <a:lnRef idx="2">
+              <a:schemeClr val="accent1">
+                <a:shade val="50000"/>
+              </a:schemeClr>
+            </a:lnRef>
+            <a:fillRef idx="1">
+              <a:schemeClr val="accent1"/>
+            </a:fillRef>
+            <a:effectRef idx="0">
+              <a:schemeClr val="accent1"/>
+            </a:effectRef>
+            <a:fontRef idx="minor">
+              <a:schemeClr val="lt1"/>
+            </a:fontRef>
+          </p:style>
+          <p:txBody>
+            <a:bodyPr rtlCol="0" anchor="ctr"/>
+            <a:lstStyle/>
+            <a:p>
+              <a:pPr algn="ctr"/>
+              <a:endParaRPr lang="ko-KR" altLang="en-US"/>
+            </a:p>
+          </p:txBody>
+        </p:sp>
+        <p:sp>
+          <p:nvSpPr>
+            <p:cNvPr id="96" name="사각형: 둥근 모서리 95">
+              <a:extLst>
+                <a:ext uri="{FF2B5EF4-FFF2-40B4-BE49-F238E27FC236}">
+                  <a16:creationId xmlns:a16="http://schemas.microsoft.com/office/drawing/2014/main" id="{23B0002D-F0B8-4A38-9196-8A4C9E2C142C}"/>
+                </a:ext>
+              </a:extLst>
+            </p:cNvPr>
+            <p:cNvSpPr/>
+            <p:nvPr/>
+          </p:nvSpPr>
+          <p:spPr>
+            <a:xfrm>
+              <a:off x="3413078" y="2457048"/>
+              <a:ext cx="761987" cy="304800"/>
+            </a:xfrm>
+            <a:prstGeom prst="roundRect">
+              <a:avLst/>
+            </a:prstGeom>
+            <a:grpFill/>
+            <a:ln w="38100">
+              <a:solidFill>
+                <a:schemeClr val="bg1"/>
+              </a:solidFill>
+            </a:ln>
+          </p:spPr>
+          <p:style>
+            <a:lnRef idx="2">
+              <a:schemeClr val="accent1">
+                <a:shade val="50000"/>
+              </a:schemeClr>
+            </a:lnRef>
+            <a:fillRef idx="1">
+              <a:schemeClr val="accent1"/>
+            </a:fillRef>
+            <a:effectRef idx="0">
+              <a:schemeClr val="accent1"/>
+            </a:effectRef>
+            <a:fontRef idx="minor">
+              <a:schemeClr val="lt1"/>
+            </a:fontRef>
+          </p:style>
+          <p:txBody>
+            <a:bodyPr rtlCol="0" anchor="ctr"/>
+            <a:lstStyle/>
+            <a:p>
+              <a:pPr algn="ctr"/>
+              <a:endParaRPr lang="ko-KR" altLang="en-US"/>
+            </a:p>
+          </p:txBody>
+        </p:sp>
+        <p:sp>
+          <p:nvSpPr>
+            <p:cNvPr id="97" name="사각형: 둥근 모서리 96">
+              <a:extLst>
+                <a:ext uri="{FF2B5EF4-FFF2-40B4-BE49-F238E27FC236}">
+                  <a16:creationId xmlns:a16="http://schemas.microsoft.com/office/drawing/2014/main" id="{623FF422-D022-422E-B5E8-6E3D890767B1}"/>
+                </a:ext>
+              </a:extLst>
+            </p:cNvPr>
+            <p:cNvSpPr/>
+            <p:nvPr/>
+          </p:nvSpPr>
+          <p:spPr>
+            <a:xfrm>
+              <a:off x="3413078" y="2033685"/>
+              <a:ext cx="761987" cy="304800"/>
+            </a:xfrm>
+            <a:prstGeom prst="roundRect">
+              <a:avLst/>
+            </a:prstGeom>
+            <a:solidFill>
+              <a:srgbClr val="92D050"/>
+            </a:solidFill>
+            <a:ln w="38100">
+              <a:solidFill>
+                <a:schemeClr val="bg1"/>
+              </a:solidFill>
+            </a:ln>
+          </p:spPr>
+          <p:style>
+            <a:lnRef idx="2">
+              <a:schemeClr val="accent1">
+                <a:shade val="50000"/>
+              </a:schemeClr>
+            </a:lnRef>
+            <a:fillRef idx="1">
+              <a:schemeClr val="accent1"/>
+            </a:fillRef>
+            <a:effectRef idx="0">
+              <a:schemeClr val="accent1"/>
+            </a:effectRef>
+            <a:fontRef idx="minor">
+              <a:schemeClr val="lt1"/>
+            </a:fontRef>
+          </p:style>
+          <p:txBody>
+            <a:bodyPr rtlCol="0" anchor="ctr"/>
+            <a:lstStyle/>
+            <a:p>
+              <a:pPr algn="ctr"/>
+              <a:endParaRPr lang="ko-KR" altLang="en-US"/>
+            </a:p>
+          </p:txBody>
+        </p:sp>
+        <p:sp>
+          <p:nvSpPr>
+            <p:cNvPr id="98" name="사각형: 둥근 모서리 97">
+              <a:extLst>
+                <a:ext uri="{FF2B5EF4-FFF2-40B4-BE49-F238E27FC236}">
+                  <a16:creationId xmlns:a16="http://schemas.microsoft.com/office/drawing/2014/main" id="{444F585B-477B-4023-BAB3-1F90E0284EC8}"/>
+                </a:ext>
+              </a:extLst>
+            </p:cNvPr>
+            <p:cNvSpPr/>
+            <p:nvPr/>
+          </p:nvSpPr>
+          <p:spPr>
+            <a:xfrm>
+              <a:off x="4294200" y="2457048"/>
+              <a:ext cx="761987" cy="304800"/>
+            </a:xfrm>
+            <a:prstGeom prst="roundRect">
+              <a:avLst/>
+            </a:prstGeom>
+            <a:grpFill/>
+            <a:ln w="38100">
+              <a:solidFill>
+                <a:schemeClr val="bg1"/>
+              </a:solidFill>
+            </a:ln>
+          </p:spPr>
+          <p:style>
+            <a:lnRef idx="2">
+              <a:schemeClr val="accent1">
+                <a:shade val="50000"/>
+              </a:schemeClr>
+            </a:lnRef>
+            <a:fillRef idx="1">
+              <a:schemeClr val="accent1"/>
+            </a:fillRef>
+            <a:effectRef idx="0">
+              <a:schemeClr val="accent1"/>
+            </a:effectRef>
+            <a:fontRef idx="minor">
+              <a:schemeClr val="lt1"/>
+            </a:fontRef>
+          </p:style>
+          <p:txBody>
+            <a:bodyPr rtlCol="0" anchor="ctr"/>
+            <a:lstStyle/>
+            <a:p>
+              <a:pPr algn="ctr"/>
+              <a:endParaRPr lang="ko-KR" altLang="en-US"/>
+            </a:p>
+          </p:txBody>
+        </p:sp>
+        <p:sp>
+          <p:nvSpPr>
+            <p:cNvPr id="99" name="사각형: 둥근 모서리 98">
+              <a:extLst>
+                <a:ext uri="{FF2B5EF4-FFF2-40B4-BE49-F238E27FC236}">
+                  <a16:creationId xmlns:a16="http://schemas.microsoft.com/office/drawing/2014/main" id="{A4EFC636-156B-4139-8A24-121DC8931CB3}"/>
+                </a:ext>
+              </a:extLst>
+            </p:cNvPr>
+            <p:cNvSpPr/>
+            <p:nvPr/>
+          </p:nvSpPr>
+          <p:spPr>
+            <a:xfrm>
+              <a:off x="4294200" y="2033685"/>
+              <a:ext cx="761987" cy="304800"/>
+            </a:xfrm>
+            <a:prstGeom prst="roundRect">
+              <a:avLst/>
+            </a:prstGeom>
+            <a:grpFill/>
+            <a:ln w="38100">
+              <a:solidFill>
+                <a:schemeClr val="bg1"/>
+              </a:solidFill>
+            </a:ln>
+          </p:spPr>
+          <p:style>
+            <a:lnRef idx="2">
+              <a:schemeClr val="accent1">
+                <a:shade val="50000"/>
+              </a:schemeClr>
+            </a:lnRef>
+            <a:fillRef idx="1">
+              <a:schemeClr val="accent1"/>
+            </a:fillRef>
+            <a:effectRef idx="0">
+              <a:schemeClr val="accent1"/>
+            </a:effectRef>
+            <a:fontRef idx="minor">
+              <a:schemeClr val="lt1"/>
+            </a:fontRef>
+          </p:style>
+          <p:txBody>
+            <a:bodyPr rtlCol="0" anchor="ctr"/>
+            <a:lstStyle/>
+            <a:p>
+              <a:pPr algn="ctr"/>
+              <a:endParaRPr lang="ko-KR" altLang="en-US"/>
+            </a:p>
+          </p:txBody>
+        </p:sp>
+        <p:sp>
+          <p:nvSpPr>
+            <p:cNvPr id="100" name="사각형: 둥근 모서리 99">
+              <a:extLst>
+                <a:ext uri="{FF2B5EF4-FFF2-40B4-BE49-F238E27FC236}">
+                  <a16:creationId xmlns:a16="http://schemas.microsoft.com/office/drawing/2014/main" id="{43E3DA9A-2925-4616-9E8F-21DB7781E316}"/>
+                </a:ext>
+              </a:extLst>
+            </p:cNvPr>
+            <p:cNvSpPr/>
+            <p:nvPr/>
+          </p:nvSpPr>
+          <p:spPr>
+            <a:xfrm>
+              <a:off x="5175322" y="2457048"/>
+              <a:ext cx="761987" cy="304791"/>
+            </a:xfrm>
+            <a:prstGeom prst="roundRect">
+              <a:avLst/>
+            </a:prstGeom>
+            <a:grpFill/>
+            <a:ln w="38100">
+              <a:solidFill>
+                <a:schemeClr val="bg1"/>
+              </a:solidFill>
+            </a:ln>
+          </p:spPr>
+          <p:style>
+            <a:lnRef idx="2">
+              <a:schemeClr val="accent1">
+                <a:shade val="50000"/>
+              </a:schemeClr>
+            </a:lnRef>
+            <a:fillRef idx="1">
+              <a:schemeClr val="accent1"/>
+            </a:fillRef>
+            <a:effectRef idx="0">
+              <a:schemeClr val="accent1"/>
+            </a:effectRef>
+            <a:fontRef idx="minor">
+              <a:schemeClr val="lt1"/>
+            </a:fontRef>
+          </p:style>
+          <p:txBody>
+            <a:bodyPr rtlCol="0" anchor="ctr"/>
+            <a:lstStyle/>
+            <a:p>
+              <a:pPr algn="ctr"/>
+              <a:endParaRPr lang="ko-KR" altLang="en-US"/>
+            </a:p>
+          </p:txBody>
+        </p:sp>
+        <p:sp>
+          <p:nvSpPr>
+            <p:cNvPr id="101" name="사각형: 둥근 모서리 100">
+              <a:extLst>
+                <a:ext uri="{FF2B5EF4-FFF2-40B4-BE49-F238E27FC236}">
+                  <a16:creationId xmlns:a16="http://schemas.microsoft.com/office/drawing/2014/main" id="{BEF91F21-D913-47F5-AC94-DA15F71678C5}"/>
+                </a:ext>
+              </a:extLst>
+            </p:cNvPr>
+            <p:cNvSpPr/>
+            <p:nvPr/>
+          </p:nvSpPr>
+          <p:spPr>
+            <a:xfrm>
+              <a:off x="5175322" y="2033685"/>
+              <a:ext cx="761987" cy="304791"/>
+            </a:xfrm>
+            <a:prstGeom prst="roundRect">
+              <a:avLst/>
+            </a:prstGeom>
+            <a:grpFill/>
+            <a:ln w="38100">
+              <a:solidFill>
+                <a:schemeClr val="bg1"/>
+              </a:solidFill>
+            </a:ln>
+          </p:spPr>
+          <p:style>
+            <a:lnRef idx="2">
+              <a:schemeClr val="accent1">
+                <a:shade val="50000"/>
+              </a:schemeClr>
+            </a:lnRef>
+            <a:fillRef idx="1">
+              <a:schemeClr val="accent1"/>
+            </a:fillRef>
+            <a:effectRef idx="0">
+              <a:schemeClr val="accent1"/>
+            </a:effectRef>
+            <a:fontRef idx="minor">
+              <a:schemeClr val="lt1"/>
+            </a:fontRef>
+          </p:style>
+          <p:txBody>
+            <a:bodyPr rtlCol="0" anchor="ctr"/>
+            <a:lstStyle/>
+            <a:p>
+              <a:pPr algn="ctr"/>
+              <a:endParaRPr lang="ko-KR" altLang="en-US"/>
+            </a:p>
+          </p:txBody>
+        </p:sp>
+      </p:grpSp>
+      <p:sp>
+        <p:nvSpPr>
+          <p:cNvPr id="102" name="TextBox 101">
+            <a:extLst>
+              <a:ext uri="{FF2B5EF4-FFF2-40B4-BE49-F238E27FC236}">
+                <a16:creationId xmlns:a16="http://schemas.microsoft.com/office/drawing/2014/main" id="{050BBE10-98F4-41F7-BB8C-7E3D196F3921}"/>
+              </a:ext>
+            </a:extLst>
+          </p:cNvPr>
+          <p:cNvSpPr txBox="1"/>
+          <p:nvPr/>
+        </p:nvSpPr>
+        <p:spPr>
+          <a:xfrm>
+            <a:off x="2916832" y="4848422"/>
+            <a:ext cx="583814" cy="369332"/>
+          </a:xfrm>
+          <a:prstGeom prst="rect">
+            <a:avLst/>
+          </a:prstGeom>
+          <a:noFill/>
+        </p:spPr>
+        <p:txBody>
+          <a:bodyPr wrap="none" rtlCol="0">
+            <a:spAutoFit/>
+          </a:bodyPr>
+          <a:lstStyle/>
+          <a:p>
+            <a:r>
+              <a:rPr lang="en-US" altLang="ko-KR" b="1" dirty="0"/>
+              <a:t>170</a:t>
+            </a:r>
+            <a:endParaRPr lang="ko-KR" altLang="en-US" b="1" dirty="0"/>
+          </a:p>
+        </p:txBody>
+      </p:sp>
+      <p:grpSp>
+        <p:nvGrpSpPr>
+          <p:cNvPr id="103" name="그룹 102">
+            <a:extLst>
+              <a:ext uri="{FF2B5EF4-FFF2-40B4-BE49-F238E27FC236}">
+                <a16:creationId xmlns:a16="http://schemas.microsoft.com/office/drawing/2014/main" id="{B45487B7-3CB6-458B-AAF9-1096E486959B}"/>
+              </a:ext>
+            </a:extLst>
+          </p:cNvPr>
+          <p:cNvGrpSpPr/>
+          <p:nvPr/>
+        </p:nvGrpSpPr>
+        <p:grpSpPr>
+          <a:xfrm>
+            <a:off x="4056398" y="4490164"/>
+            <a:ext cx="1085848" cy="1085848"/>
+            <a:chOff x="504827" y="1511440"/>
+            <a:chExt cx="1743071" cy="1743071"/>
+          </a:xfrm>
+        </p:grpSpPr>
+        <p:sp>
+          <p:nvSpPr>
+            <p:cNvPr id="104" name="다이아몬드 103">
+              <a:extLst>
+                <a:ext uri="{FF2B5EF4-FFF2-40B4-BE49-F238E27FC236}">
+                  <a16:creationId xmlns:a16="http://schemas.microsoft.com/office/drawing/2014/main" id="{B69ACD45-D0FC-4F4E-81B5-F7BA74CB0408}"/>
+                </a:ext>
+              </a:extLst>
+            </p:cNvPr>
+            <p:cNvSpPr/>
+            <p:nvPr/>
+          </p:nvSpPr>
+          <p:spPr>
+            <a:xfrm>
+              <a:off x="504827" y="1511440"/>
+              <a:ext cx="1743071" cy="1743071"/>
+            </a:xfrm>
+            <a:prstGeom prst="diamond">
+              <a:avLst/>
+            </a:prstGeom>
+            <a:solidFill>
+              <a:schemeClr val="tx1"/>
+            </a:solidFill>
+            <a:ln w="28575">
+              <a:solidFill>
+                <a:schemeClr val="bg1"/>
+              </a:solidFill>
+            </a:ln>
+          </p:spPr>
+          <p:style>
+            <a:lnRef idx="2">
+              <a:schemeClr val="accent1">
+                <a:shade val="50000"/>
+              </a:schemeClr>
+            </a:lnRef>
+            <a:fillRef idx="1">
+              <a:schemeClr val="accent1"/>
+            </a:fillRef>
+            <a:effectRef idx="0">
+              <a:schemeClr val="accent1"/>
+            </a:effectRef>
+            <a:fontRef idx="minor">
+              <a:schemeClr val="lt1"/>
+            </a:fontRef>
+          </p:style>
+          <p:txBody>
+            <a:bodyPr rtlCol="0" anchor="ctr"/>
+            <a:lstStyle/>
+            <a:p>
+              <a:pPr algn="ctr"/>
+              <a:endParaRPr lang="ko-KR" altLang="en-US"/>
+            </a:p>
+          </p:txBody>
+        </p:sp>
+        <p:pic>
+          <p:nvPicPr>
+            <p:cNvPr id="105" name="그림 104">
+              <a:extLst>
+                <a:ext uri="{FF2B5EF4-FFF2-40B4-BE49-F238E27FC236}">
+                  <a16:creationId xmlns:a16="http://schemas.microsoft.com/office/drawing/2014/main" id="{626F529A-BC5E-4235-AE93-AA89CDC8B9DA}"/>
+                </a:ext>
+              </a:extLst>
+            </p:cNvPr>
+            <p:cNvPicPr>
+              <a:picLocks noChangeAspect="1"/>
+            </p:cNvPicPr>
+            <p:nvPr/>
+          </p:nvPicPr>
+          <p:blipFill>
+            <a:blip r:embed="rId2">
+              <a:extLst>
+                <a:ext uri="{28A0092B-C50C-407E-A947-70E740481C1C}">
+                  <a14:useLocalDpi xmlns:a14="http://schemas.microsoft.com/office/drawing/2010/main" val="0"/>
+                </a:ext>
+              </a:extLst>
+            </a:blip>
+            <a:stretch>
+              <a:fillRect/>
+            </a:stretch>
+          </p:blipFill>
+          <p:spPr>
+            <a:xfrm>
+              <a:off x="952467" y="1965138"/>
+              <a:ext cx="847790" cy="847790"/>
+            </a:xfrm>
+            <a:prstGeom prst="rect">
+              <a:avLst/>
+            </a:prstGeom>
+          </p:spPr>
+        </p:pic>
+      </p:grpSp>
+      <p:sp>
+        <p:nvSpPr>
+          <p:cNvPr id="106" name="TextBox 105">
+            <a:extLst>
+              <a:ext uri="{FF2B5EF4-FFF2-40B4-BE49-F238E27FC236}">
+                <a16:creationId xmlns:a16="http://schemas.microsoft.com/office/drawing/2014/main" id="{611E61B1-6AAE-43DE-A22F-3206ED4169D2}"/>
+              </a:ext>
+            </a:extLst>
+          </p:cNvPr>
+          <p:cNvSpPr txBox="1"/>
+          <p:nvPr/>
+        </p:nvSpPr>
+        <p:spPr>
+          <a:xfrm>
+            <a:off x="4160741" y="5379015"/>
+            <a:ext cx="877163" cy="369332"/>
+          </a:xfrm>
+          <a:prstGeom prst="rect">
+            <a:avLst/>
+          </a:prstGeom>
+          <a:solidFill>
+            <a:schemeClr val="bg1"/>
+          </a:solidFill>
+        </p:spPr>
+        <p:txBody>
+          <a:bodyPr wrap="none" rtlCol="0">
+            <a:spAutoFit/>
+          </a:bodyPr>
+          <a:lstStyle/>
+          <a:p>
+            <a:r>
+              <a:rPr lang="ko-KR" altLang="en-US" b="1" dirty="0"/>
+              <a:t>공격력</a:t>
+            </a:r>
+          </a:p>
+        </p:txBody>
+      </p:sp>
+      <p:grpSp>
+        <p:nvGrpSpPr>
+          <p:cNvPr id="107" name="그룹 106">
+            <a:extLst>
+              <a:ext uri="{FF2B5EF4-FFF2-40B4-BE49-F238E27FC236}">
+                <a16:creationId xmlns:a16="http://schemas.microsoft.com/office/drawing/2014/main" id="{DF8E8EE3-BB70-4797-9081-D28F2666CBFB}"/>
+              </a:ext>
+            </a:extLst>
+          </p:cNvPr>
+          <p:cNvGrpSpPr/>
+          <p:nvPr/>
+        </p:nvGrpSpPr>
+        <p:grpSpPr>
+          <a:xfrm>
+            <a:off x="4142473" y="5845091"/>
+            <a:ext cx="877164" cy="187563"/>
+            <a:chOff x="2531956" y="2033685"/>
+            <a:chExt cx="3405353" cy="728163"/>
+          </a:xfrm>
+          <a:solidFill>
+            <a:schemeClr val="tx1"/>
+          </a:solidFill>
+        </p:grpSpPr>
+        <p:sp>
+          <p:nvSpPr>
+            <p:cNvPr id="108" name="사각형: 둥근 모서리 107">
+              <a:extLst>
+                <a:ext uri="{FF2B5EF4-FFF2-40B4-BE49-F238E27FC236}">
+                  <a16:creationId xmlns:a16="http://schemas.microsoft.com/office/drawing/2014/main" id="{8D557A9D-29CA-4322-9A77-A31334C6092A}"/>
+                </a:ext>
+              </a:extLst>
+            </p:cNvPr>
+            <p:cNvSpPr/>
+            <p:nvPr/>
+          </p:nvSpPr>
+          <p:spPr>
+            <a:xfrm>
+              <a:off x="2531956" y="2052608"/>
+              <a:ext cx="761987" cy="304800"/>
+            </a:xfrm>
+            <a:prstGeom prst="roundRect">
+              <a:avLst/>
+            </a:prstGeom>
+            <a:solidFill>
+              <a:srgbClr val="92D050"/>
+            </a:solidFill>
+            <a:ln w="38100">
+              <a:solidFill>
+                <a:schemeClr val="bg1"/>
+              </a:solidFill>
+            </a:ln>
+          </p:spPr>
+          <p:style>
+            <a:lnRef idx="2">
+              <a:schemeClr val="accent1">
+                <a:shade val="50000"/>
+              </a:schemeClr>
+            </a:lnRef>
+            <a:fillRef idx="1">
+              <a:schemeClr val="accent1"/>
+            </a:fillRef>
+            <a:effectRef idx="0">
+              <a:schemeClr val="accent1"/>
+            </a:effectRef>
+            <a:fontRef idx="minor">
+              <a:schemeClr val="lt1"/>
+            </a:fontRef>
+          </p:style>
+          <p:txBody>
+            <a:bodyPr rtlCol="0" anchor="ctr"/>
+            <a:lstStyle/>
+            <a:p>
+              <a:pPr algn="ctr"/>
+              <a:endParaRPr lang="ko-KR" altLang="en-US"/>
+            </a:p>
+          </p:txBody>
+        </p:sp>
+        <p:sp>
+          <p:nvSpPr>
+            <p:cNvPr id="109" name="사각형: 둥근 모서리 108">
+              <a:extLst>
+                <a:ext uri="{FF2B5EF4-FFF2-40B4-BE49-F238E27FC236}">
+                  <a16:creationId xmlns:a16="http://schemas.microsoft.com/office/drawing/2014/main" id="{1E6AB674-9A30-4549-9C88-F56B2D68BC6E}"/>
+                </a:ext>
+              </a:extLst>
+            </p:cNvPr>
+            <p:cNvSpPr/>
+            <p:nvPr/>
+          </p:nvSpPr>
+          <p:spPr>
+            <a:xfrm>
+              <a:off x="2531956" y="2457048"/>
+              <a:ext cx="761987" cy="304800"/>
+            </a:xfrm>
+            <a:prstGeom prst="roundRect">
+              <a:avLst/>
+            </a:prstGeom>
+            <a:grpFill/>
+            <a:ln w="38100">
+              <a:solidFill>
+                <a:schemeClr val="bg1"/>
+              </a:solidFill>
+            </a:ln>
+          </p:spPr>
+          <p:style>
+            <a:lnRef idx="2">
+              <a:schemeClr val="accent1">
+                <a:shade val="50000"/>
+              </a:schemeClr>
+            </a:lnRef>
+            <a:fillRef idx="1">
+              <a:schemeClr val="accent1"/>
+            </a:fillRef>
+            <a:effectRef idx="0">
+              <a:schemeClr val="accent1"/>
+            </a:effectRef>
+            <a:fontRef idx="minor">
+              <a:schemeClr val="lt1"/>
+            </a:fontRef>
+          </p:style>
+          <p:txBody>
+            <a:bodyPr rtlCol="0" anchor="ctr"/>
+            <a:lstStyle/>
+            <a:p>
+              <a:pPr algn="ctr"/>
+              <a:endParaRPr lang="ko-KR" altLang="en-US"/>
+            </a:p>
+          </p:txBody>
+        </p:sp>
+        <p:sp>
+          <p:nvSpPr>
+            <p:cNvPr id="110" name="사각형: 둥근 모서리 109">
+              <a:extLst>
+                <a:ext uri="{FF2B5EF4-FFF2-40B4-BE49-F238E27FC236}">
+                  <a16:creationId xmlns:a16="http://schemas.microsoft.com/office/drawing/2014/main" id="{2BDED836-8446-4DD9-9A14-6B9C5A725184}"/>
+                </a:ext>
+              </a:extLst>
+            </p:cNvPr>
+            <p:cNvSpPr/>
+            <p:nvPr/>
+          </p:nvSpPr>
+          <p:spPr>
+            <a:xfrm>
+              <a:off x="3413078" y="2457048"/>
+              <a:ext cx="761987" cy="304800"/>
+            </a:xfrm>
+            <a:prstGeom prst="roundRect">
+              <a:avLst/>
+            </a:prstGeom>
+            <a:grpFill/>
+            <a:ln w="38100">
+              <a:solidFill>
+                <a:schemeClr val="bg1"/>
+              </a:solidFill>
+            </a:ln>
+          </p:spPr>
+          <p:style>
+            <a:lnRef idx="2">
+              <a:schemeClr val="accent1">
+                <a:shade val="50000"/>
+              </a:schemeClr>
+            </a:lnRef>
+            <a:fillRef idx="1">
+              <a:schemeClr val="accent1"/>
+            </a:fillRef>
+            <a:effectRef idx="0">
+              <a:schemeClr val="accent1"/>
+            </a:effectRef>
+            <a:fontRef idx="minor">
+              <a:schemeClr val="lt1"/>
+            </a:fontRef>
+          </p:style>
+          <p:txBody>
+            <a:bodyPr rtlCol="0" anchor="ctr"/>
+            <a:lstStyle/>
+            <a:p>
+              <a:pPr algn="ctr"/>
+              <a:endParaRPr lang="ko-KR" altLang="en-US"/>
+            </a:p>
+          </p:txBody>
+        </p:sp>
+        <p:sp>
+          <p:nvSpPr>
+            <p:cNvPr id="111" name="사각형: 둥근 모서리 110">
+              <a:extLst>
+                <a:ext uri="{FF2B5EF4-FFF2-40B4-BE49-F238E27FC236}">
+                  <a16:creationId xmlns:a16="http://schemas.microsoft.com/office/drawing/2014/main" id="{96AB088C-E0E3-4E69-9931-0569EAE30036}"/>
+                </a:ext>
+              </a:extLst>
+            </p:cNvPr>
+            <p:cNvSpPr/>
+            <p:nvPr/>
+          </p:nvSpPr>
+          <p:spPr>
+            <a:xfrm>
+              <a:off x="3413078" y="2033685"/>
+              <a:ext cx="761987" cy="304800"/>
+            </a:xfrm>
+            <a:prstGeom prst="roundRect">
+              <a:avLst/>
+            </a:prstGeom>
+            <a:solidFill>
+              <a:srgbClr val="92D050"/>
+            </a:solidFill>
+            <a:ln w="38100">
+              <a:solidFill>
+                <a:schemeClr val="bg1"/>
+              </a:solidFill>
+            </a:ln>
+          </p:spPr>
+          <p:style>
+            <a:lnRef idx="2">
+              <a:schemeClr val="accent1">
+                <a:shade val="50000"/>
+              </a:schemeClr>
+            </a:lnRef>
+            <a:fillRef idx="1">
+              <a:schemeClr val="accent1"/>
+            </a:fillRef>
+            <a:effectRef idx="0">
+              <a:schemeClr val="accent1"/>
+            </a:effectRef>
+            <a:fontRef idx="minor">
+              <a:schemeClr val="lt1"/>
+            </a:fontRef>
+          </p:style>
+          <p:txBody>
+            <a:bodyPr rtlCol="0" anchor="ctr"/>
+            <a:lstStyle/>
+            <a:p>
+              <a:pPr algn="ctr"/>
+              <a:endParaRPr lang="ko-KR" altLang="en-US"/>
+            </a:p>
+          </p:txBody>
+        </p:sp>
+        <p:sp>
+          <p:nvSpPr>
+            <p:cNvPr id="112" name="사각형: 둥근 모서리 111">
+              <a:extLst>
+                <a:ext uri="{FF2B5EF4-FFF2-40B4-BE49-F238E27FC236}">
+                  <a16:creationId xmlns:a16="http://schemas.microsoft.com/office/drawing/2014/main" id="{74A8744B-A294-40DA-A37F-3A9F7D6CB716}"/>
+                </a:ext>
+              </a:extLst>
+            </p:cNvPr>
+            <p:cNvSpPr/>
+            <p:nvPr/>
+          </p:nvSpPr>
+          <p:spPr>
+            <a:xfrm>
+              <a:off x="4294200" y="2457048"/>
+              <a:ext cx="761987" cy="304800"/>
+            </a:xfrm>
+            <a:prstGeom prst="roundRect">
+              <a:avLst/>
+            </a:prstGeom>
+            <a:grpFill/>
+            <a:ln w="38100">
+              <a:solidFill>
+                <a:schemeClr val="bg1"/>
+              </a:solidFill>
+            </a:ln>
+          </p:spPr>
+          <p:style>
+            <a:lnRef idx="2">
+              <a:schemeClr val="accent1">
+                <a:shade val="50000"/>
+              </a:schemeClr>
+            </a:lnRef>
+            <a:fillRef idx="1">
+              <a:schemeClr val="accent1"/>
+            </a:fillRef>
+            <a:effectRef idx="0">
+              <a:schemeClr val="accent1"/>
+            </a:effectRef>
+            <a:fontRef idx="minor">
+              <a:schemeClr val="lt1"/>
+            </a:fontRef>
+          </p:style>
+          <p:txBody>
+            <a:bodyPr rtlCol="0" anchor="ctr"/>
+            <a:lstStyle/>
+            <a:p>
+              <a:pPr algn="ctr"/>
+              <a:endParaRPr lang="ko-KR" altLang="en-US"/>
+            </a:p>
+          </p:txBody>
+        </p:sp>
+        <p:sp>
+          <p:nvSpPr>
+            <p:cNvPr id="113" name="사각형: 둥근 모서리 112">
+              <a:extLst>
+                <a:ext uri="{FF2B5EF4-FFF2-40B4-BE49-F238E27FC236}">
+                  <a16:creationId xmlns:a16="http://schemas.microsoft.com/office/drawing/2014/main" id="{F90C41BA-4743-4D3C-9685-AE744CD0909B}"/>
+                </a:ext>
+              </a:extLst>
+            </p:cNvPr>
+            <p:cNvSpPr/>
+            <p:nvPr/>
+          </p:nvSpPr>
+          <p:spPr>
+            <a:xfrm>
+              <a:off x="4294200" y="2033685"/>
+              <a:ext cx="761987" cy="304800"/>
+            </a:xfrm>
+            <a:prstGeom prst="roundRect">
+              <a:avLst/>
+            </a:prstGeom>
+            <a:grpFill/>
+            <a:ln w="38100">
+              <a:solidFill>
+                <a:schemeClr val="bg1"/>
+              </a:solidFill>
+            </a:ln>
+          </p:spPr>
+          <p:style>
+            <a:lnRef idx="2">
+              <a:schemeClr val="accent1">
+                <a:shade val="50000"/>
+              </a:schemeClr>
+            </a:lnRef>
+            <a:fillRef idx="1">
+              <a:schemeClr val="accent1"/>
+            </a:fillRef>
+            <a:effectRef idx="0">
+              <a:schemeClr val="accent1"/>
+            </a:effectRef>
+            <a:fontRef idx="minor">
+              <a:schemeClr val="lt1"/>
+            </a:fontRef>
+          </p:style>
+          <p:txBody>
+            <a:bodyPr rtlCol="0" anchor="ctr"/>
+            <a:lstStyle/>
+            <a:p>
+              <a:pPr algn="ctr"/>
+              <a:endParaRPr lang="ko-KR" altLang="en-US"/>
+            </a:p>
+          </p:txBody>
+        </p:sp>
+        <p:sp>
+          <p:nvSpPr>
+            <p:cNvPr id="114" name="사각형: 둥근 모서리 113">
+              <a:extLst>
+                <a:ext uri="{FF2B5EF4-FFF2-40B4-BE49-F238E27FC236}">
+                  <a16:creationId xmlns:a16="http://schemas.microsoft.com/office/drawing/2014/main" id="{145B4629-B603-4FA1-8206-DEB03D11C517}"/>
+                </a:ext>
+              </a:extLst>
+            </p:cNvPr>
+            <p:cNvSpPr/>
+            <p:nvPr/>
+          </p:nvSpPr>
+          <p:spPr>
+            <a:xfrm>
+              <a:off x="5175322" y="2457048"/>
+              <a:ext cx="761987" cy="304791"/>
+            </a:xfrm>
+            <a:prstGeom prst="roundRect">
+              <a:avLst/>
+            </a:prstGeom>
+            <a:grpFill/>
+            <a:ln w="38100">
+              <a:solidFill>
+                <a:schemeClr val="bg1"/>
+              </a:solidFill>
+            </a:ln>
+          </p:spPr>
+          <p:style>
+            <a:lnRef idx="2">
+              <a:schemeClr val="accent1">
+                <a:shade val="50000"/>
+              </a:schemeClr>
+            </a:lnRef>
+            <a:fillRef idx="1">
+              <a:schemeClr val="accent1"/>
+            </a:fillRef>
+            <a:effectRef idx="0">
+              <a:schemeClr val="accent1"/>
+            </a:effectRef>
+            <a:fontRef idx="minor">
+              <a:schemeClr val="lt1"/>
+            </a:fontRef>
+          </p:style>
+          <p:txBody>
+            <a:bodyPr rtlCol="0" anchor="ctr"/>
+            <a:lstStyle/>
+            <a:p>
+              <a:pPr algn="ctr"/>
+              <a:endParaRPr lang="ko-KR" altLang="en-US"/>
+            </a:p>
+          </p:txBody>
+        </p:sp>
+        <p:sp>
+          <p:nvSpPr>
+            <p:cNvPr id="115" name="사각형: 둥근 모서리 114">
+              <a:extLst>
+                <a:ext uri="{FF2B5EF4-FFF2-40B4-BE49-F238E27FC236}">
+                  <a16:creationId xmlns:a16="http://schemas.microsoft.com/office/drawing/2014/main" id="{27A93A92-F882-46EC-845B-725ADDFE51D0}"/>
+                </a:ext>
+              </a:extLst>
+            </p:cNvPr>
+            <p:cNvSpPr/>
+            <p:nvPr/>
+          </p:nvSpPr>
+          <p:spPr>
+            <a:xfrm>
+              <a:off x="5175322" y="2033685"/>
+              <a:ext cx="761987" cy="304791"/>
+            </a:xfrm>
+            <a:prstGeom prst="roundRect">
+              <a:avLst/>
+            </a:prstGeom>
+            <a:grpFill/>
+            <a:ln w="38100">
+              <a:solidFill>
+                <a:schemeClr val="bg1"/>
+              </a:solidFill>
+            </a:ln>
+          </p:spPr>
+          <p:style>
+            <a:lnRef idx="2">
+              <a:schemeClr val="accent1">
+                <a:shade val="50000"/>
+              </a:schemeClr>
+            </a:lnRef>
+            <a:fillRef idx="1">
+              <a:schemeClr val="accent1"/>
+            </a:fillRef>
+            <a:effectRef idx="0">
+              <a:schemeClr val="accent1"/>
+            </a:effectRef>
+            <a:fontRef idx="minor">
+              <a:schemeClr val="lt1"/>
+            </a:fontRef>
+          </p:style>
+          <p:txBody>
+            <a:bodyPr rtlCol="0" anchor="ctr"/>
+            <a:lstStyle/>
+            <a:p>
+              <a:pPr algn="ctr"/>
+              <a:endParaRPr lang="ko-KR" altLang="en-US"/>
+            </a:p>
+          </p:txBody>
+        </p:sp>
+      </p:grpSp>
+      <p:sp>
+        <p:nvSpPr>
+          <p:cNvPr id="116" name="TextBox 115">
+            <a:extLst>
+              <a:ext uri="{FF2B5EF4-FFF2-40B4-BE49-F238E27FC236}">
+                <a16:creationId xmlns:a16="http://schemas.microsoft.com/office/drawing/2014/main" id="{0E6DD5A4-4F07-4333-B971-C899748B28CE}"/>
+              </a:ext>
+            </a:extLst>
+          </p:cNvPr>
+          <p:cNvSpPr txBox="1"/>
+          <p:nvPr/>
+        </p:nvSpPr>
+        <p:spPr>
+          <a:xfrm>
+            <a:off x="5289096" y="4848422"/>
+            <a:ext cx="583814" cy="369332"/>
+          </a:xfrm>
+          <a:prstGeom prst="rect">
+            <a:avLst/>
+          </a:prstGeom>
+          <a:noFill/>
+        </p:spPr>
+        <p:txBody>
+          <a:bodyPr wrap="none" rtlCol="0">
+            <a:spAutoFit/>
+          </a:bodyPr>
+          <a:lstStyle/>
+          <a:p>
+            <a:r>
+              <a:rPr lang="en-US" altLang="ko-KR" b="1" dirty="0"/>
+              <a:t>170</a:t>
+            </a:r>
+            <a:endParaRPr lang="ko-KR" altLang="en-US" b="1" dirty="0"/>
+          </a:p>
+        </p:txBody>
+      </p:sp>
+      <p:grpSp>
+        <p:nvGrpSpPr>
+          <p:cNvPr id="117" name="그룹 116">
+            <a:extLst>
+              <a:ext uri="{FF2B5EF4-FFF2-40B4-BE49-F238E27FC236}">
+                <a16:creationId xmlns:a16="http://schemas.microsoft.com/office/drawing/2014/main" id="{157C54F1-BA77-41E5-A1A8-051FCC77D673}"/>
+              </a:ext>
+            </a:extLst>
+          </p:cNvPr>
+          <p:cNvGrpSpPr/>
+          <p:nvPr/>
+        </p:nvGrpSpPr>
+        <p:grpSpPr>
+          <a:xfrm>
+            <a:off x="6283430" y="4490164"/>
+            <a:ext cx="1085848" cy="1085848"/>
+            <a:chOff x="504827" y="1511440"/>
+            <a:chExt cx="1743071" cy="1743071"/>
+          </a:xfrm>
+        </p:grpSpPr>
+        <p:sp>
+          <p:nvSpPr>
+            <p:cNvPr id="118" name="다이아몬드 117">
+              <a:extLst>
+                <a:ext uri="{FF2B5EF4-FFF2-40B4-BE49-F238E27FC236}">
+                  <a16:creationId xmlns:a16="http://schemas.microsoft.com/office/drawing/2014/main" id="{28E72676-F5C1-4840-9947-2DDF6009D352}"/>
+                </a:ext>
+              </a:extLst>
+            </p:cNvPr>
+            <p:cNvSpPr/>
+            <p:nvPr/>
+          </p:nvSpPr>
+          <p:spPr>
+            <a:xfrm>
+              <a:off x="504827" y="1511440"/>
+              <a:ext cx="1743071" cy="1743071"/>
+            </a:xfrm>
+            <a:prstGeom prst="diamond">
+              <a:avLst/>
+            </a:prstGeom>
+            <a:solidFill>
+              <a:schemeClr val="tx1"/>
+            </a:solidFill>
+            <a:ln w="28575">
+              <a:solidFill>
+                <a:schemeClr val="bg1"/>
+              </a:solidFill>
+            </a:ln>
+          </p:spPr>
+          <p:style>
+            <a:lnRef idx="2">
+              <a:schemeClr val="accent1">
+                <a:shade val="50000"/>
+              </a:schemeClr>
+            </a:lnRef>
+            <a:fillRef idx="1">
+              <a:schemeClr val="accent1"/>
+            </a:fillRef>
+            <a:effectRef idx="0">
+              <a:schemeClr val="accent1"/>
+            </a:effectRef>
+            <a:fontRef idx="minor">
+              <a:schemeClr val="lt1"/>
+            </a:fontRef>
+          </p:style>
+          <p:txBody>
+            <a:bodyPr rtlCol="0" anchor="ctr"/>
+            <a:lstStyle/>
+            <a:p>
+              <a:pPr algn="ctr"/>
+              <a:endParaRPr lang="ko-KR" altLang="en-US"/>
+            </a:p>
+          </p:txBody>
+        </p:sp>
+        <p:pic>
+          <p:nvPicPr>
+            <p:cNvPr id="119" name="그림 118">
+              <a:extLst>
+                <a:ext uri="{FF2B5EF4-FFF2-40B4-BE49-F238E27FC236}">
+                  <a16:creationId xmlns:a16="http://schemas.microsoft.com/office/drawing/2014/main" id="{264F09C3-56E9-46FC-AE22-4BFDC191ADE5}"/>
+                </a:ext>
+              </a:extLst>
+            </p:cNvPr>
+            <p:cNvPicPr>
+              <a:picLocks noChangeAspect="1"/>
+            </p:cNvPicPr>
+            <p:nvPr/>
+          </p:nvPicPr>
+          <p:blipFill>
+            <a:blip r:embed="rId2">
+              <a:extLst>
+                <a:ext uri="{28A0092B-C50C-407E-A947-70E740481C1C}">
+                  <a14:useLocalDpi xmlns:a14="http://schemas.microsoft.com/office/drawing/2010/main" val="0"/>
+                </a:ext>
+              </a:extLst>
+            </a:blip>
+            <a:stretch>
+              <a:fillRect/>
+            </a:stretch>
+          </p:blipFill>
+          <p:spPr>
+            <a:xfrm>
+              <a:off x="952467" y="1965138"/>
+              <a:ext cx="847790" cy="847790"/>
+            </a:xfrm>
+            <a:prstGeom prst="rect">
+              <a:avLst/>
+            </a:prstGeom>
+          </p:spPr>
+        </p:pic>
+      </p:grpSp>
+      <p:sp>
+        <p:nvSpPr>
+          <p:cNvPr id="120" name="TextBox 119">
+            <a:extLst>
+              <a:ext uri="{FF2B5EF4-FFF2-40B4-BE49-F238E27FC236}">
+                <a16:creationId xmlns:a16="http://schemas.microsoft.com/office/drawing/2014/main" id="{2810DBA2-2229-45E1-B9BF-C5E54DCC7D25}"/>
+              </a:ext>
+            </a:extLst>
+          </p:cNvPr>
+          <p:cNvSpPr txBox="1"/>
+          <p:nvPr/>
+        </p:nvSpPr>
+        <p:spPr>
+          <a:xfrm>
+            <a:off x="6387773" y="5379015"/>
+            <a:ext cx="877163" cy="369332"/>
+          </a:xfrm>
+          <a:prstGeom prst="rect">
+            <a:avLst/>
+          </a:prstGeom>
+          <a:solidFill>
+            <a:schemeClr val="bg1"/>
+          </a:solidFill>
+        </p:spPr>
+        <p:txBody>
+          <a:bodyPr wrap="none" rtlCol="0">
+            <a:spAutoFit/>
+          </a:bodyPr>
+          <a:lstStyle/>
+          <a:p>
+            <a:r>
+              <a:rPr lang="ko-KR" altLang="en-US" b="1" dirty="0"/>
+              <a:t>공격력</a:t>
+            </a:r>
+          </a:p>
+        </p:txBody>
+      </p:sp>
+      <p:grpSp>
+        <p:nvGrpSpPr>
+          <p:cNvPr id="121" name="그룹 120">
+            <a:extLst>
+              <a:ext uri="{FF2B5EF4-FFF2-40B4-BE49-F238E27FC236}">
+                <a16:creationId xmlns:a16="http://schemas.microsoft.com/office/drawing/2014/main" id="{99690203-1699-4364-B9BB-902C93C62F32}"/>
+              </a:ext>
+            </a:extLst>
+          </p:cNvPr>
+          <p:cNvGrpSpPr/>
+          <p:nvPr/>
+        </p:nvGrpSpPr>
+        <p:grpSpPr>
+          <a:xfrm>
+            <a:off x="6369505" y="5845091"/>
+            <a:ext cx="877164" cy="187563"/>
+            <a:chOff x="2531956" y="2033685"/>
+            <a:chExt cx="3405353" cy="728163"/>
+          </a:xfrm>
+          <a:solidFill>
+            <a:schemeClr val="tx1"/>
+          </a:solidFill>
+        </p:grpSpPr>
+        <p:sp>
+          <p:nvSpPr>
+            <p:cNvPr id="122" name="사각형: 둥근 모서리 121">
+              <a:extLst>
+                <a:ext uri="{FF2B5EF4-FFF2-40B4-BE49-F238E27FC236}">
+                  <a16:creationId xmlns:a16="http://schemas.microsoft.com/office/drawing/2014/main" id="{2D96BB1C-A6BC-456D-9A39-1CA5A77C5CCF}"/>
+                </a:ext>
+              </a:extLst>
+            </p:cNvPr>
+            <p:cNvSpPr/>
+            <p:nvPr/>
+          </p:nvSpPr>
+          <p:spPr>
+            <a:xfrm>
+              <a:off x="2531956" y="2052608"/>
+              <a:ext cx="761987" cy="304800"/>
+            </a:xfrm>
+            <a:prstGeom prst="roundRect">
+              <a:avLst/>
+            </a:prstGeom>
+            <a:solidFill>
+              <a:srgbClr val="92D050"/>
+            </a:solidFill>
+            <a:ln w="38100">
+              <a:solidFill>
+                <a:schemeClr val="bg1"/>
+              </a:solidFill>
+            </a:ln>
+          </p:spPr>
+          <p:style>
+            <a:lnRef idx="2">
+              <a:schemeClr val="accent1">
+                <a:shade val="50000"/>
+              </a:schemeClr>
+            </a:lnRef>
+            <a:fillRef idx="1">
+              <a:schemeClr val="accent1"/>
+            </a:fillRef>
+            <a:effectRef idx="0">
+              <a:schemeClr val="accent1"/>
+            </a:effectRef>
+            <a:fontRef idx="minor">
+              <a:schemeClr val="lt1"/>
+            </a:fontRef>
+          </p:style>
+          <p:txBody>
+            <a:bodyPr rtlCol="0" anchor="ctr"/>
+            <a:lstStyle/>
+            <a:p>
+              <a:pPr algn="ctr"/>
+              <a:endParaRPr lang="ko-KR" altLang="en-US"/>
+            </a:p>
+          </p:txBody>
+        </p:sp>
+        <p:sp>
+          <p:nvSpPr>
+            <p:cNvPr id="123" name="사각형: 둥근 모서리 122">
+              <a:extLst>
+                <a:ext uri="{FF2B5EF4-FFF2-40B4-BE49-F238E27FC236}">
+                  <a16:creationId xmlns:a16="http://schemas.microsoft.com/office/drawing/2014/main" id="{75ED67B9-5B4F-467F-9187-7E1491F33324}"/>
+                </a:ext>
+              </a:extLst>
+            </p:cNvPr>
+            <p:cNvSpPr/>
+            <p:nvPr/>
+          </p:nvSpPr>
+          <p:spPr>
+            <a:xfrm>
+              <a:off x="2531956" y="2457048"/>
+              <a:ext cx="761987" cy="304800"/>
+            </a:xfrm>
+            <a:prstGeom prst="roundRect">
+              <a:avLst/>
+            </a:prstGeom>
+            <a:grpFill/>
+            <a:ln w="38100">
+              <a:solidFill>
+                <a:schemeClr val="bg1"/>
+              </a:solidFill>
+            </a:ln>
+          </p:spPr>
+          <p:style>
+            <a:lnRef idx="2">
+              <a:schemeClr val="accent1">
+                <a:shade val="50000"/>
+              </a:schemeClr>
+            </a:lnRef>
+            <a:fillRef idx="1">
+              <a:schemeClr val="accent1"/>
+            </a:fillRef>
+            <a:effectRef idx="0">
+              <a:schemeClr val="accent1"/>
+            </a:effectRef>
+            <a:fontRef idx="minor">
+              <a:schemeClr val="lt1"/>
+            </a:fontRef>
+          </p:style>
+          <p:txBody>
+            <a:bodyPr rtlCol="0" anchor="ctr"/>
+            <a:lstStyle/>
+            <a:p>
+              <a:pPr algn="ctr"/>
+              <a:endParaRPr lang="ko-KR" altLang="en-US"/>
+            </a:p>
+          </p:txBody>
+        </p:sp>
+        <p:sp>
+          <p:nvSpPr>
+            <p:cNvPr id="124" name="사각형: 둥근 모서리 123">
+              <a:extLst>
+                <a:ext uri="{FF2B5EF4-FFF2-40B4-BE49-F238E27FC236}">
+                  <a16:creationId xmlns:a16="http://schemas.microsoft.com/office/drawing/2014/main" id="{924DD370-4C0C-4EBA-9609-6F9E37473908}"/>
+                </a:ext>
+              </a:extLst>
+            </p:cNvPr>
+            <p:cNvSpPr/>
+            <p:nvPr/>
+          </p:nvSpPr>
+          <p:spPr>
+            <a:xfrm>
+              <a:off x="3413078" y="2457048"/>
+              <a:ext cx="761987" cy="304800"/>
+            </a:xfrm>
+            <a:prstGeom prst="roundRect">
+              <a:avLst/>
+            </a:prstGeom>
+            <a:grpFill/>
+            <a:ln w="38100">
+              <a:solidFill>
+                <a:schemeClr val="bg1"/>
+              </a:solidFill>
+            </a:ln>
+          </p:spPr>
+          <p:style>
+            <a:lnRef idx="2">
+              <a:schemeClr val="accent1">
+                <a:shade val="50000"/>
+              </a:schemeClr>
+            </a:lnRef>
+            <a:fillRef idx="1">
+              <a:schemeClr val="accent1"/>
+            </a:fillRef>
+            <a:effectRef idx="0">
+              <a:schemeClr val="accent1"/>
+            </a:effectRef>
+            <a:fontRef idx="minor">
+              <a:schemeClr val="lt1"/>
+            </a:fontRef>
+          </p:style>
+          <p:txBody>
+            <a:bodyPr rtlCol="0" anchor="ctr"/>
+            <a:lstStyle/>
+            <a:p>
+              <a:pPr algn="ctr"/>
+              <a:endParaRPr lang="ko-KR" altLang="en-US"/>
+            </a:p>
+          </p:txBody>
+        </p:sp>
+        <p:sp>
+          <p:nvSpPr>
+            <p:cNvPr id="125" name="사각형: 둥근 모서리 124">
+              <a:extLst>
+                <a:ext uri="{FF2B5EF4-FFF2-40B4-BE49-F238E27FC236}">
+                  <a16:creationId xmlns:a16="http://schemas.microsoft.com/office/drawing/2014/main" id="{03CF63BB-5486-4158-987B-E54802BCB551}"/>
+                </a:ext>
+              </a:extLst>
+            </p:cNvPr>
+            <p:cNvSpPr/>
+            <p:nvPr/>
+          </p:nvSpPr>
+          <p:spPr>
+            <a:xfrm>
+              <a:off x="3413078" y="2033685"/>
+              <a:ext cx="761987" cy="304800"/>
+            </a:xfrm>
+            <a:prstGeom prst="roundRect">
+              <a:avLst/>
+            </a:prstGeom>
+            <a:solidFill>
+              <a:srgbClr val="92D050"/>
+            </a:solidFill>
+            <a:ln w="38100">
+              <a:solidFill>
+                <a:schemeClr val="bg1"/>
+              </a:solidFill>
+            </a:ln>
+          </p:spPr>
+          <p:style>
+            <a:lnRef idx="2">
+              <a:schemeClr val="accent1">
+                <a:shade val="50000"/>
+              </a:schemeClr>
+            </a:lnRef>
+            <a:fillRef idx="1">
+              <a:schemeClr val="accent1"/>
+            </a:fillRef>
+            <a:effectRef idx="0">
+              <a:schemeClr val="accent1"/>
+            </a:effectRef>
+            <a:fontRef idx="minor">
+              <a:schemeClr val="lt1"/>
+            </a:fontRef>
+          </p:style>
+          <p:txBody>
+            <a:bodyPr rtlCol="0" anchor="ctr"/>
+            <a:lstStyle/>
+            <a:p>
+              <a:pPr algn="ctr"/>
+              <a:endParaRPr lang="ko-KR" altLang="en-US"/>
+            </a:p>
+          </p:txBody>
+        </p:sp>
+        <p:sp>
+          <p:nvSpPr>
+            <p:cNvPr id="126" name="사각형: 둥근 모서리 125">
+              <a:extLst>
+                <a:ext uri="{FF2B5EF4-FFF2-40B4-BE49-F238E27FC236}">
+                  <a16:creationId xmlns:a16="http://schemas.microsoft.com/office/drawing/2014/main" id="{14B12CF3-271A-424E-B3F9-35F2FDF9970C}"/>
+                </a:ext>
+              </a:extLst>
+            </p:cNvPr>
+            <p:cNvSpPr/>
+            <p:nvPr/>
+          </p:nvSpPr>
+          <p:spPr>
+            <a:xfrm>
+              <a:off x="4294200" y="2457048"/>
+              <a:ext cx="761987" cy="304800"/>
+            </a:xfrm>
+            <a:prstGeom prst="roundRect">
+              <a:avLst/>
+            </a:prstGeom>
+            <a:grpFill/>
+            <a:ln w="38100">
+              <a:solidFill>
+                <a:schemeClr val="bg1"/>
+              </a:solidFill>
+            </a:ln>
+          </p:spPr>
+          <p:style>
+            <a:lnRef idx="2">
+              <a:schemeClr val="accent1">
+                <a:shade val="50000"/>
+              </a:schemeClr>
+            </a:lnRef>
+            <a:fillRef idx="1">
+              <a:schemeClr val="accent1"/>
+            </a:fillRef>
+            <a:effectRef idx="0">
+              <a:schemeClr val="accent1"/>
+            </a:effectRef>
+            <a:fontRef idx="minor">
+              <a:schemeClr val="lt1"/>
+            </a:fontRef>
+          </p:style>
+          <p:txBody>
+            <a:bodyPr rtlCol="0" anchor="ctr"/>
+            <a:lstStyle/>
+            <a:p>
+              <a:pPr algn="ctr"/>
+              <a:endParaRPr lang="ko-KR" altLang="en-US"/>
+            </a:p>
+          </p:txBody>
+        </p:sp>
+        <p:sp>
+          <p:nvSpPr>
+            <p:cNvPr id="127" name="사각형: 둥근 모서리 126">
+              <a:extLst>
+                <a:ext uri="{FF2B5EF4-FFF2-40B4-BE49-F238E27FC236}">
+                  <a16:creationId xmlns:a16="http://schemas.microsoft.com/office/drawing/2014/main" id="{7C8BFBE9-FB14-41E6-8A1F-515F32233C7C}"/>
+                </a:ext>
+              </a:extLst>
+            </p:cNvPr>
+            <p:cNvSpPr/>
+            <p:nvPr/>
+          </p:nvSpPr>
+          <p:spPr>
+            <a:xfrm>
+              <a:off x="4294200" y="2033685"/>
+              <a:ext cx="761987" cy="304800"/>
+            </a:xfrm>
+            <a:prstGeom prst="roundRect">
+              <a:avLst/>
+            </a:prstGeom>
+            <a:grpFill/>
+            <a:ln w="38100">
+              <a:solidFill>
+                <a:schemeClr val="bg1"/>
+              </a:solidFill>
+            </a:ln>
+          </p:spPr>
+          <p:style>
+            <a:lnRef idx="2">
+              <a:schemeClr val="accent1">
+                <a:shade val="50000"/>
+              </a:schemeClr>
+            </a:lnRef>
+            <a:fillRef idx="1">
+              <a:schemeClr val="accent1"/>
+            </a:fillRef>
+            <a:effectRef idx="0">
+              <a:schemeClr val="accent1"/>
+            </a:effectRef>
+            <a:fontRef idx="minor">
+              <a:schemeClr val="lt1"/>
+            </a:fontRef>
+          </p:style>
+          <p:txBody>
+            <a:bodyPr rtlCol="0" anchor="ctr"/>
+            <a:lstStyle/>
+            <a:p>
+              <a:pPr algn="ctr"/>
+              <a:endParaRPr lang="ko-KR" altLang="en-US"/>
+            </a:p>
+          </p:txBody>
+        </p:sp>
+        <p:sp>
+          <p:nvSpPr>
+            <p:cNvPr id="128" name="사각형: 둥근 모서리 127">
+              <a:extLst>
+                <a:ext uri="{FF2B5EF4-FFF2-40B4-BE49-F238E27FC236}">
+                  <a16:creationId xmlns:a16="http://schemas.microsoft.com/office/drawing/2014/main" id="{BE5C3B23-2710-4661-B9AA-C1A528BEA97D}"/>
+                </a:ext>
+              </a:extLst>
+            </p:cNvPr>
+            <p:cNvSpPr/>
+            <p:nvPr/>
+          </p:nvSpPr>
+          <p:spPr>
+            <a:xfrm>
+              <a:off x="5175322" y="2457048"/>
+              <a:ext cx="761987" cy="304791"/>
+            </a:xfrm>
+            <a:prstGeom prst="roundRect">
+              <a:avLst/>
+            </a:prstGeom>
+            <a:grpFill/>
+            <a:ln w="38100">
+              <a:solidFill>
+                <a:schemeClr val="bg1"/>
+              </a:solidFill>
+            </a:ln>
+          </p:spPr>
+          <p:style>
+            <a:lnRef idx="2">
+              <a:schemeClr val="accent1">
+                <a:shade val="50000"/>
+              </a:schemeClr>
+            </a:lnRef>
+            <a:fillRef idx="1">
+              <a:schemeClr val="accent1"/>
+            </a:fillRef>
+            <a:effectRef idx="0">
+              <a:schemeClr val="accent1"/>
+            </a:effectRef>
+            <a:fontRef idx="minor">
+              <a:schemeClr val="lt1"/>
+            </a:fontRef>
+          </p:style>
+          <p:txBody>
+            <a:bodyPr rtlCol="0" anchor="ctr"/>
+            <a:lstStyle/>
+            <a:p>
+              <a:pPr algn="ctr"/>
+              <a:endParaRPr lang="ko-KR" altLang="en-US"/>
+            </a:p>
+          </p:txBody>
+        </p:sp>
+        <p:sp>
+          <p:nvSpPr>
+            <p:cNvPr id="129" name="사각형: 둥근 모서리 128">
+              <a:extLst>
+                <a:ext uri="{FF2B5EF4-FFF2-40B4-BE49-F238E27FC236}">
+                  <a16:creationId xmlns:a16="http://schemas.microsoft.com/office/drawing/2014/main" id="{A677097D-2D91-419C-A625-C7E89CF93486}"/>
+                </a:ext>
+              </a:extLst>
+            </p:cNvPr>
+            <p:cNvSpPr/>
+            <p:nvPr/>
+          </p:nvSpPr>
+          <p:spPr>
+            <a:xfrm>
+              <a:off x="5175322" y="2033685"/>
+              <a:ext cx="761987" cy="304791"/>
+            </a:xfrm>
+            <a:prstGeom prst="roundRect">
+              <a:avLst/>
+            </a:prstGeom>
+            <a:grpFill/>
+            <a:ln w="38100">
+              <a:solidFill>
+                <a:schemeClr val="bg1"/>
+              </a:solidFill>
+            </a:ln>
+          </p:spPr>
+          <p:style>
+            <a:lnRef idx="2">
+              <a:schemeClr val="accent1">
+                <a:shade val="50000"/>
+              </a:schemeClr>
+            </a:lnRef>
+            <a:fillRef idx="1">
+              <a:schemeClr val="accent1"/>
+            </a:fillRef>
+            <a:effectRef idx="0">
+              <a:schemeClr val="accent1"/>
+            </a:effectRef>
+            <a:fontRef idx="minor">
+              <a:schemeClr val="lt1"/>
+            </a:fontRef>
+          </p:style>
+          <p:txBody>
+            <a:bodyPr rtlCol="0" anchor="ctr"/>
+            <a:lstStyle/>
+            <a:p>
+              <a:pPr algn="ctr"/>
+              <a:endParaRPr lang="ko-KR" altLang="en-US"/>
+            </a:p>
+          </p:txBody>
+        </p:sp>
+      </p:grpSp>
+      <p:sp>
+        <p:nvSpPr>
+          <p:cNvPr id="130" name="TextBox 129">
+            <a:extLst>
+              <a:ext uri="{FF2B5EF4-FFF2-40B4-BE49-F238E27FC236}">
+                <a16:creationId xmlns:a16="http://schemas.microsoft.com/office/drawing/2014/main" id="{0D5219EB-80ED-418B-A55A-56CEB83C561C}"/>
+              </a:ext>
+            </a:extLst>
+          </p:cNvPr>
+          <p:cNvSpPr txBox="1"/>
+          <p:nvPr/>
+        </p:nvSpPr>
+        <p:spPr>
+          <a:xfrm>
+            <a:off x="7516128" y="4848422"/>
+            <a:ext cx="583814" cy="369332"/>
+          </a:xfrm>
+          <a:prstGeom prst="rect">
+            <a:avLst/>
+          </a:prstGeom>
+          <a:noFill/>
+        </p:spPr>
+        <p:txBody>
+          <a:bodyPr wrap="none" rtlCol="0">
+            <a:spAutoFit/>
+          </a:bodyPr>
+          <a:lstStyle/>
+          <a:p>
+            <a:r>
+              <a:rPr lang="en-US" altLang="ko-KR" b="1" dirty="0"/>
+              <a:t>170</a:t>
+            </a:r>
+            <a:endParaRPr lang="ko-KR" altLang="en-US" b="1" dirty="0"/>
+          </a:p>
+        </p:txBody>
+      </p:sp>
+      <p:cxnSp>
+        <p:nvCxnSpPr>
+          <p:cNvPr id="132" name="직선 연결선 131">
+            <a:extLst>
+              <a:ext uri="{FF2B5EF4-FFF2-40B4-BE49-F238E27FC236}">
+                <a16:creationId xmlns:a16="http://schemas.microsoft.com/office/drawing/2014/main" id="{4C7F0D3F-78DD-4D22-B69A-52D279F9CDCE}"/>
+              </a:ext>
+            </a:extLst>
+          </p:cNvPr>
+          <p:cNvCxnSpPr>
+            <a:cxnSpLocks/>
+          </p:cNvCxnSpPr>
+          <p:nvPr/>
+        </p:nvCxnSpPr>
+        <p:spPr>
+          <a:xfrm>
+            <a:off x="8972550" y="790575"/>
+            <a:ext cx="0" cy="5495925"/>
+          </a:xfrm>
+          <a:prstGeom prst="line">
+            <a:avLst/>
+          </a:prstGeom>
+          <a:ln w="57150">
+            <a:solidFill>
+              <a:schemeClr val="accent4"/>
+            </a:solidFill>
+          </a:ln>
+        </p:spPr>
+        <p:style>
+          <a:lnRef idx="1">
+            <a:schemeClr val="accent1"/>
+          </a:lnRef>
+          <a:fillRef idx="0">
+            <a:schemeClr val="accent1"/>
+          </a:fillRef>
+          <a:effectRef idx="0">
+            <a:schemeClr val="accent1"/>
+          </a:effectRef>
+          <a:fontRef idx="minor">
+            <a:schemeClr val="tx1"/>
+          </a:fontRef>
+        </p:style>
+      </p:cxnSp>
+      <p:sp>
+        <p:nvSpPr>
+          <p:cNvPr id="134" name="TextBox 133">
+            <a:extLst>
+              <a:ext uri="{FF2B5EF4-FFF2-40B4-BE49-F238E27FC236}">
+                <a16:creationId xmlns:a16="http://schemas.microsoft.com/office/drawing/2014/main" id="{F718D77E-8E58-4C54-A56D-6E099F06D259}"/>
+              </a:ext>
+            </a:extLst>
+          </p:cNvPr>
+          <p:cNvSpPr txBox="1"/>
+          <p:nvPr/>
+        </p:nvSpPr>
+        <p:spPr>
+          <a:xfrm>
+            <a:off x="140635" y="1151979"/>
+            <a:ext cx="1043876" cy="707886"/>
+          </a:xfrm>
+          <a:prstGeom prst="rect">
+            <a:avLst/>
+          </a:prstGeom>
+          <a:noFill/>
+        </p:spPr>
+        <p:txBody>
+          <a:bodyPr wrap="none" rtlCol="0">
+            <a:spAutoFit/>
+          </a:bodyPr>
+          <a:lstStyle/>
+          <a:p>
+            <a:r>
+              <a:rPr lang="ko-KR" altLang="en-US" sz="2000" b="1" dirty="0"/>
+              <a:t>캐릭터 </a:t>
+            </a:r>
+            <a:endParaRPr lang="en-US" altLang="ko-KR" sz="2000" b="1" dirty="0"/>
+          </a:p>
+          <a:p>
+            <a:r>
+              <a:rPr lang="ko-KR" altLang="en-US" sz="2000" b="1" dirty="0"/>
+              <a:t>능력치</a:t>
+            </a:r>
+          </a:p>
+        </p:txBody>
+      </p:sp>
+      <p:sp>
+        <p:nvSpPr>
+          <p:cNvPr id="135" name="TextBox 134">
+            <a:extLst>
+              <a:ext uri="{FF2B5EF4-FFF2-40B4-BE49-F238E27FC236}">
+                <a16:creationId xmlns:a16="http://schemas.microsoft.com/office/drawing/2014/main" id="{0B53AF9F-8A83-4CC6-BE82-751D37F3F801}"/>
+              </a:ext>
+            </a:extLst>
+          </p:cNvPr>
+          <p:cNvSpPr txBox="1"/>
+          <p:nvPr/>
+        </p:nvSpPr>
+        <p:spPr>
+          <a:xfrm>
+            <a:off x="9095159" y="2190014"/>
+            <a:ext cx="1082348" cy="630942"/>
+          </a:xfrm>
+          <a:prstGeom prst="rect">
+            <a:avLst/>
+          </a:prstGeom>
+          <a:noFill/>
+        </p:spPr>
+        <p:txBody>
+          <a:bodyPr wrap="none" rtlCol="0">
+            <a:spAutoFit/>
+          </a:bodyPr>
+          <a:lstStyle/>
+          <a:p>
+            <a:r>
+              <a:rPr lang="ko-KR" altLang="en-US" sz="3500" b="1" dirty="0"/>
+              <a:t>옵션</a:t>
+            </a:r>
+          </a:p>
+        </p:txBody>
+      </p:sp>
+      <p:sp>
+        <p:nvSpPr>
+          <p:cNvPr id="136" name="TextBox 135">
+            <a:extLst>
+              <a:ext uri="{FF2B5EF4-FFF2-40B4-BE49-F238E27FC236}">
+                <a16:creationId xmlns:a16="http://schemas.microsoft.com/office/drawing/2014/main" id="{F1140638-0119-4D4A-82F5-8166C493CCB5}"/>
+              </a:ext>
+            </a:extLst>
+          </p:cNvPr>
+          <p:cNvSpPr txBox="1"/>
+          <p:nvPr/>
+        </p:nvSpPr>
+        <p:spPr>
+          <a:xfrm>
+            <a:off x="9095159" y="3115513"/>
+            <a:ext cx="2585964" cy="630942"/>
+          </a:xfrm>
+          <a:prstGeom prst="rect">
+            <a:avLst/>
+          </a:prstGeom>
+          <a:noFill/>
+        </p:spPr>
+        <p:txBody>
+          <a:bodyPr wrap="none" rtlCol="0">
+            <a:spAutoFit/>
+          </a:bodyPr>
+          <a:lstStyle/>
+          <a:p>
+            <a:r>
+              <a:rPr lang="ko-KR" altLang="en-US" sz="3500" b="1" dirty="0"/>
+              <a:t>타이틀 화면</a:t>
+            </a:r>
+          </a:p>
+        </p:txBody>
+      </p:sp>
+      <p:sp>
+        <p:nvSpPr>
+          <p:cNvPr id="137" name="TextBox 136">
+            <a:extLst>
+              <a:ext uri="{FF2B5EF4-FFF2-40B4-BE49-F238E27FC236}">
+                <a16:creationId xmlns:a16="http://schemas.microsoft.com/office/drawing/2014/main" id="{FD8AF188-DCBE-43B6-A4FD-8D7329CF8E35}"/>
+              </a:ext>
+            </a:extLst>
+          </p:cNvPr>
+          <p:cNvSpPr txBox="1"/>
+          <p:nvPr/>
+        </p:nvSpPr>
+        <p:spPr>
+          <a:xfrm>
+            <a:off x="9095159" y="3991069"/>
+            <a:ext cx="2137124" cy="630942"/>
+          </a:xfrm>
+          <a:prstGeom prst="rect">
+            <a:avLst/>
+          </a:prstGeom>
+          <a:noFill/>
+        </p:spPr>
+        <p:txBody>
+          <a:bodyPr wrap="none" rtlCol="0">
+            <a:spAutoFit/>
+          </a:bodyPr>
+          <a:lstStyle/>
+          <a:p>
+            <a:r>
+              <a:rPr lang="ko-KR" altLang="en-US" sz="3500" b="1" dirty="0"/>
+              <a:t>게임 종료</a:t>
+            </a:r>
+          </a:p>
+        </p:txBody>
+      </p:sp>
+      <p:sp>
+        <p:nvSpPr>
+          <p:cNvPr id="140" name="TextBox 139">
+            <a:extLst>
+              <a:ext uri="{FF2B5EF4-FFF2-40B4-BE49-F238E27FC236}">
+                <a16:creationId xmlns:a16="http://schemas.microsoft.com/office/drawing/2014/main" id="{DFBBD20D-1051-4302-A47D-CAF427ED9251}"/>
+              </a:ext>
+            </a:extLst>
+          </p:cNvPr>
+          <p:cNvSpPr txBox="1"/>
+          <p:nvPr/>
+        </p:nvSpPr>
+        <p:spPr>
+          <a:xfrm>
+            <a:off x="143816" y="2956959"/>
+            <a:ext cx="954107" cy="707886"/>
+          </a:xfrm>
+          <a:prstGeom prst="rect">
+            <a:avLst/>
+          </a:prstGeom>
+          <a:noFill/>
+        </p:spPr>
+        <p:txBody>
+          <a:bodyPr wrap="none" rtlCol="0">
+            <a:spAutoFit/>
+          </a:bodyPr>
+          <a:lstStyle/>
+          <a:p>
+            <a:r>
+              <a:rPr lang="ko-KR" altLang="en-US" sz="2000" b="1" dirty="0"/>
+              <a:t>스킬 </a:t>
+            </a:r>
+            <a:endParaRPr lang="en-US" altLang="ko-KR" sz="2000" b="1" dirty="0"/>
+          </a:p>
+          <a:p>
+            <a:r>
+              <a:rPr lang="ko-KR" altLang="en-US" sz="2000" b="1" dirty="0"/>
+              <a:t>능력치</a:t>
+            </a:r>
+          </a:p>
+        </p:txBody>
+      </p:sp>
+      <p:sp>
+        <p:nvSpPr>
+          <p:cNvPr id="141" name="TextBox 140">
+            <a:extLst>
+              <a:ext uri="{FF2B5EF4-FFF2-40B4-BE49-F238E27FC236}">
+                <a16:creationId xmlns:a16="http://schemas.microsoft.com/office/drawing/2014/main" id="{4D0F4322-FF1A-4653-9FA7-D11B9CA5371B}"/>
+              </a:ext>
+            </a:extLst>
+          </p:cNvPr>
+          <p:cNvSpPr txBox="1"/>
+          <p:nvPr/>
+        </p:nvSpPr>
+        <p:spPr>
+          <a:xfrm>
+            <a:off x="129641" y="4679145"/>
+            <a:ext cx="1210588" cy="707886"/>
+          </a:xfrm>
+          <a:prstGeom prst="rect">
+            <a:avLst/>
+          </a:prstGeom>
+          <a:noFill/>
+        </p:spPr>
+        <p:txBody>
+          <a:bodyPr wrap="none" rtlCol="0">
+            <a:spAutoFit/>
+          </a:bodyPr>
+          <a:lstStyle/>
+          <a:p>
+            <a:r>
+              <a:rPr lang="ko-KR" altLang="en-US" sz="2000" b="1" dirty="0"/>
+              <a:t>스킬</a:t>
+            </a:r>
+            <a:endParaRPr lang="en-US" altLang="ko-KR" sz="2000" b="1" dirty="0"/>
+          </a:p>
+          <a:p>
+            <a:r>
+              <a:rPr lang="ko-KR" altLang="en-US" sz="2000" b="1" dirty="0"/>
+              <a:t>옵션강화</a:t>
+            </a:r>
+          </a:p>
+        </p:txBody>
+      </p:sp>
+    </p:spTree>
+    <p:extLst>
+      <p:ext uri="{BB962C8B-B14F-4D97-AF65-F5344CB8AC3E}">
+        <p14:creationId xmlns:p14="http://schemas.microsoft.com/office/powerpoint/2010/main" val="4142952044"/>
+      </p:ext>
+    </p:extLst>
+  </p:cSld>
+  <p:clrMapOvr>
+    <a:masterClrMapping/>
+  </p:clrMapOvr>
+</p:sld>
+</file>
+
+<file path=ppt/slides/slide5.xml><?xml version="1.0" encoding="utf-8"?>
+<p:sld xmlns:a="http://schemas.openxmlformats.org/drawingml/2006/main" xmlns:r="http://schemas.openxmlformats.org/officeDocument/2006/relationships" xmlns:p="http://schemas.openxmlformats.org/presentationml/2006/main">
+  <p:cSld>
+    <p:spTree>
+      <p:nvGrpSpPr>
+        <p:cNvPr id="1" name=""/>
+        <p:cNvGrpSpPr/>
+        <p:nvPr/>
+      </p:nvGrpSpPr>
+      <p:grpSpPr>
+        <a:xfrm>
+          <a:off x="0" y="0"/>
+          <a:ext cx="0" cy="0"/>
+          <a:chOff x="0" y="0"/>
+          <a:chExt cx="0" cy="0"/>
+        </a:xfrm>
+      </p:grpSpPr>
+      <p:grpSp>
+        <p:nvGrpSpPr>
+          <p:cNvPr id="2" name="그룹 1">
+            <a:extLst>
+              <a:ext uri="{FF2B5EF4-FFF2-40B4-BE49-F238E27FC236}">
+                <a16:creationId xmlns:a16="http://schemas.microsoft.com/office/drawing/2014/main" id="{35F69F57-894E-446E-ABC4-5B0F0620E69B}"/>
+              </a:ext>
+            </a:extLst>
+          </p:cNvPr>
+          <p:cNvGrpSpPr/>
+          <p:nvPr/>
+        </p:nvGrpSpPr>
+        <p:grpSpPr>
+          <a:xfrm>
+            <a:off x="2226838" y="2028372"/>
+            <a:ext cx="1085848" cy="1085848"/>
+            <a:chOff x="695328" y="3143191"/>
+            <a:chExt cx="1085848" cy="1085848"/>
+          </a:xfrm>
+        </p:grpSpPr>
+        <p:sp>
+          <p:nvSpPr>
+            <p:cNvPr id="3" name="다이아몬드 2">
+              <a:extLst>
+                <a:ext uri="{FF2B5EF4-FFF2-40B4-BE49-F238E27FC236}">
+                  <a16:creationId xmlns:a16="http://schemas.microsoft.com/office/drawing/2014/main" id="{80AB0B73-1C05-4A3D-8CCA-50FD64BD8100}"/>
+                </a:ext>
+              </a:extLst>
+            </p:cNvPr>
+            <p:cNvSpPr/>
+            <p:nvPr/>
+          </p:nvSpPr>
+          <p:spPr>
+            <a:xfrm>
+              <a:off x="695328" y="3143191"/>
+              <a:ext cx="1085848" cy="1085848"/>
+            </a:xfrm>
+            <a:prstGeom prst="diamond">
+              <a:avLst/>
+            </a:prstGeom>
+            <a:solidFill>
+              <a:schemeClr val="tx1"/>
+            </a:solidFill>
+            <a:ln w="28575">
+              <a:solidFill>
+                <a:schemeClr val="bg1"/>
+              </a:solidFill>
+            </a:ln>
+          </p:spPr>
+          <p:style>
+            <a:lnRef idx="2">
+              <a:schemeClr val="accent1">
+                <a:shade val="50000"/>
+              </a:schemeClr>
+            </a:lnRef>
+            <a:fillRef idx="1">
+              <a:schemeClr val="accent1"/>
+            </a:fillRef>
+            <a:effectRef idx="0">
+              <a:schemeClr val="accent1"/>
+            </a:effectRef>
+            <a:fontRef idx="minor">
+              <a:schemeClr val="lt1"/>
+            </a:fontRef>
+          </p:style>
+          <p:txBody>
+            <a:bodyPr rtlCol="0" anchor="ctr"/>
+            <a:lstStyle/>
+            <a:p>
+              <a:pPr algn="ctr"/>
+              <a:endParaRPr lang="ko-KR" altLang="en-US"/>
+            </a:p>
+          </p:txBody>
+        </p:sp>
+        <p:pic>
+          <p:nvPicPr>
+            <p:cNvPr id="4" name="그림 3">
+              <a:extLst>
+                <a:ext uri="{FF2B5EF4-FFF2-40B4-BE49-F238E27FC236}">
+                  <a16:creationId xmlns:a16="http://schemas.microsoft.com/office/drawing/2014/main" id="{5D3F505B-DCDF-4E89-AB96-9D329A4A9F20}"/>
+                </a:ext>
+              </a:extLst>
+            </p:cNvPr>
+            <p:cNvPicPr>
+              <a:picLocks noChangeAspect="1"/>
+            </p:cNvPicPr>
+            <p:nvPr/>
+          </p:nvPicPr>
+          <p:blipFill>
+            <a:blip r:embed="rId2">
+              <a:extLst>
+                <a:ext uri="{28A0092B-C50C-407E-A947-70E740481C1C}">
+                  <a14:useLocalDpi xmlns:a14="http://schemas.microsoft.com/office/drawing/2010/main" val="0"/>
+                </a:ext>
+              </a:extLst>
+            </a:blip>
+            <a:stretch>
+              <a:fillRect/>
+            </a:stretch>
+          </p:blipFill>
+          <p:spPr>
+            <a:xfrm>
+              <a:off x="964661" y="3425812"/>
+              <a:ext cx="542181" cy="542181"/>
+            </a:xfrm>
+            <a:prstGeom prst="rect">
+              <a:avLst/>
+            </a:prstGeom>
+          </p:spPr>
+        </p:pic>
+      </p:grpSp>
+      <p:grpSp>
+        <p:nvGrpSpPr>
+          <p:cNvPr id="5" name="그룹 4">
+            <a:extLst>
+              <a:ext uri="{FF2B5EF4-FFF2-40B4-BE49-F238E27FC236}">
+                <a16:creationId xmlns:a16="http://schemas.microsoft.com/office/drawing/2014/main" id="{E4BA0367-1E65-4299-AABE-6ACCC6AAEA5A}"/>
+              </a:ext>
+            </a:extLst>
+          </p:cNvPr>
+          <p:cNvGrpSpPr/>
+          <p:nvPr/>
+        </p:nvGrpSpPr>
+        <p:grpSpPr>
+          <a:xfrm>
+            <a:off x="3656948" y="1999410"/>
+            <a:ext cx="1085848" cy="1085848"/>
+            <a:chOff x="695328" y="4382929"/>
+            <a:chExt cx="1085848" cy="1085848"/>
+          </a:xfrm>
+        </p:grpSpPr>
+        <p:sp>
+          <p:nvSpPr>
+            <p:cNvPr id="6" name="다이아몬드 5">
+              <a:extLst>
+                <a:ext uri="{FF2B5EF4-FFF2-40B4-BE49-F238E27FC236}">
+                  <a16:creationId xmlns:a16="http://schemas.microsoft.com/office/drawing/2014/main" id="{1B8866FF-F9D5-453A-B8A8-5AD08ACCC2A8}"/>
+                </a:ext>
+              </a:extLst>
+            </p:cNvPr>
+            <p:cNvSpPr/>
+            <p:nvPr/>
+          </p:nvSpPr>
+          <p:spPr>
+            <a:xfrm>
+              <a:off x="695328" y="4382929"/>
+              <a:ext cx="1085848" cy="1085848"/>
+            </a:xfrm>
+            <a:prstGeom prst="diamond">
+              <a:avLst/>
+            </a:prstGeom>
+            <a:solidFill>
+              <a:schemeClr val="tx1"/>
+            </a:solidFill>
+            <a:ln w="28575">
+              <a:solidFill>
+                <a:schemeClr val="bg1"/>
+              </a:solidFill>
+            </a:ln>
+          </p:spPr>
+          <p:style>
+            <a:lnRef idx="2">
+              <a:schemeClr val="accent1">
+                <a:shade val="50000"/>
+              </a:schemeClr>
+            </a:lnRef>
+            <a:fillRef idx="1">
+              <a:schemeClr val="accent1"/>
+            </a:fillRef>
+            <a:effectRef idx="0">
+              <a:schemeClr val="accent1"/>
+            </a:effectRef>
+            <a:fontRef idx="minor">
+              <a:schemeClr val="lt1"/>
+            </a:fontRef>
+          </p:style>
+          <p:txBody>
+            <a:bodyPr rtlCol="0" anchor="ctr"/>
+            <a:lstStyle/>
+            <a:p>
+              <a:pPr algn="ctr"/>
+              <a:endParaRPr lang="ko-KR" altLang="en-US"/>
+            </a:p>
+          </p:txBody>
+        </p:sp>
+        <p:pic>
+          <p:nvPicPr>
+            <p:cNvPr id="7" name="그림 6">
+              <a:extLst>
+                <a:ext uri="{FF2B5EF4-FFF2-40B4-BE49-F238E27FC236}">
+                  <a16:creationId xmlns:a16="http://schemas.microsoft.com/office/drawing/2014/main" id="{6C09FA2A-5EDA-4402-B2BB-A66FB0CA3322}"/>
+                </a:ext>
+              </a:extLst>
+            </p:cNvPr>
+            <p:cNvPicPr>
+              <a:picLocks noChangeAspect="1"/>
+            </p:cNvPicPr>
+            <p:nvPr/>
+          </p:nvPicPr>
+          <p:blipFill>
+            <a:blip r:embed="rId3">
+              <a:extLst>
+                <a:ext uri="{28A0092B-C50C-407E-A947-70E740481C1C}">
+                  <a14:useLocalDpi xmlns:a14="http://schemas.microsoft.com/office/drawing/2010/main" val="0"/>
+                </a:ext>
+              </a:extLst>
+            </a:blip>
+            <a:stretch>
+              <a:fillRect/>
+            </a:stretch>
+          </p:blipFill>
+          <p:spPr>
+            <a:xfrm>
+              <a:off x="904461" y="4594563"/>
+              <a:ext cx="662579" cy="662579"/>
+            </a:xfrm>
+            <a:prstGeom prst="rect">
+              <a:avLst/>
+            </a:prstGeom>
+          </p:spPr>
+        </p:pic>
+      </p:grpSp>
+      <p:sp>
+        <p:nvSpPr>
+          <p:cNvPr id="8" name="TextBox 7">
+            <a:extLst>
+              <a:ext uri="{FF2B5EF4-FFF2-40B4-BE49-F238E27FC236}">
+                <a16:creationId xmlns:a16="http://schemas.microsoft.com/office/drawing/2014/main" id="{6211F180-61B0-4FBA-A774-D8FAAC3F5BD5}"/>
+              </a:ext>
+            </a:extLst>
+          </p:cNvPr>
+          <p:cNvSpPr txBox="1"/>
+          <p:nvPr/>
+        </p:nvSpPr>
+        <p:spPr>
+          <a:xfrm>
+            <a:off x="2331181" y="2929179"/>
+            <a:ext cx="877163" cy="369332"/>
+          </a:xfrm>
+          <a:prstGeom prst="rect">
+            <a:avLst/>
+          </a:prstGeom>
+          <a:solidFill>
+            <a:schemeClr val="bg1"/>
+          </a:solidFill>
+        </p:spPr>
+        <p:txBody>
+          <a:bodyPr wrap="none" rtlCol="0">
+            <a:spAutoFit/>
+          </a:bodyPr>
+          <a:lstStyle/>
+          <a:p>
+            <a:r>
+              <a:rPr lang="ko-KR" altLang="en-US" b="1" dirty="0"/>
+              <a:t>방어력</a:t>
+            </a:r>
+          </a:p>
+        </p:txBody>
+      </p:sp>
+      <p:sp>
+        <p:nvSpPr>
+          <p:cNvPr id="9" name="TextBox 8">
+            <a:extLst>
+              <a:ext uri="{FF2B5EF4-FFF2-40B4-BE49-F238E27FC236}">
+                <a16:creationId xmlns:a16="http://schemas.microsoft.com/office/drawing/2014/main" id="{64512B01-42C6-4100-A082-04F845259BA4}"/>
+              </a:ext>
+            </a:extLst>
+          </p:cNvPr>
+          <p:cNvSpPr txBox="1"/>
+          <p:nvPr/>
+        </p:nvSpPr>
+        <p:spPr>
+          <a:xfrm>
+            <a:off x="3487079" y="2935066"/>
+            <a:ext cx="1420582" cy="369332"/>
+          </a:xfrm>
+          <a:prstGeom prst="rect">
+            <a:avLst/>
+          </a:prstGeom>
+          <a:solidFill>
+            <a:schemeClr val="bg1"/>
+          </a:solidFill>
+        </p:spPr>
+        <p:txBody>
+          <a:bodyPr wrap="none" rtlCol="0">
+            <a:spAutoFit/>
+          </a:bodyPr>
+          <a:lstStyle/>
+          <a:p>
+            <a:r>
+              <a:rPr lang="ko-KR" altLang="en-US" b="1" dirty="0"/>
+              <a:t>최대 생명력</a:t>
+            </a:r>
+          </a:p>
+        </p:txBody>
+      </p:sp>
+      <p:grpSp>
+        <p:nvGrpSpPr>
+          <p:cNvPr id="11" name="그룹 10">
+            <a:extLst>
+              <a:ext uri="{FF2B5EF4-FFF2-40B4-BE49-F238E27FC236}">
+                <a16:creationId xmlns:a16="http://schemas.microsoft.com/office/drawing/2014/main" id="{6210C9FD-FB7B-4731-9989-C67DCF9AD82F}"/>
+              </a:ext>
+            </a:extLst>
+          </p:cNvPr>
+          <p:cNvGrpSpPr/>
+          <p:nvPr/>
+        </p:nvGrpSpPr>
+        <p:grpSpPr>
+          <a:xfrm>
+            <a:off x="866778" y="2028372"/>
+            <a:ext cx="1085848" cy="1085848"/>
+            <a:chOff x="504827" y="1511440"/>
+            <a:chExt cx="1743071" cy="1743071"/>
+          </a:xfrm>
+        </p:grpSpPr>
+        <p:sp>
+          <p:nvSpPr>
+            <p:cNvPr id="25" name="다이아몬드 24">
+              <a:extLst>
+                <a:ext uri="{FF2B5EF4-FFF2-40B4-BE49-F238E27FC236}">
+                  <a16:creationId xmlns:a16="http://schemas.microsoft.com/office/drawing/2014/main" id="{4459E3B5-E36F-4014-9699-46FFA109AC28}"/>
+                </a:ext>
+              </a:extLst>
+            </p:cNvPr>
+            <p:cNvSpPr/>
+            <p:nvPr/>
+          </p:nvSpPr>
+          <p:spPr>
+            <a:xfrm>
+              <a:off x="504827" y="1511440"/>
+              <a:ext cx="1743071" cy="1743071"/>
+            </a:xfrm>
+            <a:prstGeom prst="diamond">
+              <a:avLst/>
+            </a:prstGeom>
+            <a:solidFill>
+              <a:schemeClr val="tx1"/>
+            </a:solidFill>
+            <a:ln w="28575">
+              <a:solidFill>
+                <a:schemeClr val="bg1"/>
+              </a:solidFill>
+            </a:ln>
+          </p:spPr>
+          <p:style>
+            <a:lnRef idx="2">
+              <a:schemeClr val="accent1">
+                <a:shade val="50000"/>
+              </a:schemeClr>
+            </a:lnRef>
+            <a:fillRef idx="1">
+              <a:schemeClr val="accent1"/>
+            </a:fillRef>
+            <a:effectRef idx="0">
+              <a:schemeClr val="accent1"/>
+            </a:effectRef>
+            <a:fontRef idx="minor">
+              <a:schemeClr val="lt1"/>
+            </a:fontRef>
+          </p:style>
+          <p:txBody>
+            <a:bodyPr rtlCol="0" anchor="ctr"/>
+            <a:lstStyle/>
+            <a:p>
+              <a:pPr algn="ctr"/>
+              <a:endParaRPr lang="ko-KR" altLang="en-US"/>
+            </a:p>
+          </p:txBody>
+        </p:sp>
+        <p:pic>
+          <p:nvPicPr>
+            <p:cNvPr id="26" name="그림 25">
+              <a:extLst>
+                <a:ext uri="{FF2B5EF4-FFF2-40B4-BE49-F238E27FC236}">
+                  <a16:creationId xmlns:a16="http://schemas.microsoft.com/office/drawing/2014/main" id="{A8BEAEBF-F7BD-43B6-A07C-CD0BE7192848}"/>
+                </a:ext>
+              </a:extLst>
+            </p:cNvPr>
+            <p:cNvPicPr>
+              <a:picLocks noChangeAspect="1"/>
+            </p:cNvPicPr>
+            <p:nvPr/>
+          </p:nvPicPr>
+          <p:blipFill>
+            <a:blip r:embed="rId4">
+              <a:extLst>
+                <a:ext uri="{28A0092B-C50C-407E-A947-70E740481C1C}">
+                  <a14:useLocalDpi xmlns:a14="http://schemas.microsoft.com/office/drawing/2010/main" val="0"/>
+                </a:ext>
+              </a:extLst>
+            </a:blip>
+            <a:stretch>
+              <a:fillRect/>
+            </a:stretch>
+          </p:blipFill>
+          <p:spPr>
+            <a:xfrm>
+              <a:off x="952467" y="1965138"/>
+              <a:ext cx="847790" cy="847790"/>
+            </a:xfrm>
+            <a:prstGeom prst="rect">
+              <a:avLst/>
+            </a:prstGeom>
+          </p:spPr>
+        </p:pic>
+      </p:grpSp>
+      <p:sp>
+        <p:nvSpPr>
+          <p:cNvPr id="12" name="TextBox 11">
+            <a:extLst>
+              <a:ext uri="{FF2B5EF4-FFF2-40B4-BE49-F238E27FC236}">
+                <a16:creationId xmlns:a16="http://schemas.microsoft.com/office/drawing/2014/main" id="{E451B24E-4045-47C6-8751-103A97752A8E}"/>
+              </a:ext>
+            </a:extLst>
+          </p:cNvPr>
+          <p:cNvSpPr txBox="1"/>
+          <p:nvPr/>
+        </p:nvSpPr>
+        <p:spPr>
+          <a:xfrm>
+            <a:off x="971121" y="2917223"/>
+            <a:ext cx="877163" cy="369332"/>
+          </a:xfrm>
+          <a:prstGeom prst="rect">
+            <a:avLst/>
+          </a:prstGeom>
+          <a:solidFill>
+            <a:schemeClr val="bg1"/>
+          </a:solidFill>
+        </p:spPr>
+        <p:txBody>
+          <a:bodyPr wrap="none" rtlCol="0">
+            <a:spAutoFit/>
+          </a:bodyPr>
+          <a:lstStyle/>
+          <a:p>
+            <a:r>
+              <a:rPr lang="ko-KR" altLang="en-US" b="1" dirty="0"/>
+              <a:t>공격력</a:t>
+            </a:r>
+          </a:p>
+        </p:txBody>
+      </p:sp>
+      <p:cxnSp>
+        <p:nvCxnSpPr>
+          <p:cNvPr id="27" name="직선 연결선 26">
+            <a:extLst>
+              <a:ext uri="{FF2B5EF4-FFF2-40B4-BE49-F238E27FC236}">
+                <a16:creationId xmlns:a16="http://schemas.microsoft.com/office/drawing/2014/main" id="{3B5AC65B-26BA-466C-8FC2-B654B40DBE0F}"/>
+              </a:ext>
+            </a:extLst>
+          </p:cNvPr>
+          <p:cNvCxnSpPr/>
+          <p:nvPr/>
+        </p:nvCxnSpPr>
+        <p:spPr>
+          <a:xfrm>
+            <a:off x="495300" y="1266825"/>
+            <a:ext cx="11191875" cy="0"/>
+          </a:xfrm>
+          <a:prstGeom prst="line">
+            <a:avLst/>
+          </a:prstGeom>
+          <a:ln w="57150">
+            <a:solidFill>
+              <a:schemeClr val="accent4"/>
+            </a:solidFill>
+          </a:ln>
+        </p:spPr>
+        <p:style>
+          <a:lnRef idx="1">
+            <a:schemeClr val="accent1"/>
+          </a:lnRef>
+          <a:fillRef idx="0">
+            <a:schemeClr val="accent1"/>
+          </a:fillRef>
+          <a:effectRef idx="0">
+            <a:schemeClr val="accent1"/>
+          </a:effectRef>
+          <a:fontRef idx="minor">
+            <a:schemeClr val="tx1"/>
+          </a:fontRef>
+        </p:style>
+      </p:cxnSp>
+      <p:sp>
+        <p:nvSpPr>
+          <p:cNvPr id="28" name="TextBox 27">
+            <a:extLst>
+              <a:ext uri="{FF2B5EF4-FFF2-40B4-BE49-F238E27FC236}">
+                <a16:creationId xmlns:a16="http://schemas.microsoft.com/office/drawing/2014/main" id="{3CCCAF2B-740A-43AE-AE4F-9CE6CEB53132}"/>
+              </a:ext>
+            </a:extLst>
+          </p:cNvPr>
+          <p:cNvSpPr txBox="1"/>
+          <p:nvPr/>
+        </p:nvSpPr>
+        <p:spPr>
+          <a:xfrm>
+            <a:off x="495300" y="314325"/>
+            <a:ext cx="2417650" cy="707886"/>
+          </a:xfrm>
+          <a:prstGeom prst="rect">
+            <a:avLst/>
+          </a:prstGeom>
+          <a:noFill/>
+        </p:spPr>
+        <p:txBody>
+          <a:bodyPr wrap="none" rtlCol="0">
+            <a:spAutoFit/>
+          </a:bodyPr>
+          <a:lstStyle/>
+          <a:p>
+            <a:r>
+              <a:rPr lang="ko-KR" altLang="en-US" sz="4000" b="1" dirty="0"/>
+              <a:t>메뉴 명칭</a:t>
+            </a:r>
+          </a:p>
+        </p:txBody>
+      </p:sp>
+      <p:sp>
+        <p:nvSpPr>
+          <p:cNvPr id="29" name="원형: 비어 있음 28">
+            <a:extLst>
+              <a:ext uri="{FF2B5EF4-FFF2-40B4-BE49-F238E27FC236}">
+                <a16:creationId xmlns:a16="http://schemas.microsoft.com/office/drawing/2014/main" id="{20767E9D-7BFC-45C9-84E8-1009DBB90007}"/>
+              </a:ext>
+            </a:extLst>
+          </p:cNvPr>
+          <p:cNvSpPr/>
+          <p:nvPr/>
+        </p:nvSpPr>
+        <p:spPr>
+          <a:xfrm>
+            <a:off x="881064" y="3875766"/>
+            <a:ext cx="1057275" cy="1057275"/>
+          </a:xfrm>
+          <a:prstGeom prst="donut">
+            <a:avLst>
+              <a:gd name="adj" fmla="val 8909"/>
+            </a:avLst>
+          </a:prstGeom>
+          <a:solidFill>
+            <a:schemeClr val="tx1"/>
+          </a:solidFill>
+          <a:ln>
+            <a:solidFill>
+              <a:schemeClr val="tx1"/>
+            </a:solidFill>
+          </a:ln>
+        </p:spPr>
+        <p:style>
+          <a:lnRef idx="2">
+            <a:schemeClr val="accent1">
+              <a:shade val="50000"/>
+            </a:schemeClr>
+          </a:lnRef>
+          <a:fillRef idx="1">
+            <a:schemeClr val="accent1"/>
+          </a:fillRef>
+          <a:effectRef idx="0">
+            <a:schemeClr val="accent1"/>
+          </a:effectRef>
+          <a:fontRef idx="minor">
+            <a:schemeClr val="lt1"/>
+          </a:fontRef>
+        </p:style>
+        <p:txBody>
+          <a:bodyPr rtlCol="0" anchor="ctr"/>
+          <a:lstStyle/>
+          <a:p>
+            <a:pPr algn="ctr"/>
+            <a:endParaRPr lang="ko-KR" altLang="en-US">
+              <a:solidFill>
+                <a:schemeClr val="tx1"/>
+              </a:solidFill>
+            </a:endParaRPr>
+          </a:p>
+        </p:txBody>
+      </p:sp>
+      <p:sp>
+        <p:nvSpPr>
+          <p:cNvPr id="30" name="원형: 비어 있음 29">
+            <a:extLst>
+              <a:ext uri="{FF2B5EF4-FFF2-40B4-BE49-F238E27FC236}">
+                <a16:creationId xmlns:a16="http://schemas.microsoft.com/office/drawing/2014/main" id="{816F5410-EC41-477F-AB14-646923B26E90}"/>
+              </a:ext>
+            </a:extLst>
+          </p:cNvPr>
+          <p:cNvSpPr/>
+          <p:nvPr/>
+        </p:nvSpPr>
+        <p:spPr>
+          <a:xfrm>
+            <a:off x="2238623" y="3875766"/>
+            <a:ext cx="1057275" cy="1057275"/>
+          </a:xfrm>
+          <a:prstGeom prst="donut">
+            <a:avLst>
+              <a:gd name="adj" fmla="val 8909"/>
+            </a:avLst>
+          </a:prstGeom>
+          <a:solidFill>
+            <a:schemeClr val="tx1"/>
+          </a:solidFill>
+          <a:ln>
+            <a:solidFill>
+              <a:schemeClr val="tx1"/>
+            </a:solidFill>
+          </a:ln>
+        </p:spPr>
+        <p:style>
+          <a:lnRef idx="2">
+            <a:schemeClr val="accent1">
+              <a:shade val="50000"/>
+            </a:schemeClr>
+          </a:lnRef>
+          <a:fillRef idx="1">
+            <a:schemeClr val="accent1"/>
+          </a:fillRef>
+          <a:effectRef idx="0">
+            <a:schemeClr val="accent1"/>
+          </a:effectRef>
+          <a:fontRef idx="minor">
+            <a:schemeClr val="lt1"/>
+          </a:fontRef>
+        </p:style>
+        <p:txBody>
+          <a:bodyPr rtlCol="0" anchor="ctr"/>
+          <a:lstStyle/>
+          <a:p>
+            <a:pPr algn="ctr"/>
+            <a:endParaRPr lang="ko-KR" altLang="en-US">
+              <a:solidFill>
+                <a:schemeClr val="tx1"/>
+              </a:solidFill>
+            </a:endParaRPr>
+          </a:p>
+        </p:txBody>
+      </p:sp>
+      <p:sp>
+        <p:nvSpPr>
+          <p:cNvPr id="31" name="원형: 비어 있음 30">
+            <a:extLst>
+              <a:ext uri="{FF2B5EF4-FFF2-40B4-BE49-F238E27FC236}">
+                <a16:creationId xmlns:a16="http://schemas.microsoft.com/office/drawing/2014/main" id="{433A6E29-4393-4462-9F43-471F74CE2E1F}"/>
+              </a:ext>
+            </a:extLst>
+          </p:cNvPr>
+          <p:cNvSpPr/>
+          <p:nvPr/>
+        </p:nvSpPr>
+        <p:spPr>
+          <a:xfrm>
+            <a:off x="3668732" y="3875766"/>
+            <a:ext cx="1057275" cy="1057275"/>
+          </a:xfrm>
+          <a:prstGeom prst="donut">
+            <a:avLst>
+              <a:gd name="adj" fmla="val 8909"/>
+            </a:avLst>
+          </a:prstGeom>
+          <a:solidFill>
+            <a:schemeClr val="tx1"/>
+          </a:solidFill>
+          <a:ln>
+            <a:solidFill>
+              <a:schemeClr val="tx1"/>
+            </a:solidFill>
+          </a:ln>
+        </p:spPr>
+        <p:style>
+          <a:lnRef idx="2">
+            <a:schemeClr val="accent1">
+              <a:shade val="50000"/>
+            </a:schemeClr>
+          </a:lnRef>
+          <a:fillRef idx="1">
+            <a:schemeClr val="accent1"/>
+          </a:fillRef>
+          <a:effectRef idx="0">
+            <a:schemeClr val="accent1"/>
+          </a:effectRef>
+          <a:fontRef idx="minor">
+            <a:schemeClr val="lt1"/>
+          </a:fontRef>
+        </p:style>
+        <p:txBody>
+          <a:bodyPr rtlCol="0" anchor="ctr"/>
+          <a:lstStyle/>
+          <a:p>
+            <a:pPr algn="ctr"/>
+            <a:endParaRPr lang="ko-KR" altLang="en-US">
+              <a:solidFill>
+                <a:schemeClr val="tx1"/>
+              </a:solidFill>
+            </a:endParaRPr>
+          </a:p>
+        </p:txBody>
+      </p:sp>
+      <p:sp>
+        <p:nvSpPr>
+          <p:cNvPr id="10" name="TextBox 9">
+            <a:extLst>
+              <a:ext uri="{FF2B5EF4-FFF2-40B4-BE49-F238E27FC236}">
+                <a16:creationId xmlns:a16="http://schemas.microsoft.com/office/drawing/2014/main" id="{07B2BA16-64A2-402F-A7C9-92E86C6CE3BE}"/>
+              </a:ext>
+            </a:extLst>
+          </p:cNvPr>
+          <p:cNvSpPr txBox="1"/>
+          <p:nvPr/>
+        </p:nvSpPr>
+        <p:spPr>
+          <a:xfrm>
+            <a:off x="9859992" y="914400"/>
+            <a:ext cx="1117614" cy="369332"/>
+          </a:xfrm>
+          <a:prstGeom prst="rect">
+            <a:avLst/>
+          </a:prstGeom>
+          <a:noFill/>
+        </p:spPr>
+        <p:txBody>
+          <a:bodyPr wrap="none" rtlCol="0">
+            <a:spAutoFit/>
+          </a:bodyPr>
+          <a:lstStyle/>
+          <a:p>
+            <a:r>
+              <a:rPr lang="en-US" altLang="ko-KR" dirty="0"/>
+              <a:t>ESC </a:t>
+            </a:r>
+            <a:r>
+              <a:rPr lang="ko-KR" altLang="en-US"/>
+              <a:t>닫기</a:t>
+            </a:r>
+          </a:p>
+        </p:txBody>
+      </p:sp>
+    </p:spTree>
+    <p:extLst>
+      <p:ext uri="{BB962C8B-B14F-4D97-AF65-F5344CB8AC3E}">
+        <p14:creationId xmlns:p14="http://schemas.microsoft.com/office/powerpoint/2010/main" val="1762975299"/>
+      </p:ext>
+    </p:extLst>
+  </p:cSld>
+  <p:clrMapOvr>
+    <a:masterClrMapping/>
+  </p:clrMapOvr>
+</p:sld>
+</file>
+
 <file path=ppt/theme/theme1.xml><?xml version="1.0" encoding="utf-8"?>
 <a:theme xmlns:a="http://schemas.openxmlformats.org/drawingml/2006/main" name="Office 테마">
   <a:themeElements>
